--- a/design/walker/electricalDiagram.pptx
+++ b/design/walker/electricalDiagram.pptx
@@ -104,6 +104,22 @@
       </a:defRPr>
     </a:lvl9pPr>
   </p:defaultTextStyle>
+  <p:extLst>
+    <p:ext uri="{EFAFB233-063F-42B5-8137-9DF3F51BA10A}">
+      <p15:sldGuideLst xmlns:p15="http://schemas.microsoft.com/office/powerpoint/2012/main">
+        <p15:guide id="1" orient="horz" pos="2160">
+          <p15:clr>
+            <a:srgbClr val="A4A3A4"/>
+          </p15:clr>
+        </p15:guide>
+        <p15:guide id="2" pos="3840">
+          <p15:clr>
+            <a:srgbClr val="A4A3A4"/>
+          </p15:clr>
+        </p15:guide>
+      </p15:sldGuideLst>
+    </p:ext>
+  </p:extLst>
 </p:presentation>
 </file>
 
@@ -149,7 +165,7 @@
           </a:lstStyle>
           <a:p>
             <a:r>
-              <a:rPr lang="en-US"/>
+              <a:rPr lang="en-US" smtClean="0"/>
               <a:t>Click to edit Master title style</a:t>
             </a:r>
             <a:endParaRPr lang="en-US"/>
@@ -214,7 +230,7 @@
           </a:lstStyle>
           <a:p>
             <a:r>
-              <a:rPr lang="en-US"/>
+              <a:rPr lang="en-US" smtClean="0"/>
               <a:t>Click to edit Master subtitle style</a:t>
             </a:r>
             <a:endParaRPr lang="en-US"/>
@@ -236,9 +252,9 @@
           <a:bodyPr/>
           <a:lstStyle/>
           <a:p>
-            <a:fld id="{75ADF594-5F8E-4493-BC84-98EA48D9A446}" type="datetimeFigureOut">
-              <a:rPr lang="en-US" smtClean="0"/>
-              <a:t>4/28/2016</a:t>
+            <a:fld id="{5A852F11-8B9F-4E3A-84B2-D575512D38C3}" type="datetimeFigureOut">
+              <a:rPr lang="en-US" smtClean="0"/>
+              <a:t>5/7/2016</a:t>
             </a:fld>
             <a:endParaRPr lang="en-US"/>
           </a:p>
@@ -278,7 +294,7 @@
           <a:bodyPr/>
           <a:lstStyle/>
           <a:p>
-            <a:fld id="{46C1569A-1399-4308-8C7D-CC370BAEC3B7}" type="slidenum">
+            <a:fld id="{2C5CA37F-10BC-4BE6-906E-79719166579D}" type="slidenum">
               <a:rPr lang="en-US" smtClean="0"/>
               <a:t>‹#›</a:t>
             </a:fld>
@@ -289,7 +305,7 @@
     </p:spTree>
     <p:extLst>
       <p:ext uri="{BB962C8B-B14F-4D97-AF65-F5344CB8AC3E}">
-        <p14:creationId xmlns:p14="http://schemas.microsoft.com/office/powerpoint/2010/main" val="3595694244"/>
+        <p14:creationId xmlns:p14="http://schemas.microsoft.com/office/powerpoint/2010/main" val="2114106652"/>
       </p:ext>
     </p:extLst>
   </p:cSld>
@@ -332,7 +348,7 @@
           <a:lstStyle/>
           <a:p>
             <a:r>
-              <a:rPr lang="en-US"/>
+              <a:rPr lang="en-US" smtClean="0"/>
               <a:t>Click to edit Master title style</a:t>
             </a:r>
             <a:endParaRPr lang="en-US"/>
@@ -356,35 +372,35 @@
           <a:p>
             <a:pPr lvl="0"/>
             <a:r>
-              <a:rPr lang="en-US"/>
-              <a:t>Edit Master text styles</a:t>
+              <a:rPr lang="en-US" smtClean="0"/>
+              <a:t>Click to edit Master text styles</a:t>
             </a:r>
           </a:p>
           <a:p>
             <a:pPr lvl="1"/>
             <a:r>
-              <a:rPr lang="en-US"/>
+              <a:rPr lang="en-US" smtClean="0"/>
               <a:t>Second level</a:t>
             </a:r>
           </a:p>
           <a:p>
             <a:pPr lvl="2"/>
             <a:r>
-              <a:rPr lang="en-US"/>
+              <a:rPr lang="en-US" smtClean="0"/>
               <a:t>Third level</a:t>
             </a:r>
           </a:p>
           <a:p>
             <a:pPr lvl="3"/>
             <a:r>
-              <a:rPr lang="en-US"/>
+              <a:rPr lang="en-US" smtClean="0"/>
               <a:t>Fourth level</a:t>
             </a:r>
           </a:p>
           <a:p>
             <a:pPr lvl="4"/>
             <a:r>
-              <a:rPr lang="en-US"/>
+              <a:rPr lang="en-US" smtClean="0"/>
               <a:t>Fifth level</a:t>
             </a:r>
             <a:endParaRPr lang="en-US"/>
@@ -406,9 +422,9 @@
           <a:bodyPr/>
           <a:lstStyle/>
           <a:p>
-            <a:fld id="{75ADF594-5F8E-4493-BC84-98EA48D9A446}" type="datetimeFigureOut">
-              <a:rPr lang="en-US" smtClean="0"/>
-              <a:t>4/28/2016</a:t>
+            <a:fld id="{5A852F11-8B9F-4E3A-84B2-D575512D38C3}" type="datetimeFigureOut">
+              <a:rPr lang="en-US" smtClean="0"/>
+              <a:t>5/7/2016</a:t>
             </a:fld>
             <a:endParaRPr lang="en-US"/>
           </a:p>
@@ -448,7 +464,7 @@
           <a:bodyPr/>
           <a:lstStyle/>
           <a:p>
-            <a:fld id="{46C1569A-1399-4308-8C7D-CC370BAEC3B7}" type="slidenum">
+            <a:fld id="{2C5CA37F-10BC-4BE6-906E-79719166579D}" type="slidenum">
               <a:rPr lang="en-US" smtClean="0"/>
               <a:t>‹#›</a:t>
             </a:fld>
@@ -459,7 +475,7 @@
     </p:spTree>
     <p:extLst>
       <p:ext uri="{BB962C8B-B14F-4D97-AF65-F5344CB8AC3E}">
-        <p14:creationId xmlns:p14="http://schemas.microsoft.com/office/powerpoint/2010/main" val="623914633"/>
+        <p14:creationId xmlns:p14="http://schemas.microsoft.com/office/powerpoint/2010/main" val="3179039873"/>
       </p:ext>
     </p:extLst>
   </p:cSld>
@@ -507,7 +523,7 @@
           <a:lstStyle/>
           <a:p>
             <a:r>
-              <a:rPr lang="en-US"/>
+              <a:rPr lang="en-US" smtClean="0"/>
               <a:t>Click to edit Master title style</a:t>
             </a:r>
             <a:endParaRPr lang="en-US"/>
@@ -536,35 +552,35 @@
           <a:p>
             <a:pPr lvl="0"/>
             <a:r>
-              <a:rPr lang="en-US"/>
-              <a:t>Edit Master text styles</a:t>
+              <a:rPr lang="en-US" smtClean="0"/>
+              <a:t>Click to edit Master text styles</a:t>
             </a:r>
           </a:p>
           <a:p>
             <a:pPr lvl="1"/>
             <a:r>
-              <a:rPr lang="en-US"/>
+              <a:rPr lang="en-US" smtClean="0"/>
               <a:t>Second level</a:t>
             </a:r>
           </a:p>
           <a:p>
             <a:pPr lvl="2"/>
             <a:r>
-              <a:rPr lang="en-US"/>
+              <a:rPr lang="en-US" smtClean="0"/>
               <a:t>Third level</a:t>
             </a:r>
           </a:p>
           <a:p>
             <a:pPr lvl="3"/>
             <a:r>
-              <a:rPr lang="en-US"/>
+              <a:rPr lang="en-US" smtClean="0"/>
               <a:t>Fourth level</a:t>
             </a:r>
           </a:p>
           <a:p>
             <a:pPr lvl="4"/>
             <a:r>
-              <a:rPr lang="en-US"/>
+              <a:rPr lang="en-US" smtClean="0"/>
               <a:t>Fifth level</a:t>
             </a:r>
             <a:endParaRPr lang="en-US"/>
@@ -586,9 +602,9 @@
           <a:bodyPr/>
           <a:lstStyle/>
           <a:p>
-            <a:fld id="{75ADF594-5F8E-4493-BC84-98EA48D9A446}" type="datetimeFigureOut">
-              <a:rPr lang="en-US" smtClean="0"/>
-              <a:t>4/28/2016</a:t>
+            <a:fld id="{5A852F11-8B9F-4E3A-84B2-D575512D38C3}" type="datetimeFigureOut">
+              <a:rPr lang="en-US" smtClean="0"/>
+              <a:t>5/7/2016</a:t>
             </a:fld>
             <a:endParaRPr lang="en-US"/>
           </a:p>
@@ -628,7 +644,7 @@
           <a:bodyPr/>
           <a:lstStyle/>
           <a:p>
-            <a:fld id="{46C1569A-1399-4308-8C7D-CC370BAEC3B7}" type="slidenum">
+            <a:fld id="{2C5CA37F-10BC-4BE6-906E-79719166579D}" type="slidenum">
               <a:rPr lang="en-US" smtClean="0"/>
               <a:t>‹#›</a:t>
             </a:fld>
@@ -639,7 +655,7 @@
     </p:spTree>
     <p:extLst>
       <p:ext uri="{BB962C8B-B14F-4D97-AF65-F5344CB8AC3E}">
-        <p14:creationId xmlns:p14="http://schemas.microsoft.com/office/powerpoint/2010/main" val="1664618419"/>
+        <p14:creationId xmlns:p14="http://schemas.microsoft.com/office/powerpoint/2010/main" val="2967236055"/>
       </p:ext>
     </p:extLst>
   </p:cSld>
@@ -682,7 +698,7 @@
           <a:lstStyle/>
           <a:p>
             <a:r>
-              <a:rPr lang="en-US"/>
+              <a:rPr lang="en-US" smtClean="0"/>
               <a:t>Click to edit Master title style</a:t>
             </a:r>
             <a:endParaRPr lang="en-US"/>
@@ -706,35 +722,35 @@
           <a:p>
             <a:pPr lvl="0"/>
             <a:r>
-              <a:rPr lang="en-US"/>
-              <a:t>Edit Master text styles</a:t>
+              <a:rPr lang="en-US" smtClean="0"/>
+              <a:t>Click to edit Master text styles</a:t>
             </a:r>
           </a:p>
           <a:p>
             <a:pPr lvl="1"/>
             <a:r>
-              <a:rPr lang="en-US"/>
+              <a:rPr lang="en-US" smtClean="0"/>
               <a:t>Second level</a:t>
             </a:r>
           </a:p>
           <a:p>
             <a:pPr lvl="2"/>
             <a:r>
-              <a:rPr lang="en-US"/>
+              <a:rPr lang="en-US" smtClean="0"/>
               <a:t>Third level</a:t>
             </a:r>
           </a:p>
           <a:p>
             <a:pPr lvl="3"/>
             <a:r>
-              <a:rPr lang="en-US"/>
+              <a:rPr lang="en-US" smtClean="0"/>
               <a:t>Fourth level</a:t>
             </a:r>
           </a:p>
           <a:p>
             <a:pPr lvl="4"/>
             <a:r>
-              <a:rPr lang="en-US"/>
+              <a:rPr lang="en-US" smtClean="0"/>
               <a:t>Fifth level</a:t>
             </a:r>
             <a:endParaRPr lang="en-US"/>
@@ -756,9 +772,9 @@
           <a:bodyPr/>
           <a:lstStyle/>
           <a:p>
-            <a:fld id="{75ADF594-5F8E-4493-BC84-98EA48D9A446}" type="datetimeFigureOut">
-              <a:rPr lang="en-US" smtClean="0"/>
-              <a:t>4/28/2016</a:t>
+            <a:fld id="{5A852F11-8B9F-4E3A-84B2-D575512D38C3}" type="datetimeFigureOut">
+              <a:rPr lang="en-US" smtClean="0"/>
+              <a:t>5/7/2016</a:t>
             </a:fld>
             <a:endParaRPr lang="en-US"/>
           </a:p>
@@ -798,7 +814,7 @@
           <a:bodyPr/>
           <a:lstStyle/>
           <a:p>
-            <a:fld id="{46C1569A-1399-4308-8C7D-CC370BAEC3B7}" type="slidenum">
+            <a:fld id="{2C5CA37F-10BC-4BE6-906E-79719166579D}" type="slidenum">
               <a:rPr lang="en-US" smtClean="0"/>
               <a:t>‹#›</a:t>
             </a:fld>
@@ -809,7 +825,7 @@
     </p:spTree>
     <p:extLst>
       <p:ext uri="{BB962C8B-B14F-4D97-AF65-F5344CB8AC3E}">
-        <p14:creationId xmlns:p14="http://schemas.microsoft.com/office/powerpoint/2010/main" val="626272007"/>
+        <p14:creationId xmlns:p14="http://schemas.microsoft.com/office/powerpoint/2010/main" val="1682440338"/>
       </p:ext>
     </p:extLst>
   </p:cSld>
@@ -861,7 +877,7 @@
           </a:lstStyle>
           <a:p>
             <a:r>
-              <a:rPr lang="en-US"/>
+              <a:rPr lang="en-US" smtClean="0"/>
               <a:t>Click to edit Master title style</a:t>
             </a:r>
             <a:endParaRPr lang="en-US"/>
@@ -981,8 +997,8 @@
           <a:p>
             <a:pPr lvl="0"/>
             <a:r>
-              <a:rPr lang="en-US"/>
-              <a:t>Edit Master text styles</a:t>
+              <a:rPr lang="en-US" smtClean="0"/>
+              <a:t>Click to edit Master text styles</a:t>
             </a:r>
           </a:p>
         </p:txBody>
@@ -1002,9 +1018,9 @@
           <a:bodyPr/>
           <a:lstStyle/>
           <a:p>
-            <a:fld id="{75ADF594-5F8E-4493-BC84-98EA48D9A446}" type="datetimeFigureOut">
-              <a:rPr lang="en-US" smtClean="0"/>
-              <a:t>4/28/2016</a:t>
+            <a:fld id="{5A852F11-8B9F-4E3A-84B2-D575512D38C3}" type="datetimeFigureOut">
+              <a:rPr lang="en-US" smtClean="0"/>
+              <a:t>5/7/2016</a:t>
             </a:fld>
             <a:endParaRPr lang="en-US"/>
           </a:p>
@@ -1044,7 +1060,7 @@
           <a:bodyPr/>
           <a:lstStyle/>
           <a:p>
-            <a:fld id="{46C1569A-1399-4308-8C7D-CC370BAEC3B7}" type="slidenum">
+            <a:fld id="{2C5CA37F-10BC-4BE6-906E-79719166579D}" type="slidenum">
               <a:rPr lang="en-US" smtClean="0"/>
               <a:t>‹#›</a:t>
             </a:fld>
@@ -1055,7 +1071,7 @@
     </p:spTree>
     <p:extLst>
       <p:ext uri="{BB962C8B-B14F-4D97-AF65-F5344CB8AC3E}">
-        <p14:creationId xmlns:p14="http://schemas.microsoft.com/office/powerpoint/2010/main" val="2931108136"/>
+        <p14:creationId xmlns:p14="http://schemas.microsoft.com/office/powerpoint/2010/main" val="3825095141"/>
       </p:ext>
     </p:extLst>
   </p:cSld>
@@ -1098,7 +1114,7 @@
           <a:lstStyle/>
           <a:p>
             <a:r>
-              <a:rPr lang="en-US"/>
+              <a:rPr lang="en-US" smtClean="0"/>
               <a:t>Click to edit Master title style</a:t>
             </a:r>
             <a:endParaRPr lang="en-US"/>
@@ -1127,35 +1143,35 @@
           <a:p>
             <a:pPr lvl="0"/>
             <a:r>
-              <a:rPr lang="en-US"/>
-              <a:t>Edit Master text styles</a:t>
+              <a:rPr lang="en-US" smtClean="0"/>
+              <a:t>Click to edit Master text styles</a:t>
             </a:r>
           </a:p>
           <a:p>
             <a:pPr lvl="1"/>
             <a:r>
-              <a:rPr lang="en-US"/>
+              <a:rPr lang="en-US" smtClean="0"/>
               <a:t>Second level</a:t>
             </a:r>
           </a:p>
           <a:p>
             <a:pPr lvl="2"/>
             <a:r>
-              <a:rPr lang="en-US"/>
+              <a:rPr lang="en-US" smtClean="0"/>
               <a:t>Third level</a:t>
             </a:r>
           </a:p>
           <a:p>
             <a:pPr lvl="3"/>
             <a:r>
-              <a:rPr lang="en-US"/>
+              <a:rPr lang="en-US" smtClean="0"/>
               <a:t>Fourth level</a:t>
             </a:r>
           </a:p>
           <a:p>
             <a:pPr lvl="4"/>
             <a:r>
-              <a:rPr lang="en-US"/>
+              <a:rPr lang="en-US" smtClean="0"/>
               <a:t>Fifth level</a:t>
             </a:r>
             <a:endParaRPr lang="en-US"/>
@@ -1184,35 +1200,35 @@
           <a:p>
             <a:pPr lvl="0"/>
             <a:r>
-              <a:rPr lang="en-US"/>
-              <a:t>Edit Master text styles</a:t>
+              <a:rPr lang="en-US" smtClean="0"/>
+              <a:t>Click to edit Master text styles</a:t>
             </a:r>
           </a:p>
           <a:p>
             <a:pPr lvl="1"/>
             <a:r>
-              <a:rPr lang="en-US"/>
+              <a:rPr lang="en-US" smtClean="0"/>
               <a:t>Second level</a:t>
             </a:r>
           </a:p>
           <a:p>
             <a:pPr lvl="2"/>
             <a:r>
-              <a:rPr lang="en-US"/>
+              <a:rPr lang="en-US" smtClean="0"/>
               <a:t>Third level</a:t>
             </a:r>
           </a:p>
           <a:p>
             <a:pPr lvl="3"/>
             <a:r>
-              <a:rPr lang="en-US"/>
+              <a:rPr lang="en-US" smtClean="0"/>
               <a:t>Fourth level</a:t>
             </a:r>
           </a:p>
           <a:p>
             <a:pPr lvl="4"/>
             <a:r>
-              <a:rPr lang="en-US"/>
+              <a:rPr lang="en-US" smtClean="0"/>
               <a:t>Fifth level</a:t>
             </a:r>
             <a:endParaRPr lang="en-US"/>
@@ -1234,9 +1250,9 @@
           <a:bodyPr/>
           <a:lstStyle/>
           <a:p>
-            <a:fld id="{75ADF594-5F8E-4493-BC84-98EA48D9A446}" type="datetimeFigureOut">
-              <a:rPr lang="en-US" smtClean="0"/>
-              <a:t>4/28/2016</a:t>
+            <a:fld id="{5A852F11-8B9F-4E3A-84B2-D575512D38C3}" type="datetimeFigureOut">
+              <a:rPr lang="en-US" smtClean="0"/>
+              <a:t>5/7/2016</a:t>
             </a:fld>
             <a:endParaRPr lang="en-US"/>
           </a:p>
@@ -1276,7 +1292,7 @@
           <a:bodyPr/>
           <a:lstStyle/>
           <a:p>
-            <a:fld id="{46C1569A-1399-4308-8C7D-CC370BAEC3B7}" type="slidenum">
+            <a:fld id="{2C5CA37F-10BC-4BE6-906E-79719166579D}" type="slidenum">
               <a:rPr lang="en-US" smtClean="0"/>
               <a:t>‹#›</a:t>
             </a:fld>
@@ -1287,7 +1303,7 @@
     </p:spTree>
     <p:extLst>
       <p:ext uri="{BB962C8B-B14F-4D97-AF65-F5344CB8AC3E}">
-        <p14:creationId xmlns:p14="http://schemas.microsoft.com/office/powerpoint/2010/main" val="1763324315"/>
+        <p14:creationId xmlns:p14="http://schemas.microsoft.com/office/powerpoint/2010/main" val="2612628518"/>
       </p:ext>
     </p:extLst>
   </p:cSld>
@@ -1335,7 +1351,7 @@
           <a:lstStyle/>
           <a:p>
             <a:r>
-              <a:rPr lang="en-US"/>
+              <a:rPr lang="en-US" smtClean="0"/>
               <a:t>Click to edit Master title style</a:t>
             </a:r>
             <a:endParaRPr lang="en-US"/>
@@ -1401,8 +1417,8 @@
           <a:p>
             <a:pPr lvl="0"/>
             <a:r>
-              <a:rPr lang="en-US"/>
-              <a:t>Edit Master text styles</a:t>
+              <a:rPr lang="en-US" smtClean="0"/>
+              <a:t>Click to edit Master text styles</a:t>
             </a:r>
           </a:p>
         </p:txBody>
@@ -1429,35 +1445,35 @@
           <a:p>
             <a:pPr lvl="0"/>
             <a:r>
-              <a:rPr lang="en-US"/>
-              <a:t>Edit Master text styles</a:t>
+              <a:rPr lang="en-US" smtClean="0"/>
+              <a:t>Click to edit Master text styles</a:t>
             </a:r>
           </a:p>
           <a:p>
             <a:pPr lvl="1"/>
             <a:r>
-              <a:rPr lang="en-US"/>
+              <a:rPr lang="en-US" smtClean="0"/>
               <a:t>Second level</a:t>
             </a:r>
           </a:p>
           <a:p>
             <a:pPr lvl="2"/>
             <a:r>
-              <a:rPr lang="en-US"/>
+              <a:rPr lang="en-US" smtClean="0"/>
               <a:t>Third level</a:t>
             </a:r>
           </a:p>
           <a:p>
             <a:pPr lvl="3"/>
             <a:r>
-              <a:rPr lang="en-US"/>
+              <a:rPr lang="en-US" smtClean="0"/>
               <a:t>Fourth level</a:t>
             </a:r>
           </a:p>
           <a:p>
             <a:pPr lvl="4"/>
             <a:r>
-              <a:rPr lang="en-US"/>
+              <a:rPr lang="en-US" smtClean="0"/>
               <a:t>Fifth level</a:t>
             </a:r>
             <a:endParaRPr lang="en-US"/>
@@ -1523,8 +1539,8 @@
           <a:p>
             <a:pPr lvl="0"/>
             <a:r>
-              <a:rPr lang="en-US"/>
-              <a:t>Edit Master text styles</a:t>
+              <a:rPr lang="en-US" smtClean="0"/>
+              <a:t>Click to edit Master text styles</a:t>
             </a:r>
           </a:p>
         </p:txBody>
@@ -1551,35 +1567,35 @@
           <a:p>
             <a:pPr lvl="0"/>
             <a:r>
-              <a:rPr lang="en-US"/>
-              <a:t>Edit Master text styles</a:t>
+              <a:rPr lang="en-US" smtClean="0"/>
+              <a:t>Click to edit Master text styles</a:t>
             </a:r>
           </a:p>
           <a:p>
             <a:pPr lvl="1"/>
             <a:r>
-              <a:rPr lang="en-US"/>
+              <a:rPr lang="en-US" smtClean="0"/>
               <a:t>Second level</a:t>
             </a:r>
           </a:p>
           <a:p>
             <a:pPr lvl="2"/>
             <a:r>
-              <a:rPr lang="en-US"/>
+              <a:rPr lang="en-US" smtClean="0"/>
               <a:t>Third level</a:t>
             </a:r>
           </a:p>
           <a:p>
             <a:pPr lvl="3"/>
             <a:r>
-              <a:rPr lang="en-US"/>
+              <a:rPr lang="en-US" smtClean="0"/>
               <a:t>Fourth level</a:t>
             </a:r>
           </a:p>
           <a:p>
             <a:pPr lvl="4"/>
             <a:r>
-              <a:rPr lang="en-US"/>
+              <a:rPr lang="en-US" smtClean="0"/>
               <a:t>Fifth level</a:t>
             </a:r>
             <a:endParaRPr lang="en-US"/>
@@ -1601,9 +1617,9 @@
           <a:bodyPr/>
           <a:lstStyle/>
           <a:p>
-            <a:fld id="{75ADF594-5F8E-4493-BC84-98EA48D9A446}" type="datetimeFigureOut">
-              <a:rPr lang="en-US" smtClean="0"/>
-              <a:t>4/28/2016</a:t>
+            <a:fld id="{5A852F11-8B9F-4E3A-84B2-D575512D38C3}" type="datetimeFigureOut">
+              <a:rPr lang="en-US" smtClean="0"/>
+              <a:t>5/7/2016</a:t>
             </a:fld>
             <a:endParaRPr lang="en-US"/>
           </a:p>
@@ -1643,7 +1659,7 @@
           <a:bodyPr/>
           <a:lstStyle/>
           <a:p>
-            <a:fld id="{46C1569A-1399-4308-8C7D-CC370BAEC3B7}" type="slidenum">
+            <a:fld id="{2C5CA37F-10BC-4BE6-906E-79719166579D}" type="slidenum">
               <a:rPr lang="en-US" smtClean="0"/>
               <a:t>‹#›</a:t>
             </a:fld>
@@ -1654,7 +1670,7 @@
     </p:spTree>
     <p:extLst>
       <p:ext uri="{BB962C8B-B14F-4D97-AF65-F5344CB8AC3E}">
-        <p14:creationId xmlns:p14="http://schemas.microsoft.com/office/powerpoint/2010/main" val="2407787773"/>
+        <p14:creationId xmlns:p14="http://schemas.microsoft.com/office/powerpoint/2010/main" val="2241055783"/>
       </p:ext>
     </p:extLst>
   </p:cSld>
@@ -1697,7 +1713,7 @@
           <a:lstStyle/>
           <a:p>
             <a:r>
-              <a:rPr lang="en-US"/>
+              <a:rPr lang="en-US" smtClean="0"/>
               <a:t>Click to edit Master title style</a:t>
             </a:r>
             <a:endParaRPr lang="en-US"/>
@@ -1719,9 +1735,9 @@
           <a:bodyPr/>
           <a:lstStyle/>
           <a:p>
-            <a:fld id="{75ADF594-5F8E-4493-BC84-98EA48D9A446}" type="datetimeFigureOut">
-              <a:rPr lang="en-US" smtClean="0"/>
-              <a:t>4/28/2016</a:t>
+            <a:fld id="{5A852F11-8B9F-4E3A-84B2-D575512D38C3}" type="datetimeFigureOut">
+              <a:rPr lang="en-US" smtClean="0"/>
+              <a:t>5/7/2016</a:t>
             </a:fld>
             <a:endParaRPr lang="en-US"/>
           </a:p>
@@ -1761,7 +1777,7 @@
           <a:bodyPr/>
           <a:lstStyle/>
           <a:p>
-            <a:fld id="{46C1569A-1399-4308-8C7D-CC370BAEC3B7}" type="slidenum">
+            <a:fld id="{2C5CA37F-10BC-4BE6-906E-79719166579D}" type="slidenum">
               <a:rPr lang="en-US" smtClean="0"/>
               <a:t>‹#›</a:t>
             </a:fld>
@@ -1772,7 +1788,7 @@
     </p:spTree>
     <p:extLst>
       <p:ext uri="{BB962C8B-B14F-4D97-AF65-F5344CB8AC3E}">
-        <p14:creationId xmlns:p14="http://schemas.microsoft.com/office/powerpoint/2010/main" val="407165559"/>
+        <p14:creationId xmlns:p14="http://schemas.microsoft.com/office/powerpoint/2010/main" val="715354883"/>
       </p:ext>
     </p:extLst>
   </p:cSld>
@@ -1814,9 +1830,9 @@
           <a:bodyPr/>
           <a:lstStyle/>
           <a:p>
-            <a:fld id="{75ADF594-5F8E-4493-BC84-98EA48D9A446}" type="datetimeFigureOut">
-              <a:rPr lang="en-US" smtClean="0"/>
-              <a:t>4/28/2016</a:t>
+            <a:fld id="{5A852F11-8B9F-4E3A-84B2-D575512D38C3}" type="datetimeFigureOut">
+              <a:rPr lang="en-US" smtClean="0"/>
+              <a:t>5/7/2016</a:t>
             </a:fld>
             <a:endParaRPr lang="en-US"/>
           </a:p>
@@ -1856,7 +1872,7 @@
           <a:bodyPr/>
           <a:lstStyle/>
           <a:p>
-            <a:fld id="{46C1569A-1399-4308-8C7D-CC370BAEC3B7}" type="slidenum">
+            <a:fld id="{2C5CA37F-10BC-4BE6-906E-79719166579D}" type="slidenum">
               <a:rPr lang="en-US" smtClean="0"/>
               <a:t>‹#›</a:t>
             </a:fld>
@@ -1867,7 +1883,7 @@
     </p:spTree>
     <p:extLst>
       <p:ext uri="{BB962C8B-B14F-4D97-AF65-F5344CB8AC3E}">
-        <p14:creationId xmlns:p14="http://schemas.microsoft.com/office/powerpoint/2010/main" val="2245106396"/>
+        <p14:creationId xmlns:p14="http://schemas.microsoft.com/office/powerpoint/2010/main" val="853212171"/>
       </p:ext>
     </p:extLst>
   </p:cSld>
@@ -1919,7 +1935,7 @@
           </a:lstStyle>
           <a:p>
             <a:r>
-              <a:rPr lang="en-US"/>
+              <a:rPr lang="en-US" smtClean="0"/>
               <a:t>Click to edit Master title style</a:t>
             </a:r>
             <a:endParaRPr lang="en-US"/>
@@ -1976,35 +1992,35 @@
           <a:p>
             <a:pPr lvl="0"/>
             <a:r>
-              <a:rPr lang="en-US"/>
-              <a:t>Edit Master text styles</a:t>
+              <a:rPr lang="en-US" smtClean="0"/>
+              <a:t>Click to edit Master text styles</a:t>
             </a:r>
           </a:p>
           <a:p>
             <a:pPr lvl="1"/>
             <a:r>
-              <a:rPr lang="en-US"/>
+              <a:rPr lang="en-US" smtClean="0"/>
               <a:t>Second level</a:t>
             </a:r>
           </a:p>
           <a:p>
             <a:pPr lvl="2"/>
             <a:r>
-              <a:rPr lang="en-US"/>
+              <a:rPr lang="en-US" smtClean="0"/>
               <a:t>Third level</a:t>
             </a:r>
           </a:p>
           <a:p>
             <a:pPr lvl="3"/>
             <a:r>
-              <a:rPr lang="en-US"/>
+              <a:rPr lang="en-US" smtClean="0"/>
               <a:t>Fourth level</a:t>
             </a:r>
           </a:p>
           <a:p>
             <a:pPr lvl="4"/>
             <a:r>
-              <a:rPr lang="en-US"/>
+              <a:rPr lang="en-US" smtClean="0"/>
               <a:t>Fifth level</a:t>
             </a:r>
             <a:endParaRPr lang="en-US"/>
@@ -2070,8 +2086,8 @@
           <a:p>
             <a:pPr lvl="0"/>
             <a:r>
-              <a:rPr lang="en-US"/>
-              <a:t>Edit Master text styles</a:t>
+              <a:rPr lang="en-US" smtClean="0"/>
+              <a:t>Click to edit Master text styles</a:t>
             </a:r>
           </a:p>
         </p:txBody>
@@ -2091,9 +2107,9 @@
           <a:bodyPr/>
           <a:lstStyle/>
           <a:p>
-            <a:fld id="{75ADF594-5F8E-4493-BC84-98EA48D9A446}" type="datetimeFigureOut">
-              <a:rPr lang="en-US" smtClean="0"/>
-              <a:t>4/28/2016</a:t>
+            <a:fld id="{5A852F11-8B9F-4E3A-84B2-D575512D38C3}" type="datetimeFigureOut">
+              <a:rPr lang="en-US" smtClean="0"/>
+              <a:t>5/7/2016</a:t>
             </a:fld>
             <a:endParaRPr lang="en-US"/>
           </a:p>
@@ -2133,7 +2149,7 @@
           <a:bodyPr/>
           <a:lstStyle/>
           <a:p>
-            <a:fld id="{46C1569A-1399-4308-8C7D-CC370BAEC3B7}" type="slidenum">
+            <a:fld id="{2C5CA37F-10BC-4BE6-906E-79719166579D}" type="slidenum">
               <a:rPr lang="en-US" smtClean="0"/>
               <a:t>‹#›</a:t>
             </a:fld>
@@ -2144,7 +2160,7 @@
     </p:spTree>
     <p:extLst>
       <p:ext uri="{BB962C8B-B14F-4D97-AF65-F5344CB8AC3E}">
-        <p14:creationId xmlns:p14="http://schemas.microsoft.com/office/powerpoint/2010/main" val="3132542328"/>
+        <p14:creationId xmlns:p14="http://schemas.microsoft.com/office/powerpoint/2010/main" val="2187927515"/>
       </p:ext>
     </p:extLst>
   </p:cSld>
@@ -2196,7 +2212,7 @@
           </a:lstStyle>
           <a:p>
             <a:r>
-              <a:rPr lang="en-US"/>
+              <a:rPr lang="en-US" smtClean="0"/>
               <a:t>Click to edit Master title style</a:t>
             </a:r>
             <a:endParaRPr lang="en-US"/>
@@ -2323,8 +2339,8 @@
           <a:p>
             <a:pPr lvl="0"/>
             <a:r>
-              <a:rPr lang="en-US"/>
-              <a:t>Edit Master text styles</a:t>
+              <a:rPr lang="en-US" smtClean="0"/>
+              <a:t>Click to edit Master text styles</a:t>
             </a:r>
           </a:p>
         </p:txBody>
@@ -2344,9 +2360,9 @@
           <a:bodyPr/>
           <a:lstStyle/>
           <a:p>
-            <a:fld id="{75ADF594-5F8E-4493-BC84-98EA48D9A446}" type="datetimeFigureOut">
-              <a:rPr lang="en-US" smtClean="0"/>
-              <a:t>4/28/2016</a:t>
+            <a:fld id="{5A852F11-8B9F-4E3A-84B2-D575512D38C3}" type="datetimeFigureOut">
+              <a:rPr lang="en-US" smtClean="0"/>
+              <a:t>5/7/2016</a:t>
             </a:fld>
             <a:endParaRPr lang="en-US"/>
           </a:p>
@@ -2386,7 +2402,7 @@
           <a:bodyPr/>
           <a:lstStyle/>
           <a:p>
-            <a:fld id="{46C1569A-1399-4308-8C7D-CC370BAEC3B7}" type="slidenum">
+            <a:fld id="{2C5CA37F-10BC-4BE6-906E-79719166579D}" type="slidenum">
               <a:rPr lang="en-US" smtClean="0"/>
               <a:t>‹#›</a:t>
             </a:fld>
@@ -2397,7 +2413,7 @@
     </p:spTree>
     <p:extLst>
       <p:ext uri="{BB962C8B-B14F-4D97-AF65-F5344CB8AC3E}">
-        <p14:creationId xmlns:p14="http://schemas.microsoft.com/office/powerpoint/2010/main" val="419948044"/>
+        <p14:creationId xmlns:p14="http://schemas.microsoft.com/office/powerpoint/2010/main" val="3285124802"/>
       </p:ext>
     </p:extLst>
   </p:cSld>
@@ -2455,7 +2471,7 @@
           <a:lstStyle/>
           <a:p>
             <a:r>
-              <a:rPr lang="en-US"/>
+              <a:rPr lang="en-US" smtClean="0"/>
               <a:t>Click to edit Master title style</a:t>
             </a:r>
             <a:endParaRPr lang="en-US"/>
@@ -2489,35 +2505,35 @@
           <a:p>
             <a:pPr lvl="0"/>
             <a:r>
-              <a:rPr lang="en-US"/>
-              <a:t>Edit Master text styles</a:t>
+              <a:rPr lang="en-US" smtClean="0"/>
+              <a:t>Click to edit Master text styles</a:t>
             </a:r>
           </a:p>
           <a:p>
             <a:pPr lvl="1"/>
             <a:r>
-              <a:rPr lang="en-US"/>
+              <a:rPr lang="en-US" smtClean="0"/>
               <a:t>Second level</a:t>
             </a:r>
           </a:p>
           <a:p>
             <a:pPr lvl="2"/>
             <a:r>
-              <a:rPr lang="en-US"/>
+              <a:rPr lang="en-US" smtClean="0"/>
               <a:t>Third level</a:t>
             </a:r>
           </a:p>
           <a:p>
             <a:pPr lvl="3"/>
             <a:r>
-              <a:rPr lang="en-US"/>
+              <a:rPr lang="en-US" smtClean="0"/>
               <a:t>Fourth level</a:t>
             </a:r>
           </a:p>
           <a:p>
             <a:pPr lvl="4"/>
             <a:r>
-              <a:rPr lang="en-US"/>
+              <a:rPr lang="en-US" smtClean="0"/>
               <a:t>Fifth level</a:t>
             </a:r>
             <a:endParaRPr lang="en-US"/>
@@ -2557,9 +2573,9 @@
             </a:lvl1pPr>
           </a:lstStyle>
           <a:p>
-            <a:fld id="{75ADF594-5F8E-4493-BC84-98EA48D9A446}" type="datetimeFigureOut">
-              <a:rPr lang="en-US" smtClean="0"/>
-              <a:t>4/28/2016</a:t>
+            <a:fld id="{5A852F11-8B9F-4E3A-84B2-D575512D38C3}" type="datetimeFigureOut">
+              <a:rPr lang="en-US" smtClean="0"/>
+              <a:t>5/7/2016</a:t>
             </a:fld>
             <a:endParaRPr lang="en-US"/>
           </a:p>
@@ -2635,7 +2651,7 @@
             </a:lvl1pPr>
           </a:lstStyle>
           <a:p>
-            <a:fld id="{46C1569A-1399-4308-8C7D-CC370BAEC3B7}" type="slidenum">
+            <a:fld id="{2C5CA37F-10BC-4BE6-906E-79719166579D}" type="slidenum">
               <a:rPr lang="en-US" smtClean="0"/>
               <a:t>‹#›</a:t>
             </a:fld>
@@ -2646,7 +2662,7 @@
     </p:spTree>
     <p:extLst>
       <p:ext uri="{BB962C8B-B14F-4D97-AF65-F5344CB8AC3E}">
-        <p14:creationId xmlns:p14="http://schemas.microsoft.com/office/powerpoint/2010/main" val="453282733"/>
+        <p14:creationId xmlns:p14="http://schemas.microsoft.com/office/powerpoint/2010/main" val="4192852036"/>
       </p:ext>
     </p:extLst>
   </p:cSld>
@@ -2966,16 +2982,2244 @@
       </p:grpSpPr>
       <p:sp>
         <p:nvSpPr>
-          <p:cNvPr id="4" name="Rectangle 3"/>
+          <p:cNvPr id="4" name="TextBox 3"/>
+          <p:cNvSpPr txBox="1"/>
+          <p:nvPr/>
+        </p:nvSpPr>
+        <p:spPr>
+          <a:xfrm>
+            <a:off x="8019340" y="1670476"/>
+            <a:ext cx="1834445" cy="2630311"/>
+          </a:xfrm>
+          <a:prstGeom prst="rect">
+            <a:avLst/>
+          </a:prstGeom>
+          <a:solidFill>
+            <a:srgbClr val="FF0066"/>
+          </a:solidFill>
+          <a:ln w="28575">
+            <a:solidFill>
+              <a:schemeClr val="tx1"/>
+            </a:solidFill>
+          </a:ln>
+        </p:spPr>
+        <p:style>
+          <a:lnRef idx="1">
+            <a:schemeClr val="accent3"/>
+          </a:lnRef>
+          <a:fillRef idx="3">
+            <a:schemeClr val="accent3"/>
+          </a:fillRef>
+          <a:effectRef idx="2">
+            <a:schemeClr val="accent3"/>
+          </a:effectRef>
+          <a:fontRef idx="minor">
+            <a:schemeClr val="lt1"/>
+          </a:fontRef>
+        </p:style>
+        <p:txBody>
+          <a:bodyPr wrap="square" rtlCol="0">
+            <a:spAutoFit/>
+          </a:bodyPr>
+          <a:lstStyle/>
+          <a:p>
+            <a:endParaRPr lang="en-US" dirty="0"/>
+          </a:p>
+        </p:txBody>
+      </p:sp>
+      <p:sp>
+        <p:nvSpPr>
+          <p:cNvPr id="5" name="TextBox 4"/>
+          <p:cNvSpPr txBox="1"/>
+          <p:nvPr/>
+        </p:nvSpPr>
+        <p:spPr>
+          <a:xfrm>
+            <a:off x="8332606" y="2439567"/>
+            <a:ext cx="1207911" cy="646331"/>
+          </a:xfrm>
+          <a:prstGeom prst="rect">
+            <a:avLst/>
+          </a:prstGeom>
+          <a:noFill/>
+          <a:ln w="38100">
+            <a:solidFill>
+              <a:schemeClr val="tx1"/>
+            </a:solidFill>
+          </a:ln>
+        </p:spPr>
+        <p:txBody>
+          <a:bodyPr wrap="square" rtlCol="0">
+            <a:spAutoFit/>
+          </a:bodyPr>
+          <a:lstStyle/>
+          <a:p>
+            <a:pPr algn="ctr"/>
+            <a:r>
+              <a:rPr lang="en-US" dirty="0" smtClean="0"/>
+              <a:t>Raspberry Pi</a:t>
+            </a:r>
+            <a:endParaRPr lang="en-US" dirty="0"/>
+          </a:p>
+        </p:txBody>
+      </p:sp>
+      <p:sp>
+        <p:nvSpPr>
+          <p:cNvPr id="6" name="TextBox 5"/>
+          <p:cNvSpPr txBox="1"/>
+          <p:nvPr/>
+        </p:nvSpPr>
+        <p:spPr>
+          <a:xfrm>
+            <a:off x="8029920" y="3285124"/>
+            <a:ext cx="629356" cy="1015663"/>
+          </a:xfrm>
+          <a:prstGeom prst="rect">
+            <a:avLst/>
+          </a:prstGeom>
+          <a:noFill/>
+          <a:ln w="38100">
+            <a:solidFill>
+              <a:schemeClr val="tx1"/>
+            </a:solidFill>
+          </a:ln>
+        </p:spPr>
+        <p:txBody>
+          <a:bodyPr wrap="square" rtlCol="0">
+            <a:spAutoFit/>
+          </a:bodyPr>
+          <a:lstStyle/>
+          <a:p>
+            <a:r>
+              <a:rPr lang="en-US" sz="1200" dirty="0" smtClean="0"/>
+              <a:t>USB0</a:t>
+            </a:r>
+          </a:p>
+          <a:p>
+            <a:r>
+              <a:rPr lang="en-US" sz="1200" dirty="0" smtClean="0"/>
+              <a:t>USB1</a:t>
+            </a:r>
+          </a:p>
+          <a:p>
+            <a:r>
+              <a:rPr lang="en-US" sz="1200" dirty="0" smtClean="0"/>
+              <a:t>USB2</a:t>
+            </a:r>
+          </a:p>
+          <a:p>
+            <a:r>
+              <a:rPr lang="en-US" sz="1200" dirty="0" smtClean="0"/>
+              <a:t>USB3</a:t>
+            </a:r>
+          </a:p>
+          <a:p>
+            <a:endParaRPr lang="en-US" sz="1200" dirty="0" smtClean="0"/>
+          </a:p>
+        </p:txBody>
+      </p:sp>
+      <p:sp>
+        <p:nvSpPr>
+          <p:cNvPr id="7" name="TextBox 6"/>
+          <p:cNvSpPr txBox="1"/>
+          <p:nvPr/>
+        </p:nvSpPr>
+        <p:spPr>
+          <a:xfrm>
+            <a:off x="8492062" y="1681763"/>
+            <a:ext cx="888997" cy="461665"/>
+          </a:xfrm>
+          <a:prstGeom prst="rect">
+            <a:avLst/>
+          </a:prstGeom>
+          <a:noFill/>
+          <a:ln w="38100">
+            <a:solidFill>
+              <a:schemeClr val="tx1"/>
+            </a:solidFill>
+          </a:ln>
+        </p:spPr>
+        <p:txBody>
+          <a:bodyPr wrap="square" rtlCol="0">
+            <a:spAutoFit/>
+          </a:bodyPr>
+          <a:lstStyle/>
+          <a:p>
+            <a:pPr algn="ctr"/>
+            <a:r>
+              <a:rPr lang="en-US" sz="1200" dirty="0" smtClean="0"/>
+              <a:t>Micro </a:t>
+            </a:r>
+          </a:p>
+          <a:p>
+            <a:pPr algn="ctr"/>
+            <a:r>
+              <a:rPr lang="en-US" sz="1200" dirty="0" smtClean="0"/>
+              <a:t>USB</a:t>
+            </a:r>
+            <a:endParaRPr lang="en-US" sz="1200" dirty="0"/>
+          </a:p>
+        </p:txBody>
+      </p:sp>
+      <p:sp>
+        <p:nvSpPr>
+          <p:cNvPr id="8" name="TextBox 7"/>
+          <p:cNvSpPr txBox="1"/>
+          <p:nvPr/>
+        </p:nvSpPr>
+        <p:spPr>
+          <a:xfrm>
+            <a:off x="1564735" y="2255068"/>
+            <a:ext cx="3804356" cy="1600200"/>
+          </a:xfrm>
+          <a:prstGeom prst="rect">
+            <a:avLst/>
+          </a:prstGeom>
+          <a:solidFill>
+            <a:schemeClr val="accent1"/>
+          </a:solidFill>
+          <a:ln w="28575">
+            <a:solidFill>
+              <a:schemeClr val="tx1"/>
+            </a:solidFill>
+          </a:ln>
+        </p:spPr>
+        <p:txBody>
+          <a:bodyPr wrap="square" rtlCol="0">
+            <a:spAutoFit/>
+          </a:bodyPr>
+          <a:lstStyle/>
+          <a:p>
+            <a:endParaRPr lang="en-US" dirty="0"/>
+          </a:p>
+        </p:txBody>
+      </p:sp>
+      <p:sp>
+        <p:nvSpPr>
+          <p:cNvPr id="9" name="TextBox 8"/>
+          <p:cNvSpPr txBox="1"/>
+          <p:nvPr/>
+        </p:nvSpPr>
+        <p:spPr>
+          <a:xfrm>
+            <a:off x="2556931" y="2890224"/>
+            <a:ext cx="1648177" cy="461665"/>
+          </a:xfrm>
+          <a:prstGeom prst="rect">
+            <a:avLst/>
+          </a:prstGeom>
+          <a:noFill/>
+          <a:ln w="28575">
+            <a:solidFill>
+              <a:schemeClr val="tx1"/>
+            </a:solidFill>
+          </a:ln>
+        </p:spPr>
+        <p:txBody>
+          <a:bodyPr wrap="square" rtlCol="0">
+            <a:spAutoFit/>
+          </a:bodyPr>
+          <a:lstStyle/>
+          <a:p>
+            <a:pPr algn="ctr"/>
+            <a:r>
+              <a:rPr lang="en-US" sz="1200" dirty="0" smtClean="0"/>
+              <a:t>OpenCM</a:t>
+            </a:r>
+          </a:p>
+          <a:p>
+            <a:pPr algn="ctr"/>
+            <a:r>
+              <a:rPr lang="en-US" sz="1200" dirty="0" smtClean="0"/>
+              <a:t>Microcontroller</a:t>
+            </a:r>
+            <a:endParaRPr lang="en-US" sz="1200" dirty="0"/>
+          </a:p>
+        </p:txBody>
+      </p:sp>
+      <p:sp>
+        <p:nvSpPr>
+          <p:cNvPr id="10" name="TextBox 9"/>
+          <p:cNvSpPr txBox="1"/>
+          <p:nvPr/>
+        </p:nvSpPr>
+        <p:spPr>
+          <a:xfrm>
+            <a:off x="2991554" y="2255068"/>
+            <a:ext cx="778933" cy="400110"/>
+          </a:xfrm>
+          <a:prstGeom prst="rect">
+            <a:avLst/>
+          </a:prstGeom>
+          <a:noFill/>
+          <a:ln w="28575">
+            <a:solidFill>
+              <a:schemeClr val="tx1"/>
+            </a:solidFill>
+          </a:ln>
+        </p:spPr>
+        <p:txBody>
+          <a:bodyPr wrap="square" rtlCol="0">
+            <a:spAutoFit/>
+          </a:bodyPr>
+          <a:lstStyle/>
+          <a:p>
+            <a:r>
+              <a:rPr lang="en-US" sz="2000" dirty="0" smtClean="0"/>
+              <a:t>+ - + -</a:t>
+            </a:r>
+            <a:endParaRPr lang="en-US" sz="2000" dirty="0"/>
+          </a:p>
+        </p:txBody>
+      </p:sp>
+      <p:sp>
+        <p:nvSpPr>
+          <p:cNvPr id="12" name="TextBox 11"/>
+          <p:cNvSpPr txBox="1"/>
+          <p:nvPr/>
+        </p:nvSpPr>
+        <p:spPr>
+          <a:xfrm>
+            <a:off x="3770487" y="3459737"/>
+            <a:ext cx="835378" cy="383862"/>
+          </a:xfrm>
+          <a:prstGeom prst="rect">
+            <a:avLst/>
+          </a:prstGeom>
+          <a:noFill/>
+          <a:ln w="38100">
+            <a:solidFill>
+              <a:schemeClr val="tx1"/>
+            </a:solidFill>
+          </a:ln>
+        </p:spPr>
+        <p:txBody>
+          <a:bodyPr wrap="square" rtlCol="0">
+            <a:spAutoFit/>
+          </a:bodyPr>
+          <a:lstStyle/>
+          <a:p>
+            <a:pPr algn="ctr"/>
+            <a:r>
+              <a:rPr lang="en-US" dirty="0" smtClean="0"/>
+              <a:t>serial</a:t>
+            </a:r>
+            <a:endParaRPr lang="en-US" dirty="0"/>
+          </a:p>
+        </p:txBody>
+      </p:sp>
+      <p:sp>
+        <p:nvSpPr>
+          <p:cNvPr id="14" name="TextBox 13"/>
+          <p:cNvSpPr txBox="1"/>
+          <p:nvPr/>
+        </p:nvSpPr>
+        <p:spPr>
+          <a:xfrm>
+            <a:off x="3722509" y="4589493"/>
+            <a:ext cx="931333" cy="640687"/>
+          </a:xfrm>
+          <a:prstGeom prst="rect">
+            <a:avLst/>
+          </a:prstGeom>
+          <a:solidFill>
+            <a:schemeClr val="accent6"/>
+          </a:solidFill>
+          <a:ln w="38100">
+            <a:solidFill>
+              <a:schemeClr val="tx1"/>
+            </a:solidFill>
+          </a:ln>
+        </p:spPr>
+        <p:txBody>
+          <a:bodyPr wrap="square" rtlCol="0">
+            <a:spAutoFit/>
+          </a:bodyPr>
+          <a:lstStyle/>
+          <a:p>
+            <a:pPr algn="ctr"/>
+            <a:r>
+              <a:rPr lang="en-US" dirty="0" smtClean="0"/>
+              <a:t>XL-320</a:t>
+            </a:r>
+          </a:p>
+          <a:p>
+            <a:pPr algn="ctr"/>
+            <a:r>
+              <a:rPr lang="en-US" dirty="0" smtClean="0"/>
+              <a:t>Servo</a:t>
+            </a:r>
+            <a:endParaRPr lang="en-US" dirty="0"/>
+          </a:p>
+        </p:txBody>
+      </p:sp>
+      <p:sp>
+        <p:nvSpPr>
+          <p:cNvPr id="18" name="TextBox 17"/>
+          <p:cNvSpPr txBox="1"/>
+          <p:nvPr/>
+        </p:nvSpPr>
+        <p:spPr>
+          <a:xfrm>
+            <a:off x="4475513" y="2812666"/>
+            <a:ext cx="888997" cy="461665"/>
+          </a:xfrm>
+          <a:prstGeom prst="rect">
+            <a:avLst/>
+          </a:prstGeom>
+          <a:noFill/>
+          <a:ln w="38100">
+            <a:solidFill>
+              <a:schemeClr val="tx1"/>
+            </a:solidFill>
+          </a:ln>
+        </p:spPr>
+        <p:txBody>
+          <a:bodyPr wrap="square" rtlCol="0">
+            <a:spAutoFit/>
+          </a:bodyPr>
+          <a:lstStyle/>
+          <a:p>
+            <a:pPr algn="ctr"/>
+            <a:r>
+              <a:rPr lang="en-US" sz="1200" dirty="0" smtClean="0"/>
+              <a:t>Micro </a:t>
+            </a:r>
+          </a:p>
+          <a:p>
+            <a:pPr algn="ctr"/>
+            <a:r>
+              <a:rPr lang="en-US" sz="1200" dirty="0" smtClean="0"/>
+              <a:t>USB</a:t>
+            </a:r>
+            <a:endParaRPr lang="en-US" sz="1200" dirty="0"/>
+          </a:p>
+        </p:txBody>
+      </p:sp>
+      <p:cxnSp>
+        <p:nvCxnSpPr>
+          <p:cNvPr id="20" name="Straight Connector 19"/>
+          <p:cNvCxnSpPr/>
+          <p:nvPr/>
+        </p:nvCxnSpPr>
+        <p:spPr>
+          <a:xfrm>
+            <a:off x="10374489" y="1344034"/>
+            <a:ext cx="869245" cy="0"/>
+          </a:xfrm>
+          <a:prstGeom prst="line">
+            <a:avLst/>
+          </a:prstGeom>
+          <a:ln w="38100">
+            <a:solidFill>
+              <a:schemeClr val="tx1"/>
+            </a:solidFill>
+          </a:ln>
+        </p:spPr>
+        <p:style>
+          <a:lnRef idx="1">
+            <a:schemeClr val="accent1"/>
+          </a:lnRef>
+          <a:fillRef idx="0">
+            <a:schemeClr val="accent1"/>
+          </a:fillRef>
+          <a:effectRef idx="0">
+            <a:schemeClr val="accent1"/>
+          </a:effectRef>
+          <a:fontRef idx="minor">
+            <a:schemeClr val="tx1"/>
+          </a:fontRef>
+        </p:style>
+      </p:cxnSp>
+      <p:cxnSp>
+        <p:nvCxnSpPr>
+          <p:cNvPr id="21" name="Straight Connector 20"/>
+          <p:cNvCxnSpPr/>
+          <p:nvPr/>
+        </p:nvCxnSpPr>
+        <p:spPr>
+          <a:xfrm>
+            <a:off x="4500028" y="891823"/>
+            <a:ext cx="869245" cy="0"/>
+          </a:xfrm>
+          <a:prstGeom prst="line">
+            <a:avLst/>
+          </a:prstGeom>
+          <a:ln w="38100">
+            <a:solidFill>
+              <a:schemeClr val="tx1"/>
+            </a:solidFill>
+          </a:ln>
+        </p:spPr>
+        <p:style>
+          <a:lnRef idx="1">
+            <a:schemeClr val="accent1"/>
+          </a:lnRef>
+          <a:fillRef idx="0">
+            <a:schemeClr val="accent1"/>
+          </a:fillRef>
+          <a:effectRef idx="0">
+            <a:schemeClr val="accent1"/>
+          </a:effectRef>
+          <a:fontRef idx="minor">
+            <a:schemeClr val="tx1"/>
+          </a:fontRef>
+        </p:style>
+      </p:cxnSp>
+      <p:cxnSp>
+        <p:nvCxnSpPr>
+          <p:cNvPr id="22" name="Straight Connector 21"/>
+          <p:cNvCxnSpPr/>
+          <p:nvPr/>
+        </p:nvCxnSpPr>
+        <p:spPr>
+          <a:xfrm>
+            <a:off x="1495776" y="891823"/>
+            <a:ext cx="869245" cy="0"/>
+          </a:xfrm>
+          <a:prstGeom prst="line">
+            <a:avLst/>
+          </a:prstGeom>
+          <a:ln w="38100">
+            <a:solidFill>
+              <a:schemeClr val="tx1"/>
+            </a:solidFill>
+          </a:ln>
+        </p:spPr>
+        <p:style>
+          <a:lnRef idx="1">
+            <a:schemeClr val="accent1"/>
+          </a:lnRef>
+          <a:fillRef idx="0">
+            <a:schemeClr val="accent1"/>
+          </a:fillRef>
+          <a:effectRef idx="0">
+            <a:schemeClr val="accent1"/>
+          </a:effectRef>
+          <a:fontRef idx="minor">
+            <a:schemeClr val="tx1"/>
+          </a:fontRef>
+        </p:style>
+      </p:cxnSp>
+      <p:cxnSp>
+        <p:nvCxnSpPr>
+          <p:cNvPr id="26" name="Straight Connector 25"/>
+          <p:cNvCxnSpPr/>
+          <p:nvPr/>
+        </p:nvCxnSpPr>
+        <p:spPr>
+          <a:xfrm>
+            <a:off x="10543822" y="1457275"/>
+            <a:ext cx="541867" cy="0"/>
+          </a:xfrm>
+          <a:prstGeom prst="line">
+            <a:avLst/>
+          </a:prstGeom>
+          <a:ln w="38100">
+            <a:solidFill>
+              <a:schemeClr val="tx1"/>
+            </a:solidFill>
+          </a:ln>
+        </p:spPr>
+        <p:style>
+          <a:lnRef idx="1">
+            <a:schemeClr val="accent1"/>
+          </a:lnRef>
+          <a:fillRef idx="0">
+            <a:schemeClr val="accent1"/>
+          </a:fillRef>
+          <a:effectRef idx="0">
+            <a:schemeClr val="accent1"/>
+          </a:effectRef>
+          <a:fontRef idx="minor">
+            <a:schemeClr val="tx1"/>
+          </a:fontRef>
+        </p:style>
+      </p:cxnSp>
+      <p:cxnSp>
+        <p:nvCxnSpPr>
+          <p:cNvPr id="27" name="Straight Connector 26"/>
+          <p:cNvCxnSpPr/>
+          <p:nvPr/>
+        </p:nvCxnSpPr>
+        <p:spPr>
+          <a:xfrm>
+            <a:off x="4663716" y="1010355"/>
+            <a:ext cx="541867" cy="0"/>
+          </a:xfrm>
+          <a:prstGeom prst="line">
+            <a:avLst/>
+          </a:prstGeom>
+          <a:ln w="38100">
+            <a:solidFill>
+              <a:schemeClr val="tx1"/>
+            </a:solidFill>
+          </a:ln>
+        </p:spPr>
+        <p:style>
+          <a:lnRef idx="1">
+            <a:schemeClr val="accent1"/>
+          </a:lnRef>
+          <a:fillRef idx="0">
+            <a:schemeClr val="accent1"/>
+          </a:fillRef>
+          <a:effectRef idx="0">
+            <a:schemeClr val="accent1"/>
+          </a:effectRef>
+          <a:fontRef idx="minor">
+            <a:schemeClr val="tx1"/>
+          </a:fontRef>
+        </p:style>
+      </p:cxnSp>
+      <p:cxnSp>
+        <p:nvCxnSpPr>
+          <p:cNvPr id="28" name="Straight Connector 27"/>
+          <p:cNvCxnSpPr/>
+          <p:nvPr/>
+        </p:nvCxnSpPr>
+        <p:spPr>
+          <a:xfrm>
+            <a:off x="1670044" y="1000830"/>
+            <a:ext cx="541867" cy="0"/>
+          </a:xfrm>
+          <a:prstGeom prst="line">
+            <a:avLst/>
+          </a:prstGeom>
+          <a:ln w="38100">
+            <a:solidFill>
+              <a:schemeClr val="tx1"/>
+            </a:solidFill>
+          </a:ln>
+        </p:spPr>
+        <p:style>
+          <a:lnRef idx="1">
+            <a:schemeClr val="accent1"/>
+          </a:lnRef>
+          <a:fillRef idx="0">
+            <a:schemeClr val="accent1"/>
+          </a:fillRef>
+          <a:effectRef idx="0">
+            <a:schemeClr val="accent1"/>
+          </a:effectRef>
+          <a:fontRef idx="minor">
+            <a:schemeClr val="tx1"/>
+          </a:fontRef>
+        </p:style>
+      </p:cxnSp>
+      <p:cxnSp>
+        <p:nvCxnSpPr>
+          <p:cNvPr id="41" name="Straight Connector 40"/>
+          <p:cNvCxnSpPr/>
+          <p:nvPr/>
+        </p:nvCxnSpPr>
+        <p:spPr>
+          <a:xfrm>
+            <a:off x="1940977" y="1010355"/>
+            <a:ext cx="0" cy="644610"/>
+          </a:xfrm>
+          <a:prstGeom prst="line">
+            <a:avLst/>
+          </a:prstGeom>
+          <a:ln w="28575">
+            <a:solidFill>
+              <a:schemeClr val="tx1"/>
+            </a:solidFill>
+          </a:ln>
+        </p:spPr>
+        <p:style>
+          <a:lnRef idx="1">
+            <a:schemeClr val="accent1"/>
+          </a:lnRef>
+          <a:fillRef idx="0">
+            <a:schemeClr val="accent1"/>
+          </a:fillRef>
+          <a:effectRef idx="0">
+            <a:schemeClr val="accent1"/>
+          </a:effectRef>
+          <a:fontRef idx="minor">
+            <a:schemeClr val="tx1"/>
+          </a:fontRef>
+        </p:style>
+      </p:cxnSp>
+      <p:cxnSp>
+        <p:nvCxnSpPr>
+          <p:cNvPr id="43" name="Straight Connector 42"/>
+          <p:cNvCxnSpPr/>
+          <p:nvPr/>
+        </p:nvCxnSpPr>
+        <p:spPr>
+          <a:xfrm>
+            <a:off x="4934649" y="1010355"/>
+            <a:ext cx="0" cy="644610"/>
+          </a:xfrm>
+          <a:prstGeom prst="line">
+            <a:avLst/>
+          </a:prstGeom>
+          <a:ln w="28575">
+            <a:solidFill>
+              <a:schemeClr val="tx1"/>
+            </a:solidFill>
+          </a:ln>
+        </p:spPr>
+        <p:style>
+          <a:lnRef idx="1">
+            <a:schemeClr val="accent1"/>
+          </a:lnRef>
+          <a:fillRef idx="0">
+            <a:schemeClr val="accent1"/>
+          </a:fillRef>
+          <a:effectRef idx="0">
+            <a:schemeClr val="accent1"/>
+          </a:effectRef>
+          <a:fontRef idx="minor">
+            <a:schemeClr val="tx1"/>
+          </a:fontRef>
+        </p:style>
+      </p:cxnSp>
+      <p:cxnSp>
+        <p:nvCxnSpPr>
+          <p:cNvPr id="47" name="Straight Connector 46"/>
+          <p:cNvCxnSpPr/>
+          <p:nvPr/>
+        </p:nvCxnSpPr>
+        <p:spPr>
+          <a:xfrm flipV="1">
+            <a:off x="10809111" y="724275"/>
+            <a:ext cx="2821" cy="597754"/>
+          </a:xfrm>
+          <a:prstGeom prst="line">
+            <a:avLst/>
+          </a:prstGeom>
+          <a:ln w="28575">
+            <a:solidFill>
+              <a:schemeClr val="tx1"/>
+            </a:solidFill>
+          </a:ln>
+        </p:spPr>
+        <p:style>
+          <a:lnRef idx="1">
+            <a:schemeClr val="accent1"/>
+          </a:lnRef>
+          <a:fillRef idx="0">
+            <a:schemeClr val="accent1"/>
+          </a:fillRef>
+          <a:effectRef idx="0">
+            <a:schemeClr val="accent1"/>
+          </a:effectRef>
+          <a:fontRef idx="minor">
+            <a:schemeClr val="tx1"/>
+          </a:fontRef>
+        </p:style>
+      </p:cxnSp>
+      <p:cxnSp>
+        <p:nvCxnSpPr>
+          <p:cNvPr id="50" name="Straight Connector 49"/>
+          <p:cNvCxnSpPr/>
+          <p:nvPr/>
+        </p:nvCxnSpPr>
+        <p:spPr>
+          <a:xfrm flipH="1">
+            <a:off x="8936560" y="734908"/>
+            <a:ext cx="1878195" cy="1"/>
+          </a:xfrm>
+          <a:prstGeom prst="line">
+            <a:avLst/>
+          </a:prstGeom>
+          <a:ln w="28575">
+            <a:solidFill>
+              <a:schemeClr val="tx1"/>
+            </a:solidFill>
+          </a:ln>
+        </p:spPr>
+        <p:style>
+          <a:lnRef idx="1">
+            <a:schemeClr val="accent1"/>
+          </a:lnRef>
+          <a:fillRef idx="0">
+            <a:schemeClr val="accent1"/>
+          </a:fillRef>
+          <a:effectRef idx="0">
+            <a:schemeClr val="accent1"/>
+          </a:effectRef>
+          <a:fontRef idx="minor">
+            <a:schemeClr val="tx1"/>
+          </a:fontRef>
+        </p:style>
+      </p:cxnSp>
+      <p:cxnSp>
+        <p:nvCxnSpPr>
+          <p:cNvPr id="55" name="Straight Connector 54"/>
+          <p:cNvCxnSpPr>
+            <a:endCxn id="4" idx="0"/>
+          </p:cNvCxnSpPr>
+          <p:nvPr/>
+        </p:nvCxnSpPr>
+        <p:spPr>
+          <a:xfrm>
+            <a:off x="8936560" y="734908"/>
+            <a:ext cx="3" cy="935568"/>
+          </a:xfrm>
+          <a:prstGeom prst="line">
+            <a:avLst/>
+          </a:prstGeom>
+          <a:ln w="28575">
+            <a:solidFill>
+              <a:schemeClr val="tx1"/>
+            </a:solidFill>
+          </a:ln>
+        </p:spPr>
+        <p:style>
+          <a:lnRef idx="1">
+            <a:schemeClr val="accent1"/>
+          </a:lnRef>
+          <a:fillRef idx="0">
+            <a:schemeClr val="accent1"/>
+          </a:fillRef>
+          <a:effectRef idx="0">
+            <a:schemeClr val="accent1"/>
+          </a:effectRef>
+          <a:fontRef idx="minor">
+            <a:schemeClr val="tx1"/>
+          </a:fontRef>
+        </p:style>
+      </p:cxnSp>
+      <p:cxnSp>
+        <p:nvCxnSpPr>
+          <p:cNvPr id="58" name="Straight Connector 57"/>
+          <p:cNvCxnSpPr/>
+          <p:nvPr/>
+        </p:nvCxnSpPr>
+        <p:spPr>
+          <a:xfrm flipH="1">
+            <a:off x="10809111" y="1457275"/>
+            <a:ext cx="5643" cy="1037042"/>
+          </a:xfrm>
+          <a:prstGeom prst="line">
+            <a:avLst/>
+          </a:prstGeom>
+          <a:ln w="28575">
+            <a:solidFill>
+              <a:schemeClr val="tx1"/>
+            </a:solidFill>
+          </a:ln>
+        </p:spPr>
+        <p:style>
+          <a:lnRef idx="1">
+            <a:schemeClr val="accent1"/>
+          </a:lnRef>
+          <a:fillRef idx="0">
+            <a:schemeClr val="accent1"/>
+          </a:fillRef>
+          <a:effectRef idx="0">
+            <a:schemeClr val="accent1"/>
+          </a:effectRef>
+          <a:fontRef idx="minor">
+            <a:schemeClr val="tx1"/>
+          </a:fontRef>
+        </p:style>
+      </p:cxnSp>
+      <p:cxnSp>
+        <p:nvCxnSpPr>
+          <p:cNvPr id="63" name="Straight Connector 62"/>
+          <p:cNvCxnSpPr/>
+          <p:nvPr/>
+        </p:nvCxnSpPr>
+        <p:spPr>
+          <a:xfrm>
+            <a:off x="10588269" y="2494317"/>
+            <a:ext cx="440270" cy="0"/>
+          </a:xfrm>
+          <a:prstGeom prst="line">
+            <a:avLst/>
+          </a:prstGeom>
+          <a:ln w="28575">
+            <a:solidFill>
+              <a:schemeClr val="tx1"/>
+            </a:solidFill>
+          </a:ln>
+        </p:spPr>
+        <p:style>
+          <a:lnRef idx="1">
+            <a:schemeClr val="accent1"/>
+          </a:lnRef>
+          <a:fillRef idx="0">
+            <a:schemeClr val="accent1"/>
+          </a:fillRef>
+          <a:effectRef idx="0">
+            <a:schemeClr val="accent1"/>
+          </a:effectRef>
+          <a:fontRef idx="minor">
+            <a:schemeClr val="tx1"/>
+          </a:fontRef>
+        </p:style>
+      </p:cxnSp>
+      <p:cxnSp>
+        <p:nvCxnSpPr>
+          <p:cNvPr id="64" name="Straight Connector 63"/>
+          <p:cNvCxnSpPr/>
+          <p:nvPr/>
+        </p:nvCxnSpPr>
+        <p:spPr>
+          <a:xfrm>
+            <a:off x="10699038" y="2566048"/>
+            <a:ext cx="231433" cy="0"/>
+          </a:xfrm>
+          <a:prstGeom prst="line">
+            <a:avLst/>
+          </a:prstGeom>
+          <a:ln w="28575">
+            <a:solidFill>
+              <a:schemeClr val="tx1"/>
+            </a:solidFill>
+          </a:ln>
+        </p:spPr>
+        <p:style>
+          <a:lnRef idx="1">
+            <a:schemeClr val="accent1"/>
+          </a:lnRef>
+          <a:fillRef idx="0">
+            <a:schemeClr val="accent1"/>
+          </a:fillRef>
+          <a:effectRef idx="0">
+            <a:schemeClr val="accent1"/>
+          </a:effectRef>
+          <a:fontRef idx="minor">
+            <a:schemeClr val="tx1"/>
+          </a:fontRef>
+        </p:style>
+      </p:cxnSp>
+      <p:cxnSp>
+        <p:nvCxnSpPr>
+          <p:cNvPr id="77" name="Straight Connector 76"/>
+          <p:cNvCxnSpPr/>
+          <p:nvPr/>
+        </p:nvCxnSpPr>
+        <p:spPr>
+          <a:xfrm>
+            <a:off x="10746307" y="2647581"/>
+            <a:ext cx="127014" cy="0"/>
+          </a:xfrm>
+          <a:prstGeom prst="line">
+            <a:avLst/>
+          </a:prstGeom>
+          <a:ln w="28575">
+            <a:solidFill>
+              <a:schemeClr val="tx1"/>
+            </a:solidFill>
+          </a:ln>
+        </p:spPr>
+        <p:style>
+          <a:lnRef idx="1">
+            <a:schemeClr val="accent1"/>
+          </a:lnRef>
+          <a:fillRef idx="0">
+            <a:schemeClr val="accent1"/>
+          </a:fillRef>
+          <a:effectRef idx="0">
+            <a:schemeClr val="accent1"/>
+          </a:effectRef>
+          <a:fontRef idx="minor">
+            <a:schemeClr val="tx1"/>
+          </a:fontRef>
+        </p:style>
+      </p:cxnSp>
+      <p:cxnSp>
+        <p:nvCxnSpPr>
+          <p:cNvPr id="83" name="Straight Connector 82"/>
+          <p:cNvCxnSpPr/>
+          <p:nvPr/>
+        </p:nvCxnSpPr>
+        <p:spPr>
+          <a:xfrm rot="5400000">
+            <a:off x="2710991" y="1878388"/>
+            <a:ext cx="869245" cy="0"/>
+          </a:xfrm>
+          <a:prstGeom prst="line">
+            <a:avLst/>
+          </a:prstGeom>
+          <a:ln w="38100">
+            <a:solidFill>
+              <a:schemeClr val="tx1"/>
+            </a:solidFill>
+          </a:ln>
+        </p:spPr>
+        <p:style>
+          <a:lnRef idx="1">
+            <a:schemeClr val="accent1"/>
+          </a:lnRef>
+          <a:fillRef idx="0">
+            <a:schemeClr val="accent1"/>
+          </a:fillRef>
+          <a:effectRef idx="0">
+            <a:schemeClr val="accent1"/>
+          </a:effectRef>
+          <a:fontRef idx="minor">
+            <a:schemeClr val="tx1"/>
+          </a:fontRef>
+        </p:style>
+      </p:cxnSp>
+      <p:cxnSp>
+        <p:nvCxnSpPr>
+          <p:cNvPr id="84" name="Straight Connector 83"/>
+          <p:cNvCxnSpPr/>
+          <p:nvPr/>
+        </p:nvCxnSpPr>
+        <p:spPr>
+          <a:xfrm rot="5400000">
+            <a:off x="2708147" y="1021500"/>
+            <a:ext cx="869245" cy="0"/>
+          </a:xfrm>
+          <a:prstGeom prst="line">
+            <a:avLst/>
+          </a:prstGeom>
+          <a:ln w="38100">
+            <a:solidFill>
+              <a:schemeClr val="tx1"/>
+            </a:solidFill>
+          </a:ln>
+        </p:spPr>
+        <p:style>
+          <a:lnRef idx="1">
+            <a:schemeClr val="accent1"/>
+          </a:lnRef>
+          <a:fillRef idx="0">
+            <a:schemeClr val="accent1"/>
+          </a:fillRef>
+          <a:effectRef idx="0">
+            <a:schemeClr val="accent1"/>
+          </a:effectRef>
+          <a:fontRef idx="minor">
+            <a:schemeClr val="tx1"/>
+          </a:fontRef>
+        </p:style>
+      </p:cxnSp>
+      <p:cxnSp>
+        <p:nvCxnSpPr>
+          <p:cNvPr id="85" name="Straight Connector 84"/>
+          <p:cNvCxnSpPr/>
+          <p:nvPr/>
+        </p:nvCxnSpPr>
+        <p:spPr>
+          <a:xfrm rot="5400000">
+            <a:off x="3045026" y="1878389"/>
+            <a:ext cx="869245" cy="0"/>
+          </a:xfrm>
+          <a:prstGeom prst="line">
+            <a:avLst/>
+          </a:prstGeom>
+          <a:ln w="38100">
+            <a:solidFill>
+              <a:schemeClr val="tx1"/>
+            </a:solidFill>
+          </a:ln>
+        </p:spPr>
+        <p:style>
+          <a:lnRef idx="1">
+            <a:schemeClr val="accent1"/>
+          </a:lnRef>
+          <a:fillRef idx="0">
+            <a:schemeClr val="accent1"/>
+          </a:fillRef>
+          <a:effectRef idx="0">
+            <a:schemeClr val="accent1"/>
+          </a:effectRef>
+          <a:fontRef idx="minor">
+            <a:schemeClr val="tx1"/>
+          </a:fontRef>
+        </p:style>
+      </p:cxnSp>
+      <p:cxnSp>
+        <p:nvCxnSpPr>
+          <p:cNvPr id="86" name="Straight Connector 85"/>
+          <p:cNvCxnSpPr/>
+          <p:nvPr/>
+        </p:nvCxnSpPr>
+        <p:spPr>
+          <a:xfrm rot="5400000">
+            <a:off x="3045026" y="1036041"/>
+            <a:ext cx="869245" cy="0"/>
+          </a:xfrm>
+          <a:prstGeom prst="line">
+            <a:avLst/>
+          </a:prstGeom>
+          <a:ln w="38100">
+            <a:solidFill>
+              <a:schemeClr val="tx1"/>
+            </a:solidFill>
+          </a:ln>
+        </p:spPr>
+        <p:style>
+          <a:lnRef idx="1">
+            <a:schemeClr val="accent1"/>
+          </a:lnRef>
+          <a:fillRef idx="0">
+            <a:schemeClr val="accent1"/>
+          </a:fillRef>
+          <a:effectRef idx="0">
+            <a:schemeClr val="accent1"/>
+          </a:effectRef>
+          <a:fontRef idx="minor">
+            <a:schemeClr val="tx1"/>
+          </a:fontRef>
+        </p:style>
+      </p:cxnSp>
+      <p:cxnSp>
+        <p:nvCxnSpPr>
+          <p:cNvPr id="87" name="Straight Connector 86"/>
+          <p:cNvCxnSpPr/>
+          <p:nvPr/>
+        </p:nvCxnSpPr>
+        <p:spPr>
+          <a:xfrm rot="10800000">
+            <a:off x="4077701" y="1654965"/>
+            <a:ext cx="869245" cy="0"/>
+          </a:xfrm>
+          <a:prstGeom prst="line">
+            <a:avLst/>
+          </a:prstGeom>
+          <a:ln w="38100">
+            <a:solidFill>
+              <a:schemeClr val="tx1"/>
+            </a:solidFill>
+          </a:ln>
+        </p:spPr>
+        <p:style>
+          <a:lnRef idx="1">
+            <a:schemeClr val="accent1"/>
+          </a:lnRef>
+          <a:fillRef idx="0">
+            <a:schemeClr val="accent1"/>
+          </a:fillRef>
+          <a:effectRef idx="0">
+            <a:schemeClr val="accent1"/>
+          </a:effectRef>
+          <a:fontRef idx="minor">
+            <a:schemeClr val="tx1"/>
+          </a:fontRef>
+        </p:style>
+      </p:cxnSp>
+      <p:cxnSp>
+        <p:nvCxnSpPr>
+          <p:cNvPr id="90" name="Straight Connector 89"/>
+          <p:cNvCxnSpPr/>
+          <p:nvPr/>
+        </p:nvCxnSpPr>
+        <p:spPr>
+          <a:xfrm rot="10800000">
+            <a:off x="1936496" y="1660495"/>
+            <a:ext cx="869245" cy="0"/>
+          </a:xfrm>
+          <a:prstGeom prst="line">
+            <a:avLst/>
+          </a:prstGeom>
+          <a:ln w="38100">
+            <a:solidFill>
+              <a:schemeClr val="tx1"/>
+            </a:solidFill>
+          </a:ln>
+        </p:spPr>
+        <p:style>
+          <a:lnRef idx="1">
+            <a:schemeClr val="accent1"/>
+          </a:lnRef>
+          <a:fillRef idx="0">
+            <a:schemeClr val="accent1"/>
+          </a:fillRef>
+          <a:effectRef idx="0">
+            <a:schemeClr val="accent1"/>
+          </a:effectRef>
+          <a:fontRef idx="minor">
+            <a:schemeClr val="tx1"/>
+          </a:fontRef>
+        </p:style>
+      </p:cxnSp>
+      <p:cxnSp>
+        <p:nvCxnSpPr>
+          <p:cNvPr id="91" name="Straight Connector 90"/>
+          <p:cNvCxnSpPr/>
+          <p:nvPr/>
+        </p:nvCxnSpPr>
+        <p:spPr>
+          <a:xfrm rot="10800000">
+            <a:off x="2430121" y="1660496"/>
+            <a:ext cx="869245" cy="0"/>
+          </a:xfrm>
+          <a:prstGeom prst="line">
+            <a:avLst/>
+          </a:prstGeom>
+          <a:ln w="38100">
+            <a:solidFill>
+              <a:schemeClr val="tx1"/>
+            </a:solidFill>
+          </a:ln>
+        </p:spPr>
+        <p:style>
+          <a:lnRef idx="1">
+            <a:schemeClr val="accent1"/>
+          </a:lnRef>
+          <a:fillRef idx="0">
+            <a:schemeClr val="accent1"/>
+          </a:fillRef>
+          <a:effectRef idx="0">
+            <a:schemeClr val="accent1"/>
+          </a:effectRef>
+          <a:fontRef idx="minor">
+            <a:schemeClr val="tx1"/>
+          </a:fontRef>
+        </p:style>
+      </p:cxnSp>
+      <p:cxnSp>
+        <p:nvCxnSpPr>
+          <p:cNvPr id="92" name="Straight Connector 91"/>
+          <p:cNvCxnSpPr/>
+          <p:nvPr/>
+        </p:nvCxnSpPr>
+        <p:spPr>
+          <a:xfrm rot="10800000">
+            <a:off x="3625246" y="1654965"/>
+            <a:ext cx="869245" cy="0"/>
+          </a:xfrm>
+          <a:prstGeom prst="line">
+            <a:avLst/>
+          </a:prstGeom>
+          <a:ln w="38100">
+            <a:solidFill>
+              <a:schemeClr val="tx1"/>
+            </a:solidFill>
+          </a:ln>
+        </p:spPr>
+        <p:style>
+          <a:lnRef idx="1">
+            <a:schemeClr val="accent1"/>
+          </a:lnRef>
+          <a:fillRef idx="0">
+            <a:schemeClr val="accent1"/>
+          </a:fillRef>
+          <a:effectRef idx="0">
+            <a:schemeClr val="accent1"/>
+          </a:effectRef>
+          <a:fontRef idx="minor">
+            <a:schemeClr val="tx1"/>
+          </a:fontRef>
+        </p:style>
+      </p:cxnSp>
+      <p:cxnSp>
+        <p:nvCxnSpPr>
+          <p:cNvPr id="96" name="Straight Connector 95"/>
+          <p:cNvCxnSpPr/>
+          <p:nvPr/>
+        </p:nvCxnSpPr>
+        <p:spPr>
+          <a:xfrm rot="5400000">
+            <a:off x="3349443" y="1912770"/>
+            <a:ext cx="541867" cy="0"/>
+          </a:xfrm>
+          <a:prstGeom prst="line">
+            <a:avLst/>
+          </a:prstGeom>
+          <a:ln w="38100">
+            <a:solidFill>
+              <a:schemeClr val="tx1"/>
+            </a:solidFill>
+          </a:ln>
+        </p:spPr>
+        <p:style>
+          <a:lnRef idx="1">
+            <a:schemeClr val="accent1"/>
+          </a:lnRef>
+          <a:fillRef idx="0">
+            <a:schemeClr val="accent1"/>
+          </a:fillRef>
+          <a:effectRef idx="0">
+            <a:schemeClr val="accent1"/>
+          </a:effectRef>
+          <a:fontRef idx="minor">
+            <a:schemeClr val="tx1"/>
+          </a:fontRef>
+        </p:style>
+      </p:cxnSp>
+      <p:cxnSp>
+        <p:nvCxnSpPr>
+          <p:cNvPr id="97" name="Straight Connector 96"/>
+          <p:cNvCxnSpPr/>
+          <p:nvPr/>
+        </p:nvCxnSpPr>
+        <p:spPr>
+          <a:xfrm rot="5400000">
+            <a:off x="3349612" y="2042631"/>
+            <a:ext cx="541867" cy="0"/>
+          </a:xfrm>
+          <a:prstGeom prst="line">
+            <a:avLst/>
+          </a:prstGeom>
+          <a:ln w="38100">
+            <a:solidFill>
+              <a:schemeClr val="tx1"/>
+            </a:solidFill>
+          </a:ln>
+        </p:spPr>
+        <p:style>
+          <a:lnRef idx="1">
+            <a:schemeClr val="accent1"/>
+          </a:lnRef>
+          <a:fillRef idx="0">
+            <a:schemeClr val="accent1"/>
+          </a:fillRef>
+          <a:effectRef idx="0">
+            <a:schemeClr val="accent1"/>
+          </a:effectRef>
+          <a:fontRef idx="minor">
+            <a:schemeClr val="tx1"/>
+          </a:fontRef>
+        </p:style>
+      </p:cxnSp>
+      <p:cxnSp>
+        <p:nvCxnSpPr>
+          <p:cNvPr id="98" name="Straight Connector 97"/>
+          <p:cNvCxnSpPr/>
+          <p:nvPr/>
+        </p:nvCxnSpPr>
+        <p:spPr>
+          <a:xfrm rot="5400000">
+            <a:off x="3023231" y="2045564"/>
+            <a:ext cx="541867" cy="0"/>
+          </a:xfrm>
+          <a:prstGeom prst="line">
+            <a:avLst/>
+          </a:prstGeom>
+          <a:ln w="38100">
+            <a:solidFill>
+              <a:schemeClr val="tx1"/>
+            </a:solidFill>
+          </a:ln>
+        </p:spPr>
+        <p:style>
+          <a:lnRef idx="1">
+            <a:schemeClr val="accent1"/>
+          </a:lnRef>
+          <a:fillRef idx="0">
+            <a:schemeClr val="accent1"/>
+          </a:fillRef>
+          <a:effectRef idx="0">
+            <a:schemeClr val="accent1"/>
+          </a:effectRef>
+          <a:fontRef idx="minor">
+            <a:schemeClr val="tx1"/>
+          </a:fontRef>
+        </p:style>
+      </p:cxnSp>
+      <p:cxnSp>
+        <p:nvCxnSpPr>
+          <p:cNvPr id="99" name="Straight Connector 98"/>
+          <p:cNvCxnSpPr/>
+          <p:nvPr/>
+        </p:nvCxnSpPr>
+        <p:spPr>
+          <a:xfrm rot="5400000">
+            <a:off x="3025964" y="1914573"/>
+            <a:ext cx="541867" cy="0"/>
+          </a:xfrm>
+          <a:prstGeom prst="line">
+            <a:avLst/>
+          </a:prstGeom>
+          <a:ln w="38100">
+            <a:solidFill>
+              <a:schemeClr val="tx1"/>
+            </a:solidFill>
+          </a:ln>
+        </p:spPr>
+        <p:style>
+          <a:lnRef idx="1">
+            <a:schemeClr val="accent1"/>
+          </a:lnRef>
+          <a:fillRef idx="0">
+            <a:schemeClr val="accent1"/>
+          </a:fillRef>
+          <a:effectRef idx="0">
+            <a:schemeClr val="accent1"/>
+          </a:effectRef>
+          <a:fontRef idx="minor">
+            <a:schemeClr val="tx1"/>
+          </a:fontRef>
+        </p:style>
+      </p:cxnSp>
+      <p:cxnSp>
+        <p:nvCxnSpPr>
+          <p:cNvPr id="100" name="Straight Connector 99"/>
+          <p:cNvCxnSpPr/>
+          <p:nvPr/>
+        </p:nvCxnSpPr>
+        <p:spPr>
+          <a:xfrm rot="10800000">
+            <a:off x="3478064" y="612315"/>
+            <a:ext cx="541867" cy="0"/>
+          </a:xfrm>
+          <a:prstGeom prst="line">
+            <a:avLst/>
+          </a:prstGeom>
+          <a:ln w="38100">
+            <a:solidFill>
+              <a:schemeClr val="tx1"/>
+            </a:solidFill>
+          </a:ln>
+        </p:spPr>
+        <p:style>
+          <a:lnRef idx="1">
+            <a:schemeClr val="accent1"/>
+          </a:lnRef>
+          <a:fillRef idx="0">
+            <a:schemeClr val="accent1"/>
+          </a:fillRef>
+          <a:effectRef idx="0">
+            <a:schemeClr val="accent1"/>
+          </a:effectRef>
+          <a:fontRef idx="minor">
+            <a:schemeClr val="tx1"/>
+          </a:fontRef>
+        </p:style>
+      </p:cxnSp>
+      <p:cxnSp>
+        <p:nvCxnSpPr>
+          <p:cNvPr id="101" name="Straight Connector 100"/>
+          <p:cNvCxnSpPr/>
+          <p:nvPr/>
+        </p:nvCxnSpPr>
+        <p:spPr>
+          <a:xfrm rot="10800000">
+            <a:off x="3996116" y="613354"/>
+            <a:ext cx="541867" cy="0"/>
+          </a:xfrm>
+          <a:prstGeom prst="line">
+            <a:avLst/>
+          </a:prstGeom>
+          <a:ln w="38100">
+            <a:solidFill>
+              <a:schemeClr val="tx1"/>
+            </a:solidFill>
+          </a:ln>
+        </p:spPr>
+        <p:style>
+          <a:lnRef idx="1">
+            <a:schemeClr val="accent1"/>
+          </a:lnRef>
+          <a:fillRef idx="0">
+            <a:schemeClr val="accent1"/>
+          </a:fillRef>
+          <a:effectRef idx="0">
+            <a:schemeClr val="accent1"/>
+          </a:effectRef>
+          <a:fontRef idx="minor">
+            <a:schemeClr val="tx1"/>
+          </a:fontRef>
+        </p:style>
+      </p:cxnSp>
+      <p:cxnSp>
+        <p:nvCxnSpPr>
+          <p:cNvPr id="102" name="Straight Connector 101"/>
+          <p:cNvCxnSpPr/>
+          <p:nvPr/>
+        </p:nvCxnSpPr>
+        <p:spPr>
+          <a:xfrm rot="10800000">
+            <a:off x="4403700" y="612129"/>
+            <a:ext cx="541867" cy="0"/>
+          </a:xfrm>
+          <a:prstGeom prst="line">
+            <a:avLst/>
+          </a:prstGeom>
+          <a:ln w="38100">
+            <a:solidFill>
+              <a:schemeClr val="tx1"/>
+            </a:solidFill>
+          </a:ln>
+        </p:spPr>
+        <p:style>
+          <a:lnRef idx="1">
+            <a:schemeClr val="accent1"/>
+          </a:lnRef>
+          <a:fillRef idx="0">
+            <a:schemeClr val="accent1"/>
+          </a:fillRef>
+          <a:effectRef idx="0">
+            <a:schemeClr val="accent1"/>
+          </a:effectRef>
+          <a:fontRef idx="minor">
+            <a:schemeClr val="tx1"/>
+          </a:fontRef>
+        </p:style>
+      </p:cxnSp>
+      <p:cxnSp>
+        <p:nvCxnSpPr>
+          <p:cNvPr id="103" name="Straight Connector 102"/>
+          <p:cNvCxnSpPr/>
+          <p:nvPr/>
+        </p:nvCxnSpPr>
+        <p:spPr>
+          <a:xfrm rot="10800000">
+            <a:off x="2605785" y="600213"/>
+            <a:ext cx="541867" cy="0"/>
+          </a:xfrm>
+          <a:prstGeom prst="line">
+            <a:avLst/>
+          </a:prstGeom>
+          <a:ln w="38100">
+            <a:solidFill>
+              <a:schemeClr val="tx1"/>
+            </a:solidFill>
+          </a:ln>
+        </p:spPr>
+        <p:style>
+          <a:lnRef idx="1">
+            <a:schemeClr val="accent1"/>
+          </a:lnRef>
+          <a:fillRef idx="0">
+            <a:schemeClr val="accent1"/>
+          </a:fillRef>
+          <a:effectRef idx="0">
+            <a:schemeClr val="accent1"/>
+          </a:effectRef>
+          <a:fontRef idx="minor">
+            <a:schemeClr val="tx1"/>
+          </a:fontRef>
+        </p:style>
+      </p:cxnSp>
+      <p:cxnSp>
+        <p:nvCxnSpPr>
+          <p:cNvPr id="104" name="Straight Connector 103"/>
+          <p:cNvCxnSpPr/>
+          <p:nvPr/>
+        </p:nvCxnSpPr>
+        <p:spPr>
+          <a:xfrm rot="10800000">
+            <a:off x="2111020" y="595380"/>
+            <a:ext cx="541867" cy="0"/>
+          </a:xfrm>
+          <a:prstGeom prst="line">
+            <a:avLst/>
+          </a:prstGeom>
+          <a:ln w="38100">
+            <a:solidFill>
+              <a:schemeClr val="tx1"/>
+            </a:solidFill>
+          </a:ln>
+        </p:spPr>
+        <p:style>
+          <a:lnRef idx="1">
+            <a:schemeClr val="accent1"/>
+          </a:lnRef>
+          <a:fillRef idx="0">
+            <a:schemeClr val="accent1"/>
+          </a:fillRef>
+          <a:effectRef idx="0">
+            <a:schemeClr val="accent1"/>
+          </a:effectRef>
+          <a:fontRef idx="minor">
+            <a:schemeClr val="tx1"/>
+          </a:fontRef>
+        </p:style>
+      </p:cxnSp>
+      <p:cxnSp>
+        <p:nvCxnSpPr>
+          <p:cNvPr id="105" name="Straight Connector 104"/>
+          <p:cNvCxnSpPr/>
+          <p:nvPr/>
+        </p:nvCxnSpPr>
+        <p:spPr>
+          <a:xfrm rot="10800000">
+            <a:off x="1944939" y="596808"/>
+            <a:ext cx="541867" cy="0"/>
+          </a:xfrm>
+          <a:prstGeom prst="line">
+            <a:avLst/>
+          </a:prstGeom>
+          <a:ln w="38100">
+            <a:solidFill>
+              <a:schemeClr val="tx1"/>
+            </a:solidFill>
+          </a:ln>
+        </p:spPr>
+        <p:style>
+          <a:lnRef idx="1">
+            <a:schemeClr val="accent1"/>
+          </a:lnRef>
+          <a:fillRef idx="0">
+            <a:schemeClr val="accent1"/>
+          </a:fillRef>
+          <a:effectRef idx="0">
+            <a:schemeClr val="accent1"/>
+          </a:effectRef>
+          <a:fontRef idx="minor">
+            <a:schemeClr val="tx1"/>
+          </a:fontRef>
+        </p:style>
+      </p:cxnSp>
+      <p:cxnSp>
+        <p:nvCxnSpPr>
+          <p:cNvPr id="106" name="Straight Connector 105"/>
+          <p:cNvCxnSpPr/>
+          <p:nvPr/>
+        </p:nvCxnSpPr>
+        <p:spPr>
+          <a:xfrm flipH="1" flipV="1">
+            <a:off x="4946946" y="601418"/>
+            <a:ext cx="1" cy="290405"/>
+          </a:xfrm>
+          <a:prstGeom prst="line">
+            <a:avLst/>
+          </a:prstGeom>
+          <a:ln w="38100">
+            <a:solidFill>
+              <a:schemeClr val="tx1"/>
+            </a:solidFill>
+          </a:ln>
+        </p:spPr>
+        <p:style>
+          <a:lnRef idx="1">
+            <a:schemeClr val="accent1"/>
+          </a:lnRef>
+          <a:fillRef idx="0">
+            <a:schemeClr val="accent1"/>
+          </a:fillRef>
+          <a:effectRef idx="0">
+            <a:schemeClr val="accent1"/>
+          </a:effectRef>
+          <a:fontRef idx="minor">
+            <a:schemeClr val="tx1"/>
+          </a:fontRef>
+        </p:style>
+      </p:cxnSp>
+      <p:cxnSp>
+        <p:nvCxnSpPr>
+          <p:cNvPr id="109" name="Straight Connector 108"/>
+          <p:cNvCxnSpPr/>
+          <p:nvPr/>
+        </p:nvCxnSpPr>
+        <p:spPr>
+          <a:xfrm flipV="1">
+            <a:off x="1953937" y="591943"/>
+            <a:ext cx="2" cy="291306"/>
+          </a:xfrm>
+          <a:prstGeom prst="line">
+            <a:avLst/>
+          </a:prstGeom>
+          <a:ln w="38100">
+            <a:solidFill>
+              <a:schemeClr val="tx1"/>
+            </a:solidFill>
+          </a:ln>
+        </p:spPr>
+        <p:style>
+          <a:lnRef idx="1">
+            <a:schemeClr val="accent1"/>
+          </a:lnRef>
+          <a:fillRef idx="0">
+            <a:schemeClr val="accent1"/>
+          </a:fillRef>
+          <a:effectRef idx="0">
+            <a:schemeClr val="accent1"/>
+          </a:effectRef>
+          <a:fontRef idx="minor">
+            <a:schemeClr val="tx1"/>
+          </a:fontRef>
+        </p:style>
+      </p:cxnSp>
+      <p:sp>
+        <p:nvSpPr>
+          <p:cNvPr id="111" name="TextBox 110"/>
+          <p:cNvSpPr txBox="1"/>
+          <p:nvPr/>
+        </p:nvSpPr>
+        <p:spPr>
+          <a:xfrm>
+            <a:off x="5334053" y="734908"/>
+            <a:ext cx="712478" cy="369332"/>
+          </a:xfrm>
+          <a:prstGeom prst="rect">
+            <a:avLst/>
+          </a:prstGeom>
+          <a:noFill/>
+        </p:spPr>
+        <p:txBody>
+          <a:bodyPr wrap="square" rtlCol="0">
+            <a:spAutoFit/>
+          </a:bodyPr>
+          <a:lstStyle/>
+          <a:p>
+            <a:pPr algn="ctr"/>
+            <a:r>
+              <a:rPr lang="en-US" dirty="0" smtClean="0"/>
+              <a:t>3.7  V </a:t>
+            </a:r>
+            <a:endParaRPr lang="en-US" dirty="0"/>
+          </a:p>
+        </p:txBody>
+      </p:sp>
+      <p:sp>
+        <p:nvSpPr>
+          <p:cNvPr id="114" name="TextBox 113"/>
+          <p:cNvSpPr txBox="1"/>
+          <p:nvPr/>
+        </p:nvSpPr>
+        <p:spPr>
+          <a:xfrm>
+            <a:off x="838390" y="734908"/>
+            <a:ext cx="712478" cy="369332"/>
+          </a:xfrm>
+          <a:prstGeom prst="rect">
+            <a:avLst/>
+          </a:prstGeom>
+          <a:noFill/>
+        </p:spPr>
+        <p:txBody>
+          <a:bodyPr wrap="square" rtlCol="0">
+            <a:spAutoFit/>
+          </a:bodyPr>
+          <a:lstStyle/>
+          <a:p>
+            <a:pPr algn="ctr"/>
+            <a:r>
+              <a:rPr lang="en-US" dirty="0" smtClean="0"/>
+              <a:t>3.7  V </a:t>
+            </a:r>
+            <a:endParaRPr lang="en-US" dirty="0"/>
+          </a:p>
+        </p:txBody>
+      </p:sp>
+      <p:cxnSp>
+        <p:nvCxnSpPr>
+          <p:cNvPr id="118" name="Elbow Connector 117"/>
+          <p:cNvCxnSpPr/>
+          <p:nvPr/>
+        </p:nvCxnSpPr>
+        <p:spPr>
+          <a:xfrm>
+            <a:off x="5343118" y="3037414"/>
+            <a:ext cx="2656115" cy="359955"/>
+          </a:xfrm>
+          <a:prstGeom prst="bentConnector3">
+            <a:avLst/>
+          </a:prstGeom>
+          <a:ln>
+            <a:solidFill>
+              <a:schemeClr val="tx1"/>
+            </a:solidFill>
+            <a:headEnd type="triangle"/>
+            <a:tailEnd type="triangle"/>
+          </a:ln>
+        </p:spPr>
+        <p:style>
+          <a:lnRef idx="1">
+            <a:schemeClr val="accent1"/>
+          </a:lnRef>
+          <a:fillRef idx="0">
+            <a:schemeClr val="accent1"/>
+          </a:fillRef>
+          <a:effectRef idx="0">
+            <a:schemeClr val="accent1"/>
+          </a:effectRef>
+          <a:fontRef idx="minor">
+            <a:schemeClr val="tx1"/>
+          </a:fontRef>
+        </p:style>
+      </p:cxnSp>
+      <p:sp>
+        <p:nvSpPr>
+          <p:cNvPr id="121" name="TextBox 120"/>
+          <p:cNvSpPr txBox="1"/>
+          <p:nvPr/>
+        </p:nvSpPr>
+        <p:spPr>
+          <a:xfrm>
+            <a:off x="5824571" y="2789582"/>
+            <a:ext cx="846605" cy="307777"/>
+          </a:xfrm>
+          <a:prstGeom prst="rect">
+            <a:avLst/>
+          </a:prstGeom>
+          <a:noFill/>
+        </p:spPr>
+        <p:txBody>
+          <a:bodyPr wrap="square" rtlCol="0">
+            <a:spAutoFit/>
+          </a:bodyPr>
+          <a:lstStyle/>
+          <a:p>
+            <a:r>
+              <a:rPr lang="en-US" sz="1400" dirty="0" smtClean="0"/>
+              <a:t>Serial</a:t>
+            </a:r>
+            <a:endParaRPr lang="en-US" sz="1400" dirty="0"/>
+          </a:p>
+        </p:txBody>
+      </p:sp>
+      <p:cxnSp>
+        <p:nvCxnSpPr>
+          <p:cNvPr id="123" name="Straight Arrow Connector 122"/>
+          <p:cNvCxnSpPr/>
+          <p:nvPr/>
+        </p:nvCxnSpPr>
+        <p:spPr>
+          <a:xfrm>
+            <a:off x="6680214" y="3609138"/>
+            <a:ext cx="1322010" cy="0"/>
+          </a:xfrm>
+          <a:prstGeom prst="straightConnector1">
+            <a:avLst/>
+          </a:prstGeom>
+          <a:ln>
+            <a:solidFill>
+              <a:schemeClr val="tx1"/>
+            </a:solidFill>
+            <a:tailEnd type="triangle"/>
+          </a:ln>
+        </p:spPr>
+        <p:style>
+          <a:lnRef idx="1">
+            <a:schemeClr val="accent1"/>
+          </a:lnRef>
+          <a:fillRef idx="0">
+            <a:schemeClr val="accent1"/>
+          </a:fillRef>
+          <a:effectRef idx="0">
+            <a:schemeClr val="accent1"/>
+          </a:effectRef>
+          <a:fontRef idx="minor">
+            <a:schemeClr val="tx1"/>
+          </a:fontRef>
+        </p:style>
+      </p:cxnSp>
+      <p:cxnSp>
+        <p:nvCxnSpPr>
+          <p:cNvPr id="126" name="Straight Arrow Connector 125"/>
+          <p:cNvCxnSpPr/>
+          <p:nvPr/>
+        </p:nvCxnSpPr>
+        <p:spPr>
+          <a:xfrm>
+            <a:off x="6681808" y="3799353"/>
+            <a:ext cx="1322010" cy="0"/>
+          </a:xfrm>
+          <a:prstGeom prst="straightConnector1">
+            <a:avLst/>
+          </a:prstGeom>
+          <a:ln>
+            <a:solidFill>
+              <a:schemeClr val="tx1"/>
+            </a:solidFill>
+            <a:tailEnd type="triangle"/>
+          </a:ln>
+        </p:spPr>
+        <p:style>
+          <a:lnRef idx="1">
+            <a:schemeClr val="accent1"/>
+          </a:lnRef>
+          <a:fillRef idx="0">
+            <a:schemeClr val="accent1"/>
+          </a:fillRef>
+          <a:effectRef idx="0">
+            <a:schemeClr val="accent1"/>
+          </a:effectRef>
+          <a:fontRef idx="minor">
+            <a:schemeClr val="tx1"/>
+          </a:fontRef>
+        </p:style>
+      </p:cxnSp>
+      <p:sp>
+        <p:nvSpPr>
+          <p:cNvPr id="128" name="TextBox 127"/>
+          <p:cNvSpPr txBox="1"/>
+          <p:nvPr/>
+        </p:nvSpPr>
+        <p:spPr>
+          <a:xfrm>
+            <a:off x="9662011" y="1159368"/>
+            <a:ext cx="712478" cy="369332"/>
+          </a:xfrm>
+          <a:prstGeom prst="rect">
+            <a:avLst/>
+          </a:prstGeom>
+          <a:noFill/>
+        </p:spPr>
+        <p:txBody>
+          <a:bodyPr wrap="square" rtlCol="0">
+            <a:spAutoFit/>
+          </a:bodyPr>
+          <a:lstStyle/>
+          <a:p>
+            <a:pPr algn="ctr"/>
+            <a:r>
+              <a:rPr lang="en-US" dirty="0" smtClean="0"/>
+              <a:t>5  V </a:t>
+            </a:r>
+            <a:endParaRPr lang="en-US" dirty="0"/>
+          </a:p>
+        </p:txBody>
+      </p:sp>
+      <p:sp>
+        <p:nvSpPr>
+          <p:cNvPr id="129" name="TextBox 128"/>
+          <p:cNvSpPr txBox="1"/>
+          <p:nvPr/>
+        </p:nvSpPr>
+        <p:spPr>
+          <a:xfrm>
+            <a:off x="5666310" y="3428928"/>
+            <a:ext cx="1100196" cy="307777"/>
+          </a:xfrm>
+          <a:prstGeom prst="rect">
+            <a:avLst/>
+          </a:prstGeom>
+          <a:noFill/>
+        </p:spPr>
+        <p:txBody>
+          <a:bodyPr wrap="square" rtlCol="0">
+            <a:spAutoFit/>
+          </a:bodyPr>
+          <a:lstStyle/>
+          <a:p>
+            <a:pPr algn="ctr"/>
+            <a:r>
+              <a:rPr lang="en-US" sz="1400" dirty="0" smtClean="0"/>
+              <a:t>WIFI Dongle</a:t>
+            </a:r>
+            <a:endParaRPr lang="en-US" sz="1400" dirty="0"/>
+          </a:p>
+        </p:txBody>
+      </p:sp>
+      <p:sp>
+        <p:nvSpPr>
+          <p:cNvPr id="131" name="TextBox 130"/>
+          <p:cNvSpPr txBox="1"/>
+          <p:nvPr/>
+        </p:nvSpPr>
+        <p:spPr>
+          <a:xfrm>
+            <a:off x="5819307" y="3626030"/>
+            <a:ext cx="1100196" cy="307777"/>
+          </a:xfrm>
+          <a:prstGeom prst="rect">
+            <a:avLst/>
+          </a:prstGeom>
+          <a:noFill/>
+        </p:spPr>
+        <p:txBody>
+          <a:bodyPr wrap="square" rtlCol="0">
+            <a:spAutoFit/>
+          </a:bodyPr>
+          <a:lstStyle/>
+          <a:p>
+            <a:pPr algn="ctr"/>
+            <a:r>
+              <a:rPr lang="en-US" sz="1400" dirty="0" smtClean="0"/>
+              <a:t>Camera</a:t>
+            </a:r>
+            <a:endParaRPr lang="en-US" sz="1400" dirty="0"/>
+          </a:p>
+        </p:txBody>
+      </p:sp>
+      <p:cxnSp>
+        <p:nvCxnSpPr>
+          <p:cNvPr id="135" name="Straight Arrow Connector 134"/>
+          <p:cNvCxnSpPr/>
+          <p:nvPr/>
+        </p:nvCxnSpPr>
+        <p:spPr>
+          <a:xfrm>
+            <a:off x="4597387" y="3832966"/>
+            <a:ext cx="0" cy="711487"/>
+          </a:xfrm>
+          <a:prstGeom prst="straightConnector1">
+            <a:avLst/>
+          </a:prstGeom>
+          <a:ln>
+            <a:solidFill>
+              <a:schemeClr val="accent2">
+                <a:lumMod val="75000"/>
+              </a:schemeClr>
+            </a:solidFill>
+            <a:headEnd type="triangle"/>
+            <a:tailEnd type="triangle"/>
+          </a:ln>
+        </p:spPr>
+        <p:style>
+          <a:lnRef idx="1">
+            <a:schemeClr val="accent1"/>
+          </a:lnRef>
+          <a:fillRef idx="0">
+            <a:schemeClr val="accent1"/>
+          </a:fillRef>
+          <a:effectRef idx="0">
+            <a:schemeClr val="accent1"/>
+          </a:effectRef>
+          <a:fontRef idx="minor">
+            <a:schemeClr val="tx1"/>
+          </a:fontRef>
+        </p:style>
+      </p:cxnSp>
+      <p:cxnSp>
+        <p:nvCxnSpPr>
+          <p:cNvPr id="152" name="Straight Arrow Connector 151"/>
+          <p:cNvCxnSpPr/>
+          <p:nvPr/>
+        </p:nvCxnSpPr>
+        <p:spPr>
+          <a:xfrm>
+            <a:off x="3774295" y="3831252"/>
+            <a:ext cx="0" cy="711487"/>
+          </a:xfrm>
+          <a:prstGeom prst="straightConnector1">
+            <a:avLst/>
+          </a:prstGeom>
+          <a:ln>
+            <a:solidFill>
+              <a:srgbClr val="FF0000"/>
+            </a:solidFill>
+            <a:tailEnd type="triangle"/>
+          </a:ln>
+        </p:spPr>
+        <p:style>
+          <a:lnRef idx="1">
+            <a:schemeClr val="accent1"/>
+          </a:lnRef>
+          <a:fillRef idx="0">
+            <a:schemeClr val="accent1"/>
+          </a:fillRef>
+          <a:effectRef idx="0">
+            <a:schemeClr val="accent1"/>
+          </a:effectRef>
+          <a:fontRef idx="minor">
+            <a:schemeClr val="tx1"/>
+          </a:fontRef>
+        </p:style>
+      </p:cxnSp>
+      <p:cxnSp>
+        <p:nvCxnSpPr>
+          <p:cNvPr id="153" name="Straight Arrow Connector 152"/>
+          <p:cNvCxnSpPr/>
+          <p:nvPr/>
+        </p:nvCxnSpPr>
+        <p:spPr>
+          <a:xfrm>
+            <a:off x="4202089" y="3824841"/>
+            <a:ext cx="0" cy="711487"/>
+          </a:xfrm>
+          <a:prstGeom prst="straightConnector1">
+            <a:avLst/>
+          </a:prstGeom>
+          <a:ln>
+            <a:solidFill>
+              <a:schemeClr val="tx1"/>
+            </a:solidFill>
+            <a:tailEnd type="triangle"/>
+          </a:ln>
+        </p:spPr>
+        <p:style>
+          <a:lnRef idx="1">
+            <a:schemeClr val="accent1"/>
+          </a:lnRef>
+          <a:fillRef idx="0">
+            <a:schemeClr val="accent1"/>
+          </a:fillRef>
+          <a:effectRef idx="0">
+            <a:schemeClr val="accent1"/>
+          </a:effectRef>
+          <a:fontRef idx="minor">
+            <a:schemeClr val="tx1"/>
+          </a:fontRef>
+        </p:style>
+      </p:cxnSp>
+      <p:sp>
+        <p:nvSpPr>
+          <p:cNvPr id="157" name="TextBox 156"/>
+          <p:cNvSpPr txBox="1"/>
+          <p:nvPr/>
+        </p:nvSpPr>
+        <p:spPr>
+          <a:xfrm rot="16200000" flipH="1">
+            <a:off x="4030393" y="3924755"/>
+            <a:ext cx="846605" cy="307777"/>
+          </a:xfrm>
+          <a:prstGeom prst="rect">
+            <a:avLst/>
+          </a:prstGeom>
+          <a:noFill/>
+        </p:spPr>
+        <p:txBody>
+          <a:bodyPr wrap="square" rtlCol="0">
+            <a:spAutoFit/>
+          </a:bodyPr>
+          <a:lstStyle/>
+          <a:p>
+            <a:r>
+              <a:rPr lang="en-US" sz="1400" dirty="0" smtClean="0">
+                <a:solidFill>
+                  <a:schemeClr val="accent2">
+                    <a:lumMod val="75000"/>
+                  </a:schemeClr>
+                </a:solidFill>
+              </a:rPr>
+              <a:t>Serial</a:t>
+            </a:r>
+            <a:endParaRPr lang="en-US" sz="1400" dirty="0">
+              <a:solidFill>
+                <a:schemeClr val="accent2">
+                  <a:lumMod val="75000"/>
+                </a:schemeClr>
+              </a:solidFill>
+            </a:endParaRPr>
+          </a:p>
+        </p:txBody>
+      </p:sp>
+      <p:sp>
+        <p:nvSpPr>
+          <p:cNvPr id="159" name="TextBox 158"/>
+          <p:cNvSpPr txBox="1"/>
+          <p:nvPr/>
+        </p:nvSpPr>
+        <p:spPr>
+          <a:xfrm rot="16200000" flipH="1">
+            <a:off x="3608650" y="3996281"/>
+            <a:ext cx="846605" cy="307777"/>
+          </a:xfrm>
+          <a:prstGeom prst="rect">
+            <a:avLst/>
+          </a:prstGeom>
+          <a:noFill/>
+        </p:spPr>
+        <p:txBody>
+          <a:bodyPr wrap="square" rtlCol="0">
+            <a:spAutoFit/>
+          </a:bodyPr>
+          <a:lstStyle/>
+          <a:p>
+            <a:r>
+              <a:rPr lang="en-US" sz="1400" dirty="0" smtClean="0"/>
+              <a:t>Ground</a:t>
+            </a:r>
+            <a:endParaRPr lang="en-US" sz="1400" dirty="0"/>
+          </a:p>
+        </p:txBody>
+      </p:sp>
+      <p:sp>
+        <p:nvSpPr>
+          <p:cNvPr id="162" name="TextBox 161"/>
+          <p:cNvSpPr txBox="1"/>
+          <p:nvPr/>
+        </p:nvSpPr>
+        <p:spPr>
+          <a:xfrm rot="16200000" flipH="1">
+            <a:off x="3164646" y="3999752"/>
+            <a:ext cx="846605" cy="307777"/>
+          </a:xfrm>
+          <a:prstGeom prst="rect">
+            <a:avLst/>
+          </a:prstGeom>
+          <a:noFill/>
+        </p:spPr>
+        <p:txBody>
+          <a:bodyPr wrap="square" rtlCol="0">
+            <a:spAutoFit/>
+          </a:bodyPr>
+          <a:lstStyle/>
+          <a:p>
+            <a:r>
+              <a:rPr lang="en-US" sz="1400" dirty="0" smtClean="0">
+                <a:solidFill>
+                  <a:srgbClr val="FF0000"/>
+                </a:solidFill>
+              </a:rPr>
+              <a:t>Vin</a:t>
+            </a:r>
+            <a:endParaRPr lang="en-US" sz="1400" dirty="0">
+              <a:solidFill>
+                <a:srgbClr val="FF0000"/>
+              </a:solidFill>
+            </a:endParaRPr>
+          </a:p>
+        </p:txBody>
+      </p:sp>
+      <p:cxnSp>
+        <p:nvCxnSpPr>
+          <p:cNvPr id="170" name="Straight Connector 169"/>
+          <p:cNvCxnSpPr/>
+          <p:nvPr/>
+        </p:nvCxnSpPr>
+        <p:spPr>
+          <a:xfrm>
+            <a:off x="3282715" y="2316630"/>
+            <a:ext cx="127014" cy="0"/>
+          </a:xfrm>
+          <a:prstGeom prst="line">
+            <a:avLst/>
+          </a:prstGeom>
+          <a:ln w="28575">
+            <a:solidFill>
+              <a:schemeClr val="tx1"/>
+            </a:solidFill>
+          </a:ln>
+        </p:spPr>
+        <p:style>
+          <a:lnRef idx="1">
+            <a:schemeClr val="accent1"/>
+          </a:lnRef>
+          <a:fillRef idx="0">
+            <a:schemeClr val="accent1"/>
+          </a:fillRef>
+          <a:effectRef idx="0">
+            <a:schemeClr val="accent1"/>
+          </a:effectRef>
+          <a:fontRef idx="minor">
+            <a:schemeClr val="tx1"/>
+          </a:fontRef>
+        </p:style>
+      </p:cxnSp>
+      <p:cxnSp>
+        <p:nvCxnSpPr>
+          <p:cNvPr id="171" name="Straight Connector 170"/>
+          <p:cNvCxnSpPr/>
+          <p:nvPr/>
+        </p:nvCxnSpPr>
+        <p:spPr>
+          <a:xfrm>
+            <a:off x="3374208" y="2316630"/>
+            <a:ext cx="127014" cy="0"/>
+          </a:xfrm>
+          <a:prstGeom prst="line">
+            <a:avLst/>
+          </a:prstGeom>
+          <a:ln w="28575">
+            <a:solidFill>
+              <a:schemeClr val="tx1"/>
+            </a:solidFill>
+          </a:ln>
+        </p:spPr>
+        <p:style>
+          <a:lnRef idx="1">
+            <a:schemeClr val="accent1"/>
+          </a:lnRef>
+          <a:fillRef idx="0">
+            <a:schemeClr val="accent1"/>
+          </a:fillRef>
+          <a:effectRef idx="0">
+            <a:schemeClr val="accent1"/>
+          </a:effectRef>
+          <a:fontRef idx="minor">
+            <a:schemeClr val="tx1"/>
+          </a:fontRef>
+        </p:style>
+      </p:cxnSp>
+      <p:sp>
+        <p:nvSpPr>
+          <p:cNvPr id="172" name="Oval 171"/>
           <p:cNvSpPr/>
           <p:nvPr/>
         </p:nvSpPr>
         <p:spPr>
           <a:xfrm>
-            <a:off x="7833946" y="1270487"/>
-            <a:ext cx="4167554" cy="2958613"/>
-          </a:xfrm>
-          <a:prstGeom prst="rect">
+            <a:off x="3026583" y="1876926"/>
+            <a:ext cx="214247" cy="164243"/>
+          </a:xfrm>
+          <a:prstGeom prst="ellipse">
             <a:avLst/>
           </a:prstGeom>
           <a:solidFill>
@@ -2983,7 +5227,7 @@
           </a:solidFill>
           <a:ln>
             <a:solidFill>
-              <a:schemeClr val="tx1"/>
+              <a:srgbClr val="FF0000"/>
             </a:solidFill>
           </a:ln>
         </p:spPr>
@@ -3008,33 +5252,26 @@
           <a:lstStyle/>
           <a:p>
             <a:pPr algn="ctr"/>
-            <a:r>
-              <a:rPr lang="en-US" sz="2400" dirty="0">
-                <a:solidFill>
-                  <a:schemeClr val="tx1"/>
-                </a:solidFill>
-              </a:rPr>
-              <a:t>Raspberry Pi 2</a:t>
-            </a:r>
-          </a:p>
-        </p:txBody>
-      </p:sp>
-      <p:sp>
-        <p:nvSpPr>
-          <p:cNvPr id="5" name="Rectangle 4"/>
+            <a:endParaRPr lang="en-US"/>
+          </a:p>
+        </p:txBody>
+      </p:sp>
+      <p:sp>
+        <p:nvSpPr>
+          <p:cNvPr id="173" name="Oval 172"/>
           <p:cNvSpPr/>
           <p:nvPr/>
         </p:nvSpPr>
         <p:spPr>
           <a:xfrm>
-            <a:off x="592668" y="2180491"/>
-            <a:ext cx="4203534" cy="1556239"/>
-          </a:xfrm>
-          <a:prstGeom prst="rect">
+            <a:off x="3508262" y="1880424"/>
+            <a:ext cx="214247" cy="164243"/>
+          </a:xfrm>
+          <a:prstGeom prst="ellipse">
             <a:avLst/>
           </a:prstGeom>
           <a:solidFill>
-            <a:srgbClr val="00B0F0"/>
+            <a:schemeClr val="tx1"/>
           </a:solidFill>
           <a:ln>
             <a:solidFill>
@@ -3063,563 +5300,230 @@
           <a:lstStyle/>
           <a:p>
             <a:pPr algn="ctr"/>
-            <a:r>
-              <a:rPr lang="en-US" sz="2400" dirty="0">
+            <a:endParaRPr lang="en-US"/>
+          </a:p>
+        </p:txBody>
+      </p:sp>
+      <p:sp>
+        <p:nvSpPr>
+          <p:cNvPr id="174" name="TextBox 173"/>
+          <p:cNvSpPr txBox="1"/>
+          <p:nvPr/>
+        </p:nvSpPr>
+        <p:spPr>
+          <a:xfrm flipH="1">
+            <a:off x="2627365" y="1836304"/>
+            <a:ext cx="846605" cy="307777"/>
+          </a:xfrm>
+          <a:prstGeom prst="rect">
+            <a:avLst/>
+          </a:prstGeom>
+          <a:noFill/>
+        </p:spPr>
+        <p:txBody>
+          <a:bodyPr wrap="square" rtlCol="0">
+            <a:spAutoFit/>
+          </a:bodyPr>
+          <a:lstStyle/>
+          <a:p>
+            <a:r>
+              <a:rPr lang="en-US" sz="1400" dirty="0" smtClean="0">
                 <a:solidFill>
-                  <a:schemeClr val="tx1"/>
+                  <a:srgbClr val="FF0000"/>
                 </a:solidFill>
               </a:rPr>
-              <a:t>OpenCM9.04 micro-controller</a:t>
-            </a:r>
-          </a:p>
-        </p:txBody>
-      </p:sp>
-      <p:sp>
-        <p:nvSpPr>
-          <p:cNvPr id="8" name="Rectangle 7"/>
-          <p:cNvSpPr/>
-          <p:nvPr/>
-        </p:nvSpPr>
-        <p:spPr>
-          <a:xfrm>
-            <a:off x="7851499" y="5600677"/>
-            <a:ext cx="993531" cy="580293"/>
+              <a:t>Vin</a:t>
+            </a:r>
+            <a:endParaRPr lang="en-US" sz="1400" dirty="0">
+              <a:solidFill>
+                <a:srgbClr val="FF0000"/>
+              </a:solidFill>
+            </a:endParaRPr>
+          </a:p>
+        </p:txBody>
+      </p:sp>
+      <p:sp>
+        <p:nvSpPr>
+          <p:cNvPr id="175" name="TextBox 174"/>
+          <p:cNvSpPr txBox="1"/>
+          <p:nvPr/>
+        </p:nvSpPr>
+        <p:spPr>
+          <a:xfrm flipH="1">
+            <a:off x="3727202" y="1810397"/>
+            <a:ext cx="846605" cy="307777"/>
           </a:xfrm>
           <a:prstGeom prst="rect">
             <a:avLst/>
           </a:prstGeom>
-          <a:solidFill>
-            <a:srgbClr val="92D050"/>
-          </a:solidFill>
-          <a:ln>
-            <a:solidFill>
-              <a:schemeClr val="tx1"/>
-            </a:solidFill>
-          </a:ln>
-        </p:spPr>
-        <p:style>
-          <a:lnRef idx="2">
-            <a:schemeClr val="accent1">
-              <a:shade val="50000"/>
-            </a:schemeClr>
-          </a:lnRef>
-          <a:fillRef idx="1">
-            <a:schemeClr val="accent1"/>
-          </a:fillRef>
-          <a:effectRef idx="0">
-            <a:schemeClr val="accent1"/>
-          </a:effectRef>
-          <a:fontRef idx="minor">
-            <a:schemeClr val="lt1"/>
-          </a:fontRef>
-        </p:style>
-        <p:txBody>
-          <a:bodyPr rtlCol="0" anchor="ctr"/>
-          <a:lstStyle/>
-          <a:p>
-            <a:pPr algn="ctr"/>
-            <a:r>
-              <a:rPr lang="en-US" dirty="0">
-                <a:solidFill>
-                  <a:schemeClr val="tx1"/>
-                </a:solidFill>
-              </a:rPr>
-              <a:t>Servo 6</a:t>
-            </a:r>
-          </a:p>
-        </p:txBody>
-      </p:sp>
-      <p:sp>
-        <p:nvSpPr>
-          <p:cNvPr id="9" name="Rectangle 8"/>
-          <p:cNvSpPr/>
-          <p:nvPr/>
-        </p:nvSpPr>
-        <p:spPr>
-          <a:xfrm>
-            <a:off x="6370463" y="5600677"/>
-            <a:ext cx="993531" cy="580293"/>
-          </a:xfrm>
-          <a:prstGeom prst="rect">
-            <a:avLst/>
-          </a:prstGeom>
-          <a:solidFill>
-            <a:srgbClr val="92D050"/>
-          </a:solidFill>
-          <a:ln>
-            <a:solidFill>
-              <a:schemeClr val="tx1"/>
-            </a:solidFill>
-          </a:ln>
-        </p:spPr>
-        <p:style>
-          <a:lnRef idx="2">
-            <a:schemeClr val="accent1">
-              <a:shade val="50000"/>
-            </a:schemeClr>
-          </a:lnRef>
-          <a:fillRef idx="1">
-            <a:schemeClr val="accent1"/>
-          </a:fillRef>
-          <a:effectRef idx="0">
-            <a:schemeClr val="accent1"/>
-          </a:effectRef>
-          <a:fontRef idx="minor">
-            <a:schemeClr val="lt1"/>
-          </a:fontRef>
-        </p:style>
-        <p:txBody>
-          <a:bodyPr rtlCol="0" anchor="ctr"/>
-          <a:lstStyle/>
-          <a:p>
-            <a:pPr algn="ctr"/>
-            <a:r>
-              <a:rPr lang="en-US" dirty="0">
-                <a:solidFill>
-                  <a:schemeClr val="tx1"/>
-                </a:solidFill>
-              </a:rPr>
-              <a:t>Servo 5</a:t>
-            </a:r>
-          </a:p>
-        </p:txBody>
-      </p:sp>
-      <p:sp>
-        <p:nvSpPr>
-          <p:cNvPr id="10" name="Rectangle 9"/>
-          <p:cNvSpPr/>
-          <p:nvPr/>
-        </p:nvSpPr>
-        <p:spPr>
-          <a:xfrm>
-            <a:off x="444252" y="5600678"/>
-            <a:ext cx="993531" cy="580293"/>
-          </a:xfrm>
-          <a:prstGeom prst="rect">
-            <a:avLst/>
-          </a:prstGeom>
-          <a:solidFill>
-            <a:srgbClr val="92D050"/>
-          </a:solidFill>
-          <a:ln>
-            <a:solidFill>
-              <a:schemeClr val="tx1"/>
-            </a:solidFill>
-          </a:ln>
-        </p:spPr>
-        <p:style>
-          <a:lnRef idx="2">
-            <a:schemeClr val="accent1">
-              <a:shade val="50000"/>
-            </a:schemeClr>
-          </a:lnRef>
-          <a:fillRef idx="1">
-            <a:schemeClr val="accent1"/>
-          </a:fillRef>
-          <a:effectRef idx="0">
-            <a:schemeClr val="accent1"/>
-          </a:effectRef>
-          <a:fontRef idx="minor">
-            <a:schemeClr val="lt1"/>
-          </a:fontRef>
-        </p:style>
-        <p:txBody>
-          <a:bodyPr rtlCol="0" anchor="ctr"/>
-          <a:lstStyle/>
-          <a:p>
-            <a:pPr algn="ctr"/>
-            <a:r>
-              <a:rPr lang="en-US" dirty="0">
-                <a:solidFill>
-                  <a:schemeClr val="tx1"/>
-                </a:solidFill>
-              </a:rPr>
-              <a:t>Servo 1</a:t>
-            </a:r>
-          </a:p>
-        </p:txBody>
-      </p:sp>
-      <p:sp>
-        <p:nvSpPr>
-          <p:cNvPr id="11" name="Rectangle 10"/>
-          <p:cNvSpPr/>
-          <p:nvPr/>
-        </p:nvSpPr>
-        <p:spPr>
-          <a:xfrm>
-            <a:off x="3407702" y="5600679"/>
-            <a:ext cx="993531" cy="580293"/>
-          </a:xfrm>
-          <a:prstGeom prst="rect">
-            <a:avLst/>
-          </a:prstGeom>
-          <a:solidFill>
-            <a:srgbClr val="92D050"/>
-          </a:solidFill>
-          <a:ln>
-            <a:solidFill>
-              <a:schemeClr val="tx1"/>
-            </a:solidFill>
-          </a:ln>
-        </p:spPr>
-        <p:style>
-          <a:lnRef idx="2">
-            <a:schemeClr val="accent1">
-              <a:shade val="50000"/>
-            </a:schemeClr>
-          </a:lnRef>
-          <a:fillRef idx="1">
-            <a:schemeClr val="accent1"/>
-          </a:fillRef>
-          <a:effectRef idx="0">
-            <a:schemeClr val="accent1"/>
-          </a:effectRef>
-          <a:fontRef idx="minor">
-            <a:schemeClr val="lt1"/>
-          </a:fontRef>
-        </p:style>
-        <p:txBody>
-          <a:bodyPr rtlCol="0" anchor="ctr"/>
-          <a:lstStyle/>
-          <a:p>
-            <a:pPr algn="ctr"/>
-            <a:r>
-              <a:rPr lang="en-US" dirty="0">
-                <a:solidFill>
-                  <a:schemeClr val="tx1"/>
-                </a:solidFill>
-              </a:rPr>
-              <a:t>Servo 3</a:t>
-            </a:r>
-          </a:p>
-        </p:txBody>
-      </p:sp>
-      <p:sp>
-        <p:nvSpPr>
-          <p:cNvPr id="12" name="Rectangle 11"/>
-          <p:cNvSpPr/>
-          <p:nvPr/>
-        </p:nvSpPr>
-        <p:spPr>
-          <a:xfrm>
-            <a:off x="10813570" y="5600683"/>
-            <a:ext cx="993531" cy="580293"/>
-          </a:xfrm>
-          <a:prstGeom prst="rect">
-            <a:avLst/>
-          </a:prstGeom>
-          <a:solidFill>
-            <a:srgbClr val="92D050"/>
-          </a:solidFill>
-          <a:ln>
-            <a:solidFill>
-              <a:schemeClr val="tx1"/>
-            </a:solidFill>
-          </a:ln>
-        </p:spPr>
-        <p:style>
-          <a:lnRef idx="2">
-            <a:schemeClr val="accent1">
-              <a:shade val="50000"/>
-            </a:schemeClr>
-          </a:lnRef>
-          <a:fillRef idx="1">
-            <a:schemeClr val="accent1"/>
-          </a:fillRef>
-          <a:effectRef idx="0">
-            <a:schemeClr val="accent1"/>
-          </a:effectRef>
-          <a:fontRef idx="minor">
-            <a:schemeClr val="lt1"/>
-          </a:fontRef>
-        </p:style>
-        <p:txBody>
-          <a:bodyPr rtlCol="0" anchor="ctr"/>
-          <a:lstStyle/>
-          <a:p>
-            <a:pPr algn="ctr"/>
-            <a:r>
-              <a:rPr lang="en-US" dirty="0">
-                <a:solidFill>
-                  <a:schemeClr val="tx1"/>
-                </a:solidFill>
-              </a:rPr>
-              <a:t>Servo 8</a:t>
-            </a:r>
-          </a:p>
-        </p:txBody>
-      </p:sp>
-      <p:sp>
-        <p:nvSpPr>
-          <p:cNvPr id="13" name="Rectangle 12"/>
-          <p:cNvSpPr/>
-          <p:nvPr/>
-        </p:nvSpPr>
-        <p:spPr>
-          <a:xfrm>
-            <a:off x="9332534" y="5600682"/>
-            <a:ext cx="993531" cy="580293"/>
-          </a:xfrm>
-          <a:prstGeom prst="rect">
-            <a:avLst/>
-          </a:prstGeom>
-          <a:solidFill>
-            <a:srgbClr val="92D050"/>
-          </a:solidFill>
-          <a:ln>
-            <a:solidFill>
-              <a:schemeClr val="tx1"/>
-            </a:solidFill>
-          </a:ln>
-        </p:spPr>
-        <p:style>
-          <a:lnRef idx="2">
-            <a:schemeClr val="accent1">
-              <a:shade val="50000"/>
-            </a:schemeClr>
-          </a:lnRef>
-          <a:fillRef idx="1">
-            <a:schemeClr val="accent1"/>
-          </a:fillRef>
-          <a:effectRef idx="0">
-            <a:schemeClr val="accent1"/>
-          </a:effectRef>
-          <a:fontRef idx="minor">
-            <a:schemeClr val="lt1"/>
-          </a:fontRef>
-        </p:style>
-        <p:txBody>
-          <a:bodyPr rtlCol="0" anchor="ctr"/>
-          <a:lstStyle/>
-          <a:p>
-            <a:pPr algn="ctr"/>
-            <a:r>
-              <a:rPr lang="en-US" dirty="0">
-                <a:solidFill>
-                  <a:schemeClr val="tx1"/>
-                </a:solidFill>
-              </a:rPr>
-              <a:t>Servo 7</a:t>
-            </a:r>
-          </a:p>
-        </p:txBody>
-      </p:sp>
-      <p:sp>
-        <p:nvSpPr>
-          <p:cNvPr id="14" name="Rectangle 13"/>
-          <p:cNvSpPr/>
-          <p:nvPr/>
-        </p:nvSpPr>
-        <p:spPr>
-          <a:xfrm>
-            <a:off x="1925977" y="5600679"/>
-            <a:ext cx="993531" cy="580293"/>
-          </a:xfrm>
-          <a:prstGeom prst="rect">
-            <a:avLst/>
-          </a:prstGeom>
-          <a:solidFill>
-            <a:srgbClr val="92D050"/>
-          </a:solidFill>
-          <a:ln>
-            <a:solidFill>
-              <a:schemeClr val="tx1"/>
-            </a:solidFill>
-          </a:ln>
-        </p:spPr>
-        <p:style>
-          <a:lnRef idx="2">
-            <a:schemeClr val="accent1">
-              <a:shade val="50000"/>
-            </a:schemeClr>
-          </a:lnRef>
-          <a:fillRef idx="1">
-            <a:schemeClr val="accent1"/>
-          </a:fillRef>
-          <a:effectRef idx="0">
-            <a:schemeClr val="accent1"/>
-          </a:effectRef>
-          <a:fontRef idx="minor">
-            <a:schemeClr val="lt1"/>
-          </a:fontRef>
-        </p:style>
-        <p:txBody>
-          <a:bodyPr rtlCol="0" anchor="ctr"/>
-          <a:lstStyle/>
-          <a:p>
-            <a:pPr algn="ctr"/>
-            <a:r>
-              <a:rPr lang="en-US" dirty="0">
-                <a:solidFill>
-                  <a:schemeClr val="tx1"/>
-                </a:solidFill>
-              </a:rPr>
-              <a:t>Servo 2</a:t>
-            </a:r>
-          </a:p>
-        </p:txBody>
-      </p:sp>
-      <p:sp>
-        <p:nvSpPr>
-          <p:cNvPr id="15" name="Rectangle 14"/>
-          <p:cNvSpPr/>
-          <p:nvPr/>
-        </p:nvSpPr>
-        <p:spPr>
-          <a:xfrm>
-            <a:off x="4889427" y="5600680"/>
-            <a:ext cx="993531" cy="580293"/>
-          </a:xfrm>
-          <a:prstGeom prst="rect">
-            <a:avLst/>
-          </a:prstGeom>
-          <a:solidFill>
-            <a:srgbClr val="92D050"/>
-          </a:solidFill>
-          <a:ln>
-            <a:solidFill>
-              <a:schemeClr val="tx1"/>
-            </a:solidFill>
-          </a:ln>
-        </p:spPr>
-        <p:style>
-          <a:lnRef idx="2">
-            <a:schemeClr val="accent1">
-              <a:shade val="50000"/>
-            </a:schemeClr>
-          </a:lnRef>
-          <a:fillRef idx="1">
-            <a:schemeClr val="accent1"/>
-          </a:fillRef>
-          <a:effectRef idx="0">
-            <a:schemeClr val="accent1"/>
-          </a:effectRef>
-          <a:fontRef idx="minor">
-            <a:schemeClr val="lt1"/>
-          </a:fontRef>
-        </p:style>
-        <p:txBody>
-          <a:bodyPr rtlCol="0" anchor="ctr"/>
-          <a:lstStyle/>
-          <a:p>
-            <a:pPr algn="ctr"/>
-            <a:r>
-              <a:rPr lang="en-US" dirty="0">
-                <a:solidFill>
-                  <a:schemeClr val="tx1"/>
-                </a:solidFill>
-              </a:rPr>
-              <a:t>Servo 4</a:t>
-            </a:r>
-          </a:p>
-        </p:txBody>
-      </p:sp>
-      <p:sp>
-        <p:nvSpPr>
-          <p:cNvPr id="16" name="TextBox 15"/>
-          <p:cNvSpPr txBox="1"/>
-          <p:nvPr/>
-        </p:nvSpPr>
-        <p:spPr>
-          <a:xfrm>
-            <a:off x="3865328" y="200671"/>
-            <a:ext cx="4689938" cy="584775"/>
-          </a:xfrm>
-          <a:prstGeom prst="rect">
-            <a:avLst/>
-          </a:prstGeom>
           <a:noFill/>
         </p:spPr>
         <p:txBody>
-          <a:bodyPr wrap="none" rtlCol="0">
+          <a:bodyPr wrap="square" rtlCol="0">
             <a:spAutoFit/>
           </a:bodyPr>
           <a:lstStyle/>
           <a:p>
             <a:r>
-              <a:rPr lang="en-US" sz="3200" dirty="0"/>
-              <a:t>Electrical Diagram (Walker)</a:t>
-            </a:r>
-          </a:p>
-        </p:txBody>
-      </p:sp>
-      <p:sp>
-        <p:nvSpPr>
-          <p:cNvPr id="17" name="TextBox 16"/>
+              <a:rPr lang="en-US" sz="1400" dirty="0" smtClean="0"/>
+              <a:t>Ground</a:t>
+            </a:r>
+            <a:endParaRPr lang="en-US" sz="1400" dirty="0"/>
+          </a:p>
+        </p:txBody>
+      </p:sp>
+      <p:sp>
+        <p:nvSpPr>
+          <p:cNvPr id="79" name="TextBox 78"/>
           <p:cNvSpPr txBox="1"/>
           <p:nvPr/>
         </p:nvSpPr>
         <p:spPr>
           <a:xfrm>
-            <a:off x="6427739" y="2958610"/>
-            <a:ext cx="904478" cy="369332"/>
+            <a:off x="9012199" y="5951375"/>
+            <a:ext cx="931333" cy="640687"/>
           </a:xfrm>
           <a:prstGeom prst="rect">
             <a:avLst/>
           </a:prstGeom>
-          <a:noFill/>
-        </p:spPr>
-        <p:txBody>
-          <a:bodyPr wrap="none" rtlCol="0">
+          <a:solidFill>
+            <a:schemeClr val="accent6"/>
+          </a:solidFill>
+          <a:ln w="38100">
+            <a:solidFill>
+              <a:schemeClr val="tx1"/>
+            </a:solidFill>
+          </a:ln>
+        </p:spPr>
+        <p:txBody>
+          <a:bodyPr wrap="square" rtlCol="0">
             <a:spAutoFit/>
           </a:bodyPr>
           <a:lstStyle/>
           <a:p>
-            <a:r>
-              <a:rPr lang="en-US" dirty="0"/>
-              <a:t>Camera</a:t>
-            </a:r>
-          </a:p>
-        </p:txBody>
-      </p:sp>
-      <p:sp>
-        <p:nvSpPr>
-          <p:cNvPr id="18" name="TextBox 17"/>
+            <a:pPr algn="ctr"/>
+            <a:r>
+              <a:rPr lang="en-US" dirty="0" smtClean="0"/>
+              <a:t>XL-320</a:t>
+            </a:r>
+          </a:p>
+          <a:p>
+            <a:pPr algn="ctr"/>
+            <a:r>
+              <a:rPr lang="en-US" dirty="0" smtClean="0"/>
+              <a:t>Servo`</a:t>
+            </a:r>
+            <a:endParaRPr lang="en-US" dirty="0"/>
+          </a:p>
+        </p:txBody>
+      </p:sp>
+      <p:sp>
+        <p:nvSpPr>
+          <p:cNvPr id="80" name="TextBox 79"/>
           <p:cNvSpPr txBox="1"/>
           <p:nvPr/>
         </p:nvSpPr>
         <p:spPr>
           <a:xfrm>
-            <a:off x="5906673" y="3558053"/>
-            <a:ext cx="1388522" cy="369332"/>
+            <a:off x="5489223" y="4589576"/>
+            <a:ext cx="931333" cy="640687"/>
           </a:xfrm>
           <a:prstGeom prst="rect">
             <a:avLst/>
           </a:prstGeom>
-          <a:noFill/>
-        </p:spPr>
-        <p:txBody>
-          <a:bodyPr wrap="none" rtlCol="0">
+          <a:solidFill>
+            <a:schemeClr val="accent6"/>
+          </a:solidFill>
+          <a:ln w="38100">
+            <a:solidFill>
+              <a:schemeClr val="tx1"/>
+            </a:solidFill>
+          </a:ln>
+        </p:spPr>
+        <p:txBody>
+          <a:bodyPr wrap="square" rtlCol="0">
             <a:spAutoFit/>
           </a:bodyPr>
           <a:lstStyle/>
           <a:p>
-            <a:r>
-              <a:rPr lang="en-US" dirty="0"/>
-              <a:t>Wi-Fi Dongle</a:t>
-            </a:r>
+            <a:pPr algn="ctr"/>
+            <a:r>
+              <a:rPr lang="en-US" dirty="0" smtClean="0"/>
+              <a:t>XL-320</a:t>
+            </a:r>
+          </a:p>
+          <a:p>
+            <a:pPr algn="ctr"/>
+            <a:r>
+              <a:rPr lang="en-US" dirty="0" smtClean="0"/>
+              <a:t>Servo</a:t>
+            </a:r>
+            <a:endParaRPr lang="en-US" dirty="0"/>
+          </a:p>
+        </p:txBody>
+      </p:sp>
+      <p:sp>
+        <p:nvSpPr>
+          <p:cNvPr id="81" name="TextBox 80"/>
+          <p:cNvSpPr txBox="1"/>
+          <p:nvPr/>
+        </p:nvSpPr>
+        <p:spPr>
+          <a:xfrm>
+            <a:off x="8983121" y="4564891"/>
+            <a:ext cx="931333" cy="640687"/>
+          </a:xfrm>
+          <a:prstGeom prst="rect">
+            <a:avLst/>
+          </a:prstGeom>
+          <a:solidFill>
+            <a:schemeClr val="accent6"/>
+          </a:solidFill>
+          <a:ln w="38100">
+            <a:solidFill>
+              <a:schemeClr val="tx1"/>
+            </a:solidFill>
+          </a:ln>
+        </p:spPr>
+        <p:txBody>
+          <a:bodyPr wrap="square" rtlCol="0">
+            <a:spAutoFit/>
+          </a:bodyPr>
+          <a:lstStyle/>
+          <a:p>
+            <a:pPr algn="ctr"/>
+            <a:r>
+              <a:rPr lang="en-US" dirty="0" smtClean="0"/>
+              <a:t>XL-320</a:t>
+            </a:r>
+          </a:p>
+          <a:p>
+            <a:pPr algn="ctr"/>
+            <a:r>
+              <a:rPr lang="en-US" dirty="0" smtClean="0"/>
+              <a:t>Servo</a:t>
+            </a:r>
+            <a:endParaRPr lang="en-US" dirty="0"/>
           </a:p>
         </p:txBody>
       </p:sp>
       <p:cxnSp>
         <p:nvCxnSpPr>
-          <p:cNvPr id="20" name="Elbow Connector 19"/>
-          <p:cNvCxnSpPr>
-            <a:endCxn id="17" idx="3"/>
-          </p:cNvCxnSpPr>
+          <p:cNvPr id="94" name="Straight Arrow Connector 93"/>
+          <p:cNvCxnSpPr/>
           <p:nvPr/>
         </p:nvCxnSpPr>
         <p:spPr>
-          <a:xfrm flipH="1">
-            <a:off x="7332217" y="3143276"/>
-            <a:ext cx="501729" cy="0"/>
+          <a:xfrm>
+            <a:off x="6511997" y="4583696"/>
+            <a:ext cx="610442" cy="0"/>
           </a:xfrm>
           <a:prstGeom prst="straightConnector1">
             <a:avLst/>
           </a:prstGeom>
           <a:ln>
             <a:solidFill>
-              <a:schemeClr val="tx1"/>
+              <a:srgbClr val="FF0000"/>
             </a:solidFill>
             <a:tailEnd type="triangle"/>
           </a:ln>
@@ -3639,456 +5543,45 @@
           </a:fontRef>
         </p:style>
       </p:cxnSp>
-      <p:cxnSp>
-        <p:nvCxnSpPr>
-          <p:cNvPr id="27" name="Elbow Connector 26"/>
-          <p:cNvCxnSpPr>
-            <a:endCxn id="18" idx="3"/>
-          </p:cNvCxnSpPr>
-          <p:nvPr/>
-        </p:nvCxnSpPr>
+      <p:sp>
+        <p:nvSpPr>
+          <p:cNvPr id="108" name="TextBox 107"/>
+          <p:cNvSpPr txBox="1"/>
+          <p:nvPr/>
+        </p:nvSpPr>
         <p:spPr>
           <a:xfrm flipH="1">
-            <a:off x="7295195" y="3736730"/>
-            <a:ext cx="538751" cy="5989"/>
-          </a:xfrm>
-          <a:prstGeom prst="straightConnector1">
-            <a:avLst/>
-          </a:prstGeom>
-          <a:ln>
-            <a:solidFill>
-              <a:schemeClr val="tx1"/>
-            </a:solidFill>
-            <a:tailEnd type="triangle"/>
-          </a:ln>
-        </p:spPr>
-        <p:style>
-          <a:lnRef idx="1">
-            <a:schemeClr val="accent1"/>
-          </a:lnRef>
-          <a:fillRef idx="0">
-            <a:schemeClr val="accent1"/>
-          </a:fillRef>
-          <a:effectRef idx="0">
-            <a:schemeClr val="accent1"/>
-          </a:effectRef>
-          <a:fontRef idx="minor">
-            <a:schemeClr val="tx1"/>
-          </a:fontRef>
-        </p:style>
-      </p:cxnSp>
-      <p:cxnSp>
-        <p:nvCxnSpPr>
-          <p:cNvPr id="40" name="Straight Arrow Connector 39"/>
-          <p:cNvCxnSpPr/>
-          <p:nvPr/>
-        </p:nvCxnSpPr>
-        <p:spPr>
-          <a:xfrm flipH="1">
-            <a:off x="4796201" y="2540000"/>
-            <a:ext cx="3037745" cy="16933"/>
-          </a:xfrm>
-          <a:prstGeom prst="straightConnector1">
-            <a:avLst/>
-          </a:prstGeom>
-          <a:ln>
-            <a:solidFill>
-              <a:schemeClr val="tx1"/>
-            </a:solidFill>
-            <a:tailEnd type="triangle"/>
-          </a:ln>
-        </p:spPr>
-        <p:style>
-          <a:lnRef idx="1">
-            <a:schemeClr val="accent1"/>
-          </a:lnRef>
-          <a:fillRef idx="0">
-            <a:schemeClr val="accent1"/>
-          </a:fillRef>
-          <a:effectRef idx="0">
-            <a:schemeClr val="accent1"/>
-          </a:effectRef>
-          <a:fontRef idx="minor">
-            <a:schemeClr val="tx1"/>
-          </a:fontRef>
-        </p:style>
-      </p:cxnSp>
-      <p:sp>
-        <p:nvSpPr>
-          <p:cNvPr id="42" name="Rectangle 41"/>
-          <p:cNvSpPr/>
-          <p:nvPr/>
-        </p:nvSpPr>
-        <p:spPr>
-          <a:xfrm>
-            <a:off x="1185333" y="592667"/>
-            <a:ext cx="702734" cy="982133"/>
+            <a:off x="6586647" y="4348057"/>
+            <a:ext cx="423303" cy="307777"/>
           </a:xfrm>
           <a:prstGeom prst="rect">
             <a:avLst/>
           </a:prstGeom>
-          <a:solidFill>
-            <a:srgbClr val="FFFF00"/>
-          </a:solidFill>
-          <a:ln>
-            <a:solidFill>
-              <a:schemeClr val="tx1"/>
-            </a:solidFill>
-          </a:ln>
-        </p:spPr>
-        <p:style>
-          <a:lnRef idx="2">
-            <a:schemeClr val="accent1">
-              <a:shade val="50000"/>
-            </a:schemeClr>
-          </a:lnRef>
-          <a:fillRef idx="1">
-            <a:schemeClr val="accent1"/>
-          </a:fillRef>
-          <a:effectRef idx="0">
-            <a:schemeClr val="accent1"/>
-          </a:effectRef>
-          <a:fontRef idx="minor">
-            <a:schemeClr val="lt1"/>
-          </a:fontRef>
-        </p:style>
-        <p:txBody>
-          <a:bodyPr rtlCol="0" anchor="ctr"/>
+          <a:noFill/>
+        </p:spPr>
+        <p:txBody>
+          <a:bodyPr wrap="square" rtlCol="0">
+            <a:spAutoFit/>
+          </a:bodyPr>
           <a:lstStyle/>
           <a:p>
             <a:pPr algn="ctr"/>
             <a:r>
-              <a:rPr lang="en-US" dirty="0">
+              <a:rPr lang="en-US" sz="1400" dirty="0" smtClean="0">
                 <a:solidFill>
-                  <a:schemeClr val="tx1"/>
+                  <a:srgbClr val="FF0000"/>
                 </a:solidFill>
               </a:rPr>
-              <a:t>3.7 V</a:t>
-            </a:r>
-          </a:p>
-        </p:txBody>
-      </p:sp>
-      <p:sp>
-        <p:nvSpPr>
-          <p:cNvPr id="43" name="Rectangle 42"/>
-          <p:cNvSpPr/>
-          <p:nvPr/>
-        </p:nvSpPr>
-        <p:spPr>
-          <a:xfrm>
-            <a:off x="1888067" y="592667"/>
-            <a:ext cx="685800" cy="982133"/>
-          </a:xfrm>
-          <a:prstGeom prst="rect">
-            <a:avLst/>
-          </a:prstGeom>
-          <a:solidFill>
-            <a:srgbClr val="FFFF00"/>
-          </a:solidFill>
-          <a:ln>
-            <a:solidFill>
-              <a:schemeClr val="tx1"/>
-            </a:solidFill>
-          </a:ln>
-        </p:spPr>
-        <p:style>
-          <a:lnRef idx="2">
-            <a:schemeClr val="accent1">
-              <a:shade val="50000"/>
-            </a:schemeClr>
-          </a:lnRef>
-          <a:fillRef idx="1">
-            <a:schemeClr val="accent1"/>
-          </a:fillRef>
-          <a:effectRef idx="0">
-            <a:schemeClr val="accent1"/>
-          </a:effectRef>
-          <a:fontRef idx="minor">
-            <a:schemeClr val="lt1"/>
-          </a:fontRef>
-        </p:style>
-        <p:txBody>
-          <a:bodyPr rtlCol="0" anchor="ctr"/>
-          <a:lstStyle/>
-          <a:p>
-            <a:pPr algn="ctr"/>
-            <a:r>
-              <a:rPr lang="en-US" dirty="0">
-                <a:solidFill>
-                  <a:schemeClr val="tx1"/>
-                </a:solidFill>
-              </a:rPr>
-              <a:t>3.7 V</a:t>
-            </a:r>
-          </a:p>
-        </p:txBody>
-      </p:sp>
-      <p:cxnSp>
-        <p:nvCxnSpPr>
-          <p:cNvPr id="45" name="Straight Arrow Connector 44"/>
-          <p:cNvCxnSpPr/>
-          <p:nvPr/>
-        </p:nvCxnSpPr>
-        <p:spPr>
-          <a:xfrm>
-            <a:off x="1384474" y="1574800"/>
-            <a:ext cx="4232" cy="605691"/>
-          </a:xfrm>
-          <a:prstGeom prst="straightConnector1">
-            <a:avLst/>
-          </a:prstGeom>
-          <a:ln>
-            <a:solidFill>
-              <a:schemeClr val="tx1"/>
-            </a:solidFill>
-            <a:tailEnd type="triangle"/>
-          </a:ln>
-        </p:spPr>
-        <p:style>
-          <a:lnRef idx="1">
-            <a:schemeClr val="accent1"/>
-          </a:lnRef>
-          <a:fillRef idx="0">
-            <a:schemeClr val="accent1"/>
-          </a:fillRef>
-          <a:effectRef idx="0">
-            <a:schemeClr val="accent1"/>
-          </a:effectRef>
-          <a:fontRef idx="minor">
-            <a:schemeClr val="tx1"/>
-          </a:fontRef>
-        </p:style>
-      </p:cxnSp>
-      <p:sp>
-        <p:nvSpPr>
-          <p:cNvPr id="48" name="Rectangle 47"/>
-          <p:cNvSpPr/>
-          <p:nvPr/>
-        </p:nvSpPr>
-        <p:spPr>
-          <a:xfrm>
-            <a:off x="8759813" y="592667"/>
-            <a:ext cx="2136787" cy="380998"/>
-          </a:xfrm>
-          <a:prstGeom prst="rect">
-            <a:avLst/>
-          </a:prstGeom>
-          <a:solidFill>
-            <a:srgbClr val="FFFF00"/>
-          </a:solidFill>
-          <a:ln>
-            <a:solidFill>
-              <a:schemeClr val="tx1"/>
-            </a:solidFill>
-          </a:ln>
-        </p:spPr>
-        <p:style>
-          <a:lnRef idx="2">
-            <a:schemeClr val="accent1">
-              <a:shade val="50000"/>
-            </a:schemeClr>
-          </a:lnRef>
-          <a:fillRef idx="1">
-            <a:schemeClr val="accent1"/>
-          </a:fillRef>
-          <a:effectRef idx="0">
-            <a:schemeClr val="accent1"/>
-          </a:effectRef>
-          <a:fontRef idx="minor">
-            <a:schemeClr val="lt1"/>
-          </a:fontRef>
-        </p:style>
-        <p:txBody>
-          <a:bodyPr rtlCol="0" anchor="ctr"/>
-          <a:lstStyle/>
-          <a:p>
-            <a:pPr algn="ctr"/>
-            <a:r>
-              <a:rPr lang="en-US" dirty="0">
-                <a:solidFill>
-                  <a:schemeClr val="tx1"/>
-                </a:solidFill>
-              </a:rPr>
-              <a:t>5 V Power Supply</a:t>
-            </a:r>
-          </a:p>
-        </p:txBody>
-      </p:sp>
-      <p:cxnSp>
-        <p:nvCxnSpPr>
-          <p:cNvPr id="50" name="Elbow Connector 49"/>
-          <p:cNvCxnSpPr>
-            <a:stCxn id="48" idx="1"/>
-          </p:cNvCxnSpPr>
-          <p:nvPr/>
-        </p:nvCxnSpPr>
-        <p:spPr>
-          <a:xfrm rot="10800000" flipV="1">
-            <a:off x="8449733" y="783166"/>
-            <a:ext cx="310080" cy="487320"/>
-          </a:xfrm>
-          <a:prstGeom prst="bentConnector2">
-            <a:avLst/>
-          </a:prstGeom>
-          <a:ln>
-            <a:solidFill>
-              <a:schemeClr val="tx1"/>
-            </a:solidFill>
-            <a:tailEnd type="triangle"/>
-          </a:ln>
-        </p:spPr>
-        <p:style>
-          <a:lnRef idx="1">
-            <a:schemeClr val="accent1"/>
-          </a:lnRef>
-          <a:fillRef idx="0">
-            <a:schemeClr val="accent1"/>
-          </a:fillRef>
-          <a:effectRef idx="0">
-            <a:schemeClr val="accent1"/>
-          </a:effectRef>
-          <a:fontRef idx="minor">
-            <a:schemeClr val="tx1"/>
-          </a:fontRef>
-        </p:style>
-      </p:cxnSp>
-      <p:sp>
-        <p:nvSpPr>
-          <p:cNvPr id="68" name="TextBox 67"/>
-          <p:cNvSpPr txBox="1"/>
-          <p:nvPr/>
-        </p:nvSpPr>
-        <p:spPr>
-          <a:xfrm>
-            <a:off x="1058444" y="264694"/>
-            <a:ext cx="1893595" cy="369332"/>
-          </a:xfrm>
-          <a:prstGeom prst="rect">
-            <a:avLst/>
-          </a:prstGeom>
-          <a:noFill/>
-        </p:spPr>
-        <p:txBody>
-          <a:bodyPr wrap="none" rtlCol="0">
-            <a:spAutoFit/>
-          </a:bodyPr>
-          <a:lstStyle/>
-          <a:p>
-            <a:r>
-              <a:rPr lang="en-US" dirty="0"/>
-              <a:t>Li Batteries (7.4 V)</a:t>
-            </a:r>
-          </a:p>
-        </p:txBody>
-      </p:sp>
-      <p:cxnSp>
-        <p:nvCxnSpPr>
-          <p:cNvPr id="89" name="Straight Arrow Connector 88"/>
-          <p:cNvCxnSpPr/>
-          <p:nvPr/>
-        </p:nvCxnSpPr>
-        <p:spPr>
-          <a:xfrm>
-            <a:off x="1437438" y="5679158"/>
-            <a:ext cx="488194" cy="1"/>
-          </a:xfrm>
-          <a:prstGeom prst="straightConnector1">
-            <a:avLst/>
-          </a:prstGeom>
-          <a:ln>
-            <a:solidFill>
-              <a:schemeClr val="tx1"/>
-            </a:solidFill>
-            <a:tailEnd type="triangle"/>
-          </a:ln>
-        </p:spPr>
-        <p:style>
-          <a:lnRef idx="1">
-            <a:schemeClr val="accent1"/>
-          </a:lnRef>
-          <a:fillRef idx="0">
-            <a:schemeClr val="accent1"/>
-          </a:fillRef>
-          <a:effectRef idx="0">
-            <a:schemeClr val="accent1"/>
-          </a:effectRef>
-          <a:fontRef idx="minor">
-            <a:schemeClr val="tx1"/>
-          </a:fontRef>
-        </p:style>
-      </p:cxnSp>
-      <p:cxnSp>
-        <p:nvCxnSpPr>
-          <p:cNvPr id="113" name="Straight Arrow Connector 112"/>
-          <p:cNvCxnSpPr/>
-          <p:nvPr/>
-        </p:nvCxnSpPr>
-        <p:spPr>
-          <a:xfrm>
-            <a:off x="1370052" y="3727330"/>
-            <a:ext cx="1" cy="1863948"/>
-          </a:xfrm>
-          <a:prstGeom prst="straightConnector1">
-            <a:avLst/>
-          </a:prstGeom>
-          <a:ln>
-            <a:solidFill>
-              <a:schemeClr val="tx1"/>
-            </a:solidFill>
-            <a:tailEnd type="triangle"/>
-          </a:ln>
-        </p:spPr>
-        <p:style>
-          <a:lnRef idx="1">
-            <a:schemeClr val="accent1"/>
-          </a:lnRef>
-          <a:fillRef idx="0">
-            <a:schemeClr val="accent1"/>
-          </a:fillRef>
-          <a:effectRef idx="0">
-            <a:schemeClr val="accent1"/>
-          </a:effectRef>
-          <a:fontRef idx="minor">
-            <a:schemeClr val="tx1"/>
-          </a:fontRef>
-        </p:style>
-      </p:cxnSp>
-      <p:cxnSp>
-        <p:nvCxnSpPr>
-          <p:cNvPr id="114" name="Straight Arrow Connector 113"/>
-          <p:cNvCxnSpPr/>
-          <p:nvPr/>
-        </p:nvCxnSpPr>
-        <p:spPr>
-          <a:xfrm>
-            <a:off x="990158" y="3727330"/>
-            <a:ext cx="1" cy="1863948"/>
-          </a:xfrm>
-          <a:prstGeom prst="straightConnector1">
-            <a:avLst/>
-          </a:prstGeom>
-          <a:ln>
-            <a:solidFill>
-              <a:schemeClr val="tx1"/>
-            </a:solidFill>
-            <a:tailEnd type="triangle"/>
-          </a:ln>
-        </p:spPr>
-        <p:style>
-          <a:lnRef idx="1">
-            <a:schemeClr val="accent1"/>
-          </a:lnRef>
-          <a:fillRef idx="0">
-            <a:schemeClr val="accent1"/>
-          </a:fillRef>
-          <a:effectRef idx="0">
-            <a:schemeClr val="accent1"/>
-          </a:effectRef>
-          <a:fontRef idx="minor">
-            <a:schemeClr val="tx1"/>
-          </a:fontRef>
-        </p:style>
-      </p:cxnSp>
+              <a:t>Vin</a:t>
+            </a:r>
+            <a:endParaRPr lang="en-US" sz="1400" dirty="0">
+              <a:solidFill>
+                <a:srgbClr val="FF0000"/>
+              </a:solidFill>
+            </a:endParaRPr>
+          </a:p>
+        </p:txBody>
+      </p:sp>
       <p:cxnSp>
         <p:nvCxnSpPr>
           <p:cNvPr id="115" name="Straight Arrow Connector 114"/>
@@ -4096,9 +5589,9 @@
           <p:nvPr/>
         </p:nvCxnSpPr>
         <p:spPr>
-          <a:xfrm>
-            <a:off x="654623" y="3727330"/>
-            <a:ext cx="1" cy="1863948"/>
+          <a:xfrm flipV="1">
+            <a:off x="6511997" y="4886976"/>
+            <a:ext cx="610442" cy="84"/>
           </a:xfrm>
           <a:prstGeom prst="straightConnector1">
             <a:avLst/>
@@ -4127,14 +5620,14 @@
       </p:cxnSp>
       <p:sp>
         <p:nvSpPr>
-          <p:cNvPr id="116" name="TextBox 115"/>
+          <p:cNvPr id="119" name="TextBox 118"/>
           <p:cNvSpPr txBox="1"/>
           <p:nvPr/>
         </p:nvSpPr>
         <p:spPr>
-          <a:xfrm>
-            <a:off x="912295" y="4112365"/>
-            <a:ext cx="476412" cy="276999"/>
+          <a:xfrm flipH="1">
+            <a:off x="6425915" y="4619976"/>
+            <a:ext cx="846605" cy="307777"/>
           </a:xfrm>
           <a:prstGeom prst="rect">
             <a:avLst/>
@@ -4142,424 +5635,40 @@
           <a:noFill/>
         </p:spPr>
         <p:txBody>
-          <a:bodyPr wrap="none" rtlCol="0">
+          <a:bodyPr wrap="square" rtlCol="0">
             <a:spAutoFit/>
           </a:bodyPr>
           <a:lstStyle/>
           <a:p>
             <a:r>
-              <a:rPr lang="en-US" sz="1200" dirty="0"/>
-              <a:t>GND</a:t>
-            </a:r>
-          </a:p>
-        </p:txBody>
-      </p:sp>
-      <p:sp>
-        <p:nvSpPr>
-          <p:cNvPr id="117" name="TextBox 116"/>
-          <p:cNvSpPr txBox="1"/>
-          <p:nvPr/>
-        </p:nvSpPr>
-        <p:spPr>
-          <a:xfrm>
-            <a:off x="583701" y="4108132"/>
-            <a:ext cx="433388" cy="276999"/>
-          </a:xfrm>
-          <a:prstGeom prst="rect">
-            <a:avLst/>
-          </a:prstGeom>
-          <a:noFill/>
-        </p:spPr>
-        <p:txBody>
-          <a:bodyPr wrap="none" rtlCol="0">
-            <a:spAutoFit/>
-          </a:bodyPr>
-          <a:lstStyle/>
-          <a:p>
-            <a:r>
-              <a:rPr lang="en-US" sz="1200" dirty="0"/>
-              <a:t>VCC</a:t>
-            </a:r>
-          </a:p>
-        </p:txBody>
-      </p:sp>
-      <p:sp>
-        <p:nvSpPr>
-          <p:cNvPr id="118" name="TextBox 117"/>
-          <p:cNvSpPr txBox="1"/>
-          <p:nvPr/>
-        </p:nvSpPr>
-        <p:spPr>
-          <a:xfrm>
-            <a:off x="1325693" y="4108132"/>
-            <a:ext cx="391454" cy="276999"/>
-          </a:xfrm>
-          <a:prstGeom prst="rect">
-            <a:avLst/>
-          </a:prstGeom>
-          <a:noFill/>
-        </p:spPr>
-        <p:txBody>
-          <a:bodyPr wrap="none" rtlCol="0">
-            <a:spAutoFit/>
-          </a:bodyPr>
-          <a:lstStyle/>
-          <a:p>
-            <a:r>
-              <a:rPr lang="en-US" sz="1200" dirty="0"/>
-              <a:t>SIG</a:t>
-            </a:r>
-          </a:p>
-        </p:txBody>
-      </p:sp>
-      <p:sp>
-        <p:nvSpPr>
-          <p:cNvPr id="119" name="Rectangle 118"/>
-          <p:cNvSpPr/>
-          <p:nvPr/>
-        </p:nvSpPr>
-        <p:spPr>
-          <a:xfrm>
-            <a:off x="7829711" y="2395935"/>
-            <a:ext cx="824450" cy="338554"/>
-          </a:xfrm>
-          <a:prstGeom prst="rect">
-            <a:avLst/>
-          </a:prstGeom>
-          <a:solidFill>
-            <a:srgbClr val="FF0000"/>
-          </a:solidFill>
-          <a:ln>
-            <a:solidFill>
-              <a:schemeClr val="tx1"/>
-            </a:solidFill>
-          </a:ln>
-        </p:spPr>
-        <p:style>
-          <a:lnRef idx="2">
-            <a:schemeClr val="accent1">
-              <a:shade val="50000"/>
-            </a:schemeClr>
-          </a:lnRef>
-          <a:fillRef idx="1">
-            <a:schemeClr val="accent1"/>
-          </a:fillRef>
-          <a:effectRef idx="0">
-            <a:schemeClr val="accent1"/>
-          </a:effectRef>
-          <a:fontRef idx="minor">
-            <a:schemeClr val="lt1"/>
-          </a:fontRef>
-        </p:style>
-        <p:txBody>
-          <a:bodyPr rtlCol="0" anchor="ctr"/>
-          <a:lstStyle/>
-          <a:p>
-            <a:pPr algn="ctr"/>
-            <a:r>
-              <a:rPr lang="en-US" sz="1600" dirty="0">
-                <a:solidFill>
-                  <a:schemeClr val="tx1"/>
-                </a:solidFill>
-              </a:rPr>
-              <a:t>Serial 0</a:t>
-            </a:r>
-          </a:p>
-        </p:txBody>
-      </p:sp>
-      <p:sp>
-        <p:nvSpPr>
-          <p:cNvPr id="121" name="Rectangle 120"/>
-          <p:cNvSpPr/>
-          <p:nvPr/>
-        </p:nvSpPr>
-        <p:spPr>
-          <a:xfrm>
-            <a:off x="7832807" y="2989388"/>
-            <a:ext cx="824450" cy="338554"/>
-          </a:xfrm>
-          <a:prstGeom prst="rect">
-            <a:avLst/>
-          </a:prstGeom>
-          <a:solidFill>
-            <a:srgbClr val="FF0000"/>
-          </a:solidFill>
-          <a:ln>
-            <a:solidFill>
-              <a:schemeClr val="tx1"/>
-            </a:solidFill>
-          </a:ln>
-        </p:spPr>
-        <p:style>
-          <a:lnRef idx="2">
-            <a:schemeClr val="accent1">
-              <a:shade val="50000"/>
-            </a:schemeClr>
-          </a:lnRef>
-          <a:fillRef idx="1">
-            <a:schemeClr val="accent1"/>
-          </a:fillRef>
-          <a:effectRef idx="0">
-            <a:schemeClr val="accent1"/>
-          </a:effectRef>
-          <a:fontRef idx="minor">
-            <a:schemeClr val="lt1"/>
-          </a:fontRef>
-        </p:style>
-        <p:txBody>
-          <a:bodyPr rtlCol="0" anchor="ctr"/>
-          <a:lstStyle/>
-          <a:p>
-            <a:pPr algn="ctr"/>
-            <a:r>
-              <a:rPr lang="en-US" sz="1600" dirty="0">
-                <a:solidFill>
-                  <a:schemeClr val="tx1"/>
-                </a:solidFill>
-              </a:rPr>
-              <a:t>Serial 1</a:t>
-            </a:r>
-          </a:p>
-        </p:txBody>
-      </p:sp>
-      <p:sp>
-        <p:nvSpPr>
-          <p:cNvPr id="122" name="Rectangle 121"/>
-          <p:cNvSpPr/>
-          <p:nvPr/>
-        </p:nvSpPr>
-        <p:spPr>
-          <a:xfrm>
-            <a:off x="7832807" y="3571348"/>
-            <a:ext cx="824450" cy="338554"/>
-          </a:xfrm>
-          <a:prstGeom prst="rect">
-            <a:avLst/>
-          </a:prstGeom>
-          <a:solidFill>
-            <a:srgbClr val="FF0000"/>
-          </a:solidFill>
-          <a:ln>
-            <a:solidFill>
-              <a:schemeClr val="tx1"/>
-            </a:solidFill>
-          </a:ln>
-        </p:spPr>
-        <p:style>
-          <a:lnRef idx="2">
-            <a:schemeClr val="accent1">
-              <a:shade val="50000"/>
-            </a:schemeClr>
-          </a:lnRef>
-          <a:fillRef idx="1">
-            <a:schemeClr val="accent1"/>
-          </a:fillRef>
-          <a:effectRef idx="0">
-            <a:schemeClr val="accent1"/>
-          </a:effectRef>
-          <a:fontRef idx="minor">
-            <a:schemeClr val="lt1"/>
-          </a:fontRef>
-        </p:style>
-        <p:txBody>
-          <a:bodyPr rtlCol="0" anchor="ctr"/>
-          <a:lstStyle/>
-          <a:p>
-            <a:pPr algn="ctr"/>
-            <a:r>
-              <a:rPr lang="en-US" sz="1600" dirty="0">
-                <a:solidFill>
-                  <a:schemeClr val="tx1"/>
-                </a:solidFill>
-              </a:rPr>
-              <a:t>Serial 2</a:t>
-            </a:r>
-          </a:p>
-        </p:txBody>
-      </p:sp>
-      <p:sp>
-        <p:nvSpPr>
-          <p:cNvPr id="123" name="Rectangle 122"/>
-          <p:cNvSpPr/>
-          <p:nvPr/>
-        </p:nvSpPr>
-        <p:spPr>
-          <a:xfrm>
-            <a:off x="7986346" y="1277754"/>
-            <a:ext cx="1058401" cy="338554"/>
-          </a:xfrm>
-          <a:prstGeom prst="rect">
-            <a:avLst/>
-          </a:prstGeom>
-          <a:solidFill>
-            <a:srgbClr val="FF0000"/>
-          </a:solidFill>
-          <a:ln>
-            <a:solidFill>
-              <a:schemeClr val="tx1"/>
-            </a:solidFill>
-          </a:ln>
-        </p:spPr>
-        <p:style>
-          <a:lnRef idx="2">
-            <a:schemeClr val="accent1">
-              <a:shade val="50000"/>
-            </a:schemeClr>
-          </a:lnRef>
-          <a:fillRef idx="1">
-            <a:schemeClr val="accent1"/>
-          </a:fillRef>
-          <a:effectRef idx="0">
-            <a:schemeClr val="accent1"/>
-          </a:effectRef>
-          <a:fontRef idx="minor">
-            <a:schemeClr val="lt1"/>
-          </a:fontRef>
-        </p:style>
-        <p:txBody>
-          <a:bodyPr rtlCol="0" anchor="ctr"/>
-          <a:lstStyle/>
-          <a:p>
-            <a:pPr algn="ctr"/>
-            <a:r>
-              <a:rPr lang="en-US" sz="1600" dirty="0">
-                <a:solidFill>
-                  <a:schemeClr val="tx1"/>
-                </a:solidFill>
-              </a:rPr>
-              <a:t>micro-USB</a:t>
-            </a:r>
-          </a:p>
-        </p:txBody>
-      </p:sp>
-      <p:sp>
-        <p:nvSpPr>
-          <p:cNvPr id="124" name="Rectangle 123"/>
-          <p:cNvSpPr/>
-          <p:nvPr/>
-        </p:nvSpPr>
-        <p:spPr>
-          <a:xfrm>
-            <a:off x="3717145" y="2379189"/>
-            <a:ext cx="1058401" cy="338554"/>
-          </a:xfrm>
-          <a:prstGeom prst="rect">
-            <a:avLst/>
-          </a:prstGeom>
-          <a:solidFill>
-            <a:srgbClr val="00B0F0"/>
-          </a:solidFill>
-          <a:ln>
-            <a:solidFill>
-              <a:schemeClr val="tx1"/>
-            </a:solidFill>
-          </a:ln>
-        </p:spPr>
-        <p:style>
-          <a:lnRef idx="2">
-            <a:schemeClr val="accent1">
-              <a:shade val="50000"/>
-            </a:schemeClr>
-          </a:lnRef>
-          <a:fillRef idx="1">
-            <a:schemeClr val="accent1"/>
-          </a:fillRef>
-          <a:effectRef idx="0">
-            <a:schemeClr val="accent1"/>
-          </a:effectRef>
-          <a:fontRef idx="minor">
-            <a:schemeClr val="lt1"/>
-          </a:fontRef>
-        </p:style>
-        <p:txBody>
-          <a:bodyPr rtlCol="0" anchor="ctr"/>
-          <a:lstStyle/>
-          <a:p>
-            <a:pPr algn="ctr"/>
-            <a:r>
-              <a:rPr lang="en-US" sz="1600" dirty="0">
-                <a:solidFill>
-                  <a:schemeClr val="tx1"/>
-                </a:solidFill>
-              </a:rPr>
-              <a:t>micro-USB</a:t>
-            </a:r>
-          </a:p>
-        </p:txBody>
-      </p:sp>
-      <p:sp>
-        <p:nvSpPr>
-          <p:cNvPr id="125" name="Rectangle 124"/>
-          <p:cNvSpPr/>
-          <p:nvPr/>
-        </p:nvSpPr>
-        <p:spPr>
-          <a:xfrm>
-            <a:off x="596399" y="3399373"/>
-            <a:ext cx="824450" cy="338554"/>
-          </a:xfrm>
-          <a:prstGeom prst="rect">
-            <a:avLst/>
-          </a:prstGeom>
-          <a:solidFill>
-            <a:srgbClr val="00B0F0"/>
-          </a:solidFill>
-          <a:ln>
-            <a:solidFill>
-              <a:schemeClr val="tx1"/>
-            </a:solidFill>
-          </a:ln>
-        </p:spPr>
-        <p:style>
-          <a:lnRef idx="2">
-            <a:schemeClr val="accent1">
-              <a:shade val="50000"/>
-            </a:schemeClr>
-          </a:lnRef>
-          <a:fillRef idx="1">
-            <a:schemeClr val="accent1"/>
-          </a:fillRef>
-          <a:effectRef idx="0">
-            <a:schemeClr val="accent1"/>
-          </a:effectRef>
-          <a:fontRef idx="minor">
-            <a:schemeClr val="lt1"/>
-          </a:fontRef>
-        </p:style>
-        <p:txBody>
-          <a:bodyPr rtlCol="0" anchor="ctr"/>
-          <a:lstStyle/>
-          <a:p>
-            <a:pPr algn="ctr"/>
-            <a:r>
-              <a:rPr lang="en-US" sz="1600" dirty="0">
-                <a:solidFill>
-                  <a:schemeClr val="tx1"/>
-                </a:solidFill>
-              </a:rPr>
-              <a:t>Serial 1</a:t>
-            </a:r>
+              <a:rPr lang="en-US" sz="1400" dirty="0" smtClean="0"/>
+              <a:t>Ground</a:t>
+            </a:r>
+            <a:endParaRPr lang="en-US" sz="1400" dirty="0"/>
           </a:p>
         </p:txBody>
       </p:sp>
       <p:cxnSp>
         <p:nvCxnSpPr>
-          <p:cNvPr id="133" name="Straight Arrow Connector 132"/>
+          <p:cNvPr id="125" name="Straight Arrow Connector 124"/>
           <p:cNvCxnSpPr/>
           <p:nvPr/>
         </p:nvCxnSpPr>
         <p:spPr>
-          <a:xfrm>
-            <a:off x="2332889" y="1568662"/>
-            <a:ext cx="4232" cy="605691"/>
+          <a:xfrm flipH="1">
+            <a:off x="6491129" y="5183269"/>
+            <a:ext cx="652499" cy="0"/>
           </a:xfrm>
           <a:prstGeom prst="straightConnector1">
             <a:avLst/>
           </a:prstGeom>
           <a:ln>
             <a:solidFill>
-              <a:schemeClr val="tx1"/>
-            </a:solidFill>
+              <a:schemeClr val="accent2">
+                <a:lumMod val="75000"/>
+              </a:schemeClr>
+            </a:solidFill>
+            <a:headEnd type="triangle"/>
             <a:tailEnd type="triangle"/>
           </a:ln>
         </p:spPr>
@@ -4580,14 +5689,14 @@
       </p:cxnSp>
       <p:sp>
         <p:nvSpPr>
-          <p:cNvPr id="134" name="TextBox 133"/>
+          <p:cNvPr id="130" name="TextBox 129"/>
           <p:cNvSpPr txBox="1"/>
           <p:nvPr/>
         </p:nvSpPr>
         <p:spPr>
-          <a:xfrm>
-            <a:off x="1139642" y="1668242"/>
-            <a:ext cx="300082" cy="369332"/>
+          <a:xfrm flipH="1">
+            <a:off x="6466908" y="4945010"/>
+            <a:ext cx="689189" cy="307777"/>
           </a:xfrm>
           <a:prstGeom prst="rect">
             <a:avLst/>
@@ -4595,15 +5704,74 @@
           <a:noFill/>
         </p:spPr>
         <p:txBody>
-          <a:bodyPr wrap="none" rtlCol="0">
+          <a:bodyPr wrap="square" rtlCol="0">
             <a:spAutoFit/>
           </a:bodyPr>
           <a:lstStyle/>
           <a:p>
-            <a:r>
-              <a:rPr lang="en-US" dirty="0"/>
-              <a:t>+</a:t>
-            </a:r>
+            <a:pPr algn="ctr"/>
+            <a:r>
+              <a:rPr lang="en-US" sz="1400" dirty="0" smtClean="0">
+                <a:solidFill>
+                  <a:schemeClr val="accent2">
+                    <a:lumMod val="75000"/>
+                  </a:schemeClr>
+                </a:solidFill>
+              </a:rPr>
+              <a:t>Serial</a:t>
+            </a:r>
+            <a:endParaRPr lang="en-US" sz="1400" dirty="0">
+              <a:solidFill>
+                <a:schemeClr val="accent2">
+                  <a:lumMod val="75000"/>
+                </a:schemeClr>
+              </a:solidFill>
+            </a:endParaRPr>
+          </a:p>
+        </p:txBody>
+      </p:sp>
+      <p:sp>
+        <p:nvSpPr>
+          <p:cNvPr id="133" name="TextBox 132"/>
+          <p:cNvSpPr txBox="1"/>
+          <p:nvPr/>
+        </p:nvSpPr>
+        <p:spPr>
+          <a:xfrm>
+            <a:off x="5484710" y="5987796"/>
+            <a:ext cx="931333" cy="640687"/>
+          </a:xfrm>
+          <a:prstGeom prst="rect">
+            <a:avLst/>
+          </a:prstGeom>
+          <a:solidFill>
+            <a:schemeClr val="accent6"/>
+          </a:solidFill>
+          <a:ln w="38100">
+            <a:solidFill>
+              <a:schemeClr val="tx1"/>
+            </a:solidFill>
+          </a:ln>
+        </p:spPr>
+        <p:txBody>
+          <a:bodyPr wrap="square" rtlCol="0">
+            <a:spAutoFit/>
+          </a:bodyPr>
+          <a:lstStyle/>
+          <a:p>
+            <a:pPr algn="ctr"/>
+            <a:r>
+              <a:rPr lang="en-US" dirty="0" smtClean="0"/>
+              <a:t>XL-320</a:t>
+            </a:r>
+          </a:p>
+          <a:p>
+            <a:pPr algn="ctr"/>
+            <a:r>
+              <a:rPr lang="en-US" dirty="0" smtClean="0"/>
+              <a:t>Servo</a:t>
+            </a:r>
+            <a:endParaRPr lang="en-US" dirty="0"/>
           </a:p>
         </p:txBody>
       </p:sp>
@@ -4615,102 +5783,62 @@
         </p:nvSpPr>
         <p:spPr>
           <a:xfrm>
-            <a:off x="2308860" y="1635744"/>
-            <a:ext cx="255198" cy="369332"/>
+            <a:off x="3746915" y="5987796"/>
+            <a:ext cx="931333" cy="640687"/>
           </a:xfrm>
           <a:prstGeom prst="rect">
             <a:avLst/>
           </a:prstGeom>
-          <a:noFill/>
-        </p:spPr>
-        <p:txBody>
-          <a:bodyPr wrap="none" rtlCol="0">
+          <a:solidFill>
+            <a:schemeClr val="accent6"/>
+          </a:solidFill>
+          <a:ln w="38100">
+            <a:solidFill>
+              <a:schemeClr val="tx1"/>
+            </a:solidFill>
+          </a:ln>
+        </p:spPr>
+        <p:txBody>
+          <a:bodyPr wrap="square" rtlCol="0">
             <a:spAutoFit/>
           </a:bodyPr>
           <a:lstStyle/>
           <a:p>
-            <a:r>
-              <a:rPr lang="en-US" dirty="0"/>
-              <a:t>-</a:t>
-            </a:r>
-          </a:p>
-        </p:txBody>
-      </p:sp>
-      <p:sp>
-        <p:nvSpPr>
-          <p:cNvPr id="138" name="Rectangle 137"/>
-          <p:cNvSpPr/>
-          <p:nvPr/>
-        </p:nvSpPr>
-        <p:spPr>
-          <a:xfrm>
-            <a:off x="1150501" y="2192482"/>
-            <a:ext cx="1476494" cy="338554"/>
-          </a:xfrm>
-          <a:prstGeom prst="rect">
-            <a:avLst/>
-          </a:prstGeom>
-          <a:solidFill>
-            <a:srgbClr val="00B0F0"/>
-          </a:solidFill>
-          <a:ln>
-            <a:solidFill>
-              <a:schemeClr val="tx1"/>
-            </a:solidFill>
-          </a:ln>
-        </p:spPr>
-        <p:style>
-          <a:lnRef idx="2">
-            <a:schemeClr val="accent1">
-              <a:shade val="50000"/>
-            </a:schemeClr>
-          </a:lnRef>
-          <a:fillRef idx="1">
-            <a:schemeClr val="accent1"/>
-          </a:fillRef>
-          <a:effectRef idx="0">
-            <a:schemeClr val="accent1"/>
-          </a:effectRef>
-          <a:fontRef idx="minor">
-            <a:schemeClr val="lt1"/>
-          </a:fontRef>
-        </p:style>
-        <p:txBody>
-          <a:bodyPr rtlCol="0" anchor="ctr"/>
-          <a:lstStyle/>
-          <a:p>
             <a:pPr algn="ctr"/>
             <a:r>
-              <a:rPr lang="en-US" sz="1600" dirty="0">
-                <a:solidFill>
-                  <a:schemeClr val="tx1"/>
-                </a:solidFill>
-              </a:rPr>
-              <a:t>Voltage Supply</a:t>
-            </a:r>
+              <a:rPr lang="en-US" dirty="0" smtClean="0"/>
+              <a:t>XL-320</a:t>
+            </a:r>
+          </a:p>
+          <a:p>
+            <a:pPr algn="ctr"/>
+            <a:r>
+              <a:rPr lang="en-US" dirty="0" smtClean="0"/>
+              <a:t>Servo</a:t>
+            </a:r>
+            <a:endParaRPr lang="en-US" dirty="0"/>
           </a:p>
         </p:txBody>
       </p:sp>
       <p:cxnSp>
         <p:nvCxnSpPr>
-          <p:cNvPr id="140" name="Elbow Connector 139"/>
+          <p:cNvPr id="139" name="Straight Arrow Connector 138"/>
           <p:cNvCxnSpPr/>
           <p:nvPr/>
         </p:nvCxnSpPr>
         <p:spPr>
-          <a:xfrm rot="16200000" flipV="1">
-            <a:off x="922224" y="1120838"/>
-            <a:ext cx="783220" cy="112435"/>
-          </a:xfrm>
-          <a:prstGeom prst="bentConnector3">
-            <a:avLst>
-              <a:gd name="adj1" fmla="val 50000"/>
-            </a:avLst>
+          <a:xfrm rot="5400000">
+            <a:off x="8924089" y="5591712"/>
+            <a:ext cx="610442" cy="0"/>
+          </a:xfrm>
+          <a:prstGeom prst="straightConnector1">
+            <a:avLst/>
           </a:prstGeom>
           <a:ln>
             <a:solidFill>
-              <a:schemeClr val="tx1"/>
-            </a:solidFill>
+              <a:srgbClr val="FF0000"/>
+            </a:solidFill>
+            <a:tailEnd type="triangle"/>
           </a:ln>
         </p:spPr>
         <p:style>
@@ -4728,24 +5856,63 @@
           </a:fontRef>
         </p:style>
       </p:cxnSp>
+      <p:sp>
+        <p:nvSpPr>
+          <p:cNvPr id="140" name="TextBox 139"/>
+          <p:cNvSpPr txBox="1"/>
+          <p:nvPr/>
+        </p:nvSpPr>
+        <p:spPr>
+          <a:xfrm rot="5400000" flipH="1">
+            <a:off x="8704986" y="5641967"/>
+            <a:ext cx="846605" cy="307777"/>
+          </a:xfrm>
+          <a:prstGeom prst="rect">
+            <a:avLst/>
+          </a:prstGeom>
+          <a:noFill/>
+        </p:spPr>
+        <p:txBody>
+          <a:bodyPr wrap="square" rtlCol="0">
+            <a:spAutoFit/>
+          </a:bodyPr>
+          <a:lstStyle/>
+          <a:p>
+            <a:r>
+              <a:rPr lang="en-US" sz="1400" dirty="0" smtClean="0">
+                <a:solidFill>
+                  <a:srgbClr val="FF0000"/>
+                </a:solidFill>
+              </a:rPr>
+              <a:t>Vin</a:t>
+            </a:r>
+            <a:endParaRPr lang="en-US" sz="1400" dirty="0">
+              <a:solidFill>
+                <a:srgbClr val="FF0000"/>
+              </a:solidFill>
+            </a:endParaRPr>
+          </a:p>
+        </p:txBody>
+      </p:sp>
       <p:cxnSp>
         <p:nvCxnSpPr>
-          <p:cNvPr id="152" name="Straight Connector 151"/>
+          <p:cNvPr id="141" name="Straight Arrow Connector 140"/>
           <p:cNvCxnSpPr/>
           <p:nvPr/>
         </p:nvCxnSpPr>
         <p:spPr>
-          <a:xfrm>
-            <a:off x="1257616" y="783166"/>
-            <a:ext cx="601843" cy="0"/>
-          </a:xfrm>
-          <a:prstGeom prst="line">
+          <a:xfrm rot="5400000" flipV="1">
+            <a:off x="9204424" y="5605969"/>
+            <a:ext cx="610442" cy="84"/>
+          </a:xfrm>
+          <a:prstGeom prst="straightConnector1">
             <a:avLst/>
           </a:prstGeom>
           <a:ln>
             <a:solidFill>
               <a:schemeClr val="tx1"/>
             </a:solidFill>
+            <a:tailEnd type="triangle"/>
           </a:ln>
         </p:spPr>
         <p:style>
@@ -4763,26 +5930,58 @@
           </a:fontRef>
         </p:style>
       </p:cxnSp>
+      <p:sp>
+        <p:nvSpPr>
+          <p:cNvPr id="142" name="TextBox 141"/>
+          <p:cNvSpPr txBox="1"/>
+          <p:nvPr/>
+        </p:nvSpPr>
+        <p:spPr>
+          <a:xfrm rot="5400000" flipH="1">
+            <a:off x="8959896" y="5522201"/>
+            <a:ext cx="846605" cy="307777"/>
+          </a:xfrm>
+          <a:prstGeom prst="rect">
+            <a:avLst/>
+          </a:prstGeom>
+          <a:noFill/>
+        </p:spPr>
+        <p:txBody>
+          <a:bodyPr wrap="square" rtlCol="0">
+            <a:spAutoFit/>
+          </a:bodyPr>
+          <a:lstStyle/>
+          <a:p>
+            <a:r>
+              <a:rPr lang="en-US" sz="1400" dirty="0" smtClean="0"/>
+              <a:t>Ground</a:t>
+            </a:r>
+            <a:endParaRPr lang="en-US" sz="1400" dirty="0"/>
+          </a:p>
+        </p:txBody>
+      </p:sp>
       <p:cxnSp>
         <p:nvCxnSpPr>
-          <p:cNvPr id="158" name="Elbow Connector 157"/>
+          <p:cNvPr id="143" name="Straight Arrow Connector 142"/>
           <p:cNvCxnSpPr/>
           <p:nvPr/>
         </p:nvCxnSpPr>
         <p:spPr>
-          <a:xfrm rot="5400000" flipH="1" flipV="1">
-            <a:off x="2014515" y="1085462"/>
-            <a:ext cx="807394" cy="171284"/>
-          </a:xfrm>
-          <a:prstGeom prst="bentConnector3">
-            <a:avLst>
-              <a:gd name="adj1" fmla="val 50000"/>
-            </a:avLst>
+          <a:xfrm rot="5400000" flipH="1">
+            <a:off x="9405252" y="5591711"/>
+            <a:ext cx="652499" cy="0"/>
+          </a:xfrm>
+          <a:prstGeom prst="straightConnector1">
+            <a:avLst/>
           </a:prstGeom>
           <a:ln>
             <a:solidFill>
-              <a:schemeClr val="tx1"/>
-            </a:solidFill>
+              <a:schemeClr val="accent2">
+                <a:lumMod val="75000"/>
+              </a:schemeClr>
+            </a:solidFill>
+            <a:headEnd type="triangle"/>
+            <a:tailEnd type="triangle"/>
           </a:ln>
         </p:spPr>
         <p:style>
@@ -4800,123 +5999,16 @@
           </a:fontRef>
         </p:style>
       </p:cxnSp>
-      <p:cxnSp>
-        <p:nvCxnSpPr>
-          <p:cNvPr id="168" name="Straight Connector 167"/>
-          <p:cNvCxnSpPr/>
-          <p:nvPr/>
-        </p:nvCxnSpPr>
-        <p:spPr>
-          <a:xfrm>
-            <a:off x="1888067" y="783166"/>
-            <a:ext cx="615787" cy="0"/>
-          </a:xfrm>
-          <a:prstGeom prst="line">
-            <a:avLst/>
-          </a:prstGeom>
-          <a:ln>
-            <a:solidFill>
-              <a:schemeClr val="tx1"/>
-            </a:solidFill>
-          </a:ln>
-        </p:spPr>
-        <p:style>
-          <a:lnRef idx="1">
-            <a:schemeClr val="accent1"/>
-          </a:lnRef>
-          <a:fillRef idx="0">
-            <a:schemeClr val="accent1"/>
-          </a:fillRef>
-          <a:effectRef idx="0">
-            <a:schemeClr val="accent1"/>
-          </a:effectRef>
-          <a:fontRef idx="minor">
-            <a:schemeClr val="tx1"/>
-          </a:fontRef>
-        </p:style>
-      </p:cxnSp>
-      <p:cxnSp>
-        <p:nvCxnSpPr>
-          <p:cNvPr id="173" name="Straight Arrow Connector 172"/>
-          <p:cNvCxnSpPr/>
-          <p:nvPr/>
-        </p:nvCxnSpPr>
-        <p:spPr>
-          <a:xfrm>
-            <a:off x="1428971" y="5899294"/>
-            <a:ext cx="488194" cy="1"/>
-          </a:xfrm>
-          <a:prstGeom prst="straightConnector1">
-            <a:avLst/>
-          </a:prstGeom>
-          <a:ln>
-            <a:solidFill>
-              <a:schemeClr val="tx1"/>
-            </a:solidFill>
-            <a:tailEnd type="triangle"/>
-          </a:ln>
-        </p:spPr>
-        <p:style>
-          <a:lnRef idx="1">
-            <a:schemeClr val="accent1"/>
-          </a:lnRef>
-          <a:fillRef idx="0">
-            <a:schemeClr val="accent1"/>
-          </a:fillRef>
-          <a:effectRef idx="0">
-            <a:schemeClr val="accent1"/>
-          </a:effectRef>
-          <a:fontRef idx="minor">
-            <a:schemeClr val="tx1"/>
-          </a:fontRef>
-        </p:style>
-      </p:cxnSp>
-      <p:cxnSp>
-        <p:nvCxnSpPr>
-          <p:cNvPr id="174" name="Straight Arrow Connector 173"/>
-          <p:cNvCxnSpPr/>
-          <p:nvPr/>
-        </p:nvCxnSpPr>
-        <p:spPr>
-          <a:xfrm>
-            <a:off x="1428968" y="6110959"/>
-            <a:ext cx="488194" cy="1"/>
-          </a:xfrm>
-          <a:prstGeom prst="straightConnector1">
-            <a:avLst/>
-          </a:prstGeom>
-          <a:ln>
-            <a:solidFill>
-              <a:schemeClr val="tx1"/>
-            </a:solidFill>
-            <a:tailEnd type="triangle"/>
-          </a:ln>
-        </p:spPr>
-        <p:style>
-          <a:lnRef idx="1">
-            <a:schemeClr val="accent1"/>
-          </a:lnRef>
-          <a:fillRef idx="0">
-            <a:schemeClr val="accent1"/>
-          </a:fillRef>
-          <a:effectRef idx="0">
-            <a:schemeClr val="accent1"/>
-          </a:effectRef>
-          <a:fontRef idx="minor">
-            <a:schemeClr val="tx1"/>
-          </a:fontRef>
-        </p:style>
-      </p:cxnSp>
-      <p:sp>
-        <p:nvSpPr>
-          <p:cNvPr id="176" name="TextBox 175"/>
+      <p:sp>
+        <p:nvSpPr>
+          <p:cNvPr id="144" name="TextBox 143"/>
           <p:cNvSpPr txBox="1"/>
           <p:nvPr/>
         </p:nvSpPr>
         <p:spPr>
-          <a:xfrm>
-            <a:off x="1478715" y="5899293"/>
-            <a:ext cx="433388" cy="276999"/>
+          <a:xfrm rot="5400000" flipH="1">
+            <a:off x="9210882" y="5570204"/>
+            <a:ext cx="846605" cy="307777"/>
           </a:xfrm>
           <a:prstGeom prst="rect">
             <a:avLst/>
@@ -4924,278 +6016,31 @@
           <a:noFill/>
         </p:spPr>
         <p:txBody>
-          <a:bodyPr wrap="none" rtlCol="0">
+          <a:bodyPr wrap="square" rtlCol="0">
             <a:spAutoFit/>
           </a:bodyPr>
           <a:lstStyle/>
           <a:p>
             <a:r>
-              <a:rPr lang="en-US" sz="1200" dirty="0"/>
-              <a:t>VCC</a:t>
-            </a:r>
-          </a:p>
-        </p:txBody>
-      </p:sp>
-      <p:sp>
-        <p:nvSpPr>
-          <p:cNvPr id="177" name="TextBox 176"/>
-          <p:cNvSpPr txBox="1"/>
-          <p:nvPr/>
-        </p:nvSpPr>
-        <p:spPr>
-          <a:xfrm>
-            <a:off x="1464841" y="5679158"/>
-            <a:ext cx="476412" cy="276999"/>
-          </a:xfrm>
-          <a:prstGeom prst="rect">
-            <a:avLst/>
-          </a:prstGeom>
-          <a:noFill/>
-        </p:spPr>
-        <p:txBody>
-          <a:bodyPr wrap="none" rtlCol="0">
-            <a:spAutoFit/>
-          </a:bodyPr>
-          <a:lstStyle/>
-          <a:p>
-            <a:r>
-              <a:rPr lang="en-US" sz="1200" dirty="0"/>
-              <a:t>GND</a:t>
-            </a:r>
-          </a:p>
-        </p:txBody>
-      </p:sp>
-      <p:sp>
-        <p:nvSpPr>
-          <p:cNvPr id="178" name="TextBox 177"/>
-          <p:cNvSpPr txBox="1"/>
-          <p:nvPr/>
-        </p:nvSpPr>
-        <p:spPr>
-          <a:xfrm>
-            <a:off x="1486247" y="5440858"/>
-            <a:ext cx="391454" cy="276999"/>
-          </a:xfrm>
-          <a:prstGeom prst="rect">
-            <a:avLst/>
-          </a:prstGeom>
-          <a:noFill/>
-        </p:spPr>
-        <p:txBody>
-          <a:bodyPr wrap="none" rtlCol="0">
-            <a:spAutoFit/>
-          </a:bodyPr>
-          <a:lstStyle/>
-          <a:p>
-            <a:r>
-              <a:rPr lang="en-US" sz="1200" dirty="0"/>
-              <a:t>SIG</a:t>
-            </a:r>
-          </a:p>
-        </p:txBody>
-      </p:sp>
-      <p:sp>
-        <p:nvSpPr>
-          <p:cNvPr id="179" name="TextBox 178"/>
-          <p:cNvSpPr txBox="1"/>
-          <p:nvPr/>
-        </p:nvSpPr>
-        <p:spPr>
-          <a:xfrm>
-            <a:off x="2954218" y="5895824"/>
-            <a:ext cx="433388" cy="276999"/>
-          </a:xfrm>
-          <a:prstGeom prst="rect">
-            <a:avLst/>
-          </a:prstGeom>
-          <a:noFill/>
-        </p:spPr>
-        <p:txBody>
-          <a:bodyPr wrap="none" rtlCol="0">
-            <a:spAutoFit/>
-          </a:bodyPr>
-          <a:lstStyle/>
-          <a:p>
-            <a:r>
-              <a:rPr lang="en-US" sz="1200" dirty="0"/>
-              <a:t>VCC</a:t>
-            </a:r>
-          </a:p>
-        </p:txBody>
-      </p:sp>
-      <p:sp>
-        <p:nvSpPr>
-          <p:cNvPr id="180" name="TextBox 179"/>
-          <p:cNvSpPr txBox="1"/>
-          <p:nvPr/>
-        </p:nvSpPr>
-        <p:spPr>
-          <a:xfrm>
-            <a:off x="2961750" y="5437389"/>
-            <a:ext cx="391454" cy="276999"/>
-          </a:xfrm>
-          <a:prstGeom prst="rect">
-            <a:avLst/>
-          </a:prstGeom>
-          <a:noFill/>
-        </p:spPr>
-        <p:txBody>
-          <a:bodyPr wrap="none" rtlCol="0">
-            <a:spAutoFit/>
-          </a:bodyPr>
-          <a:lstStyle/>
-          <a:p>
-            <a:r>
-              <a:rPr lang="en-US" sz="1200" dirty="0"/>
-              <a:t>SIG</a:t>
-            </a:r>
-          </a:p>
-        </p:txBody>
-      </p:sp>
-      <p:cxnSp>
-        <p:nvCxnSpPr>
-          <p:cNvPr id="181" name="Straight Arrow Connector 180"/>
-          <p:cNvCxnSpPr/>
-          <p:nvPr/>
-        </p:nvCxnSpPr>
-        <p:spPr>
-          <a:xfrm>
-            <a:off x="2919872" y="5675700"/>
-            <a:ext cx="488194" cy="1"/>
-          </a:xfrm>
-          <a:prstGeom prst="straightConnector1">
-            <a:avLst/>
-          </a:prstGeom>
-          <a:ln>
-            <a:solidFill>
-              <a:schemeClr val="tx1"/>
-            </a:solidFill>
-            <a:tailEnd type="triangle"/>
-          </a:ln>
-        </p:spPr>
-        <p:style>
-          <a:lnRef idx="1">
-            <a:schemeClr val="accent1"/>
-          </a:lnRef>
-          <a:fillRef idx="0">
-            <a:schemeClr val="accent1"/>
-          </a:fillRef>
-          <a:effectRef idx="0">
-            <a:schemeClr val="accent1"/>
-          </a:effectRef>
-          <a:fontRef idx="minor">
-            <a:schemeClr val="tx1"/>
-          </a:fontRef>
-        </p:style>
-      </p:cxnSp>
-      <p:cxnSp>
-        <p:nvCxnSpPr>
-          <p:cNvPr id="182" name="Straight Arrow Connector 181"/>
-          <p:cNvCxnSpPr/>
-          <p:nvPr/>
-        </p:nvCxnSpPr>
-        <p:spPr>
-          <a:xfrm>
-            <a:off x="2911405" y="5895836"/>
-            <a:ext cx="488194" cy="1"/>
-          </a:xfrm>
-          <a:prstGeom prst="straightConnector1">
-            <a:avLst/>
-          </a:prstGeom>
-          <a:ln>
-            <a:solidFill>
-              <a:schemeClr val="tx1"/>
-            </a:solidFill>
-            <a:tailEnd type="triangle"/>
-          </a:ln>
-        </p:spPr>
-        <p:style>
-          <a:lnRef idx="1">
-            <a:schemeClr val="accent1"/>
-          </a:lnRef>
-          <a:fillRef idx="0">
-            <a:schemeClr val="accent1"/>
-          </a:fillRef>
-          <a:effectRef idx="0">
-            <a:schemeClr val="accent1"/>
-          </a:effectRef>
-          <a:fontRef idx="minor">
-            <a:schemeClr val="tx1"/>
-          </a:fontRef>
-        </p:style>
-      </p:cxnSp>
-      <p:cxnSp>
-        <p:nvCxnSpPr>
-          <p:cNvPr id="183" name="Straight Arrow Connector 182"/>
-          <p:cNvCxnSpPr/>
-          <p:nvPr/>
-        </p:nvCxnSpPr>
-        <p:spPr>
-          <a:xfrm>
-            <a:off x="2911402" y="6107501"/>
-            <a:ext cx="488194" cy="1"/>
-          </a:xfrm>
-          <a:prstGeom prst="straightConnector1">
-            <a:avLst/>
-          </a:prstGeom>
-          <a:ln>
-            <a:solidFill>
-              <a:schemeClr val="tx1"/>
-            </a:solidFill>
-            <a:tailEnd type="triangle"/>
-          </a:ln>
-        </p:spPr>
-        <p:style>
-          <a:lnRef idx="1">
-            <a:schemeClr val="accent1"/>
-          </a:lnRef>
-          <a:fillRef idx="0">
-            <a:schemeClr val="accent1"/>
-          </a:fillRef>
-          <a:effectRef idx="0">
-            <a:schemeClr val="accent1"/>
-          </a:effectRef>
-          <a:fontRef idx="minor">
-            <a:schemeClr val="tx1"/>
-          </a:fontRef>
-        </p:style>
-      </p:cxnSp>
-      <p:cxnSp>
-        <p:nvCxnSpPr>
-          <p:cNvPr id="184" name="Straight Arrow Connector 183"/>
-          <p:cNvCxnSpPr/>
-          <p:nvPr/>
-        </p:nvCxnSpPr>
-        <p:spPr>
-          <a:xfrm>
-            <a:off x="4402298" y="5679158"/>
-            <a:ext cx="488194" cy="1"/>
-          </a:xfrm>
-          <a:prstGeom prst="straightConnector1">
-            <a:avLst/>
-          </a:prstGeom>
-          <a:ln>
-            <a:solidFill>
-              <a:schemeClr val="tx1"/>
-            </a:solidFill>
-            <a:tailEnd type="triangle"/>
-          </a:ln>
-        </p:spPr>
-        <p:style>
-          <a:lnRef idx="1">
-            <a:schemeClr val="accent1"/>
-          </a:lnRef>
-          <a:fillRef idx="0">
-            <a:schemeClr val="accent1"/>
-          </a:fillRef>
-          <a:effectRef idx="0">
-            <a:schemeClr val="accent1"/>
-          </a:effectRef>
-          <a:fontRef idx="minor">
-            <a:schemeClr val="tx1"/>
-          </a:fontRef>
-        </p:style>
-      </p:cxnSp>
+              <a:rPr lang="en-US" sz="1400" dirty="0" smtClean="0">
+                <a:solidFill>
+                  <a:schemeClr val="accent2">
+                    <a:lumMod val="75000"/>
+                  </a:schemeClr>
+                </a:solidFill>
+              </a:rPr>
+              <a:t>Serial</a:t>
+            </a:r>
+            <a:endParaRPr lang="en-US" sz="1400" dirty="0">
+              <a:solidFill>
+                <a:schemeClr val="accent2">
+                  <a:lumMod val="75000"/>
+                </a:schemeClr>
+              </a:solidFill>
+            </a:endParaRPr>
+          </a:p>
+        </p:txBody>
+      </p:sp>
       <p:cxnSp>
         <p:nvCxnSpPr>
           <p:cNvPr id="185" name="Straight Arrow Connector 184"/>
@@ -5204,15 +6049,15 @@
         </p:nvCxnSpPr>
         <p:spPr>
           <a:xfrm>
-            <a:off x="4393831" y="5899294"/>
-            <a:ext cx="488194" cy="1"/>
+            <a:off x="4751777" y="4576076"/>
+            <a:ext cx="610442" cy="0"/>
           </a:xfrm>
           <a:prstGeom prst="straightConnector1">
             <a:avLst/>
           </a:prstGeom>
           <a:ln>
             <a:solidFill>
-              <a:schemeClr val="tx1"/>
+              <a:srgbClr val="FF0000"/>
             </a:solidFill>
             <a:tailEnd type="triangle"/>
           </a:ln>
@@ -5232,42 +6077,45 @@
           </a:fontRef>
         </p:style>
       </p:cxnSp>
-      <p:cxnSp>
-        <p:nvCxnSpPr>
-          <p:cNvPr id="186" name="Straight Arrow Connector 185"/>
-          <p:cNvCxnSpPr/>
-          <p:nvPr/>
-        </p:nvCxnSpPr>
-        <p:spPr>
-          <a:xfrm>
-            <a:off x="4393828" y="6110959"/>
-            <a:ext cx="488194" cy="1"/>
-          </a:xfrm>
-          <a:prstGeom prst="straightConnector1">
-            <a:avLst/>
-          </a:prstGeom>
-          <a:ln>
-            <a:solidFill>
-              <a:schemeClr val="tx1"/>
-            </a:solidFill>
-            <a:tailEnd type="triangle"/>
-          </a:ln>
-        </p:spPr>
-        <p:style>
-          <a:lnRef idx="1">
-            <a:schemeClr val="accent1"/>
-          </a:lnRef>
-          <a:fillRef idx="0">
-            <a:schemeClr val="accent1"/>
-          </a:fillRef>
-          <a:effectRef idx="0">
-            <a:schemeClr val="accent1"/>
-          </a:effectRef>
-          <a:fontRef idx="minor">
-            <a:schemeClr val="tx1"/>
-          </a:fontRef>
-        </p:style>
-      </p:cxnSp>
+      <p:sp>
+        <p:nvSpPr>
+          <p:cNvPr id="186" name="TextBox 185"/>
+          <p:cNvSpPr txBox="1"/>
+          <p:nvPr/>
+        </p:nvSpPr>
+        <p:spPr>
+          <a:xfrm flipH="1">
+            <a:off x="4826427" y="4340437"/>
+            <a:ext cx="423303" cy="307777"/>
+          </a:xfrm>
+          <a:prstGeom prst="rect">
+            <a:avLst/>
+          </a:prstGeom>
+          <a:noFill/>
+        </p:spPr>
+        <p:txBody>
+          <a:bodyPr wrap="square" rtlCol="0">
+            <a:spAutoFit/>
+          </a:bodyPr>
+          <a:lstStyle/>
+          <a:p>
+            <a:pPr algn="ctr"/>
+            <a:r>
+              <a:rPr lang="en-US" sz="1400" dirty="0" smtClean="0">
+                <a:solidFill>
+                  <a:srgbClr val="FF0000"/>
+                </a:solidFill>
+              </a:rPr>
+              <a:t>Vin</a:t>
+            </a:r>
+            <a:endParaRPr lang="en-US" sz="1400" dirty="0">
+              <a:solidFill>
+                <a:srgbClr val="FF0000"/>
+              </a:solidFill>
+            </a:endParaRPr>
+          </a:p>
+        </p:txBody>
+      </p:sp>
       <p:cxnSp>
         <p:nvCxnSpPr>
           <p:cNvPr id="187" name="Straight Arrow Connector 186"/>
@@ -5275,9 +6123,9 @@
           <p:nvPr/>
         </p:nvCxnSpPr>
         <p:spPr>
-          <a:xfrm>
-            <a:off x="5884725" y="5682618"/>
-            <a:ext cx="488194" cy="1"/>
+          <a:xfrm flipV="1">
+            <a:off x="4751777" y="4879356"/>
+            <a:ext cx="610442" cy="84"/>
           </a:xfrm>
           <a:prstGeom prst="straightConnector1">
             <a:avLst/>
@@ -5304,42 +6152,36 @@
           </a:fontRef>
         </p:style>
       </p:cxnSp>
-      <p:cxnSp>
-        <p:nvCxnSpPr>
-          <p:cNvPr id="188" name="Straight Arrow Connector 187"/>
-          <p:cNvCxnSpPr/>
-          <p:nvPr/>
-        </p:nvCxnSpPr>
-        <p:spPr>
-          <a:xfrm>
-            <a:off x="5876258" y="5902754"/>
-            <a:ext cx="488194" cy="1"/>
-          </a:xfrm>
-          <a:prstGeom prst="straightConnector1">
-            <a:avLst/>
-          </a:prstGeom>
-          <a:ln>
-            <a:solidFill>
-              <a:schemeClr val="tx1"/>
-            </a:solidFill>
-            <a:tailEnd type="triangle"/>
-          </a:ln>
-        </p:spPr>
-        <p:style>
-          <a:lnRef idx="1">
-            <a:schemeClr val="accent1"/>
-          </a:lnRef>
-          <a:fillRef idx="0">
-            <a:schemeClr val="accent1"/>
-          </a:fillRef>
-          <a:effectRef idx="0">
-            <a:schemeClr val="accent1"/>
-          </a:effectRef>
-          <a:fontRef idx="minor">
-            <a:schemeClr val="tx1"/>
-          </a:fontRef>
-        </p:style>
-      </p:cxnSp>
+      <p:sp>
+        <p:nvSpPr>
+          <p:cNvPr id="188" name="TextBox 187"/>
+          <p:cNvSpPr txBox="1"/>
+          <p:nvPr/>
+        </p:nvSpPr>
+        <p:spPr>
+          <a:xfrm flipH="1">
+            <a:off x="4665695" y="4612356"/>
+            <a:ext cx="846605" cy="307777"/>
+          </a:xfrm>
+          <a:prstGeom prst="rect">
+            <a:avLst/>
+          </a:prstGeom>
+          <a:noFill/>
+        </p:spPr>
+        <p:txBody>
+          <a:bodyPr wrap="square" rtlCol="0">
+            <a:spAutoFit/>
+          </a:bodyPr>
+          <a:lstStyle/>
+          <a:p>
+            <a:r>
+              <a:rPr lang="en-US" sz="1400" dirty="0" smtClean="0"/>
+              <a:t>Ground</a:t>
+            </a:r>
+            <a:endParaRPr lang="en-US" sz="1400" dirty="0"/>
+          </a:p>
+        </p:txBody>
+      </p:sp>
       <p:cxnSp>
         <p:nvCxnSpPr>
           <p:cNvPr id="189" name="Straight Arrow Connector 188"/>
@@ -5347,17 +6189,20 @@
           <p:nvPr/>
         </p:nvCxnSpPr>
         <p:spPr>
-          <a:xfrm>
-            <a:off x="5876255" y="6114419"/>
-            <a:ext cx="488194" cy="1"/>
+          <a:xfrm flipH="1">
+            <a:off x="4730909" y="5175649"/>
+            <a:ext cx="652499" cy="0"/>
           </a:xfrm>
           <a:prstGeom prst="straightConnector1">
             <a:avLst/>
           </a:prstGeom>
           <a:ln>
             <a:solidFill>
-              <a:schemeClr val="tx1"/>
-            </a:solidFill>
+              <a:schemeClr val="accent2">
+                <a:lumMod val="75000"/>
+              </a:schemeClr>
+            </a:solidFill>
+            <a:headEnd type="triangle"/>
             <a:tailEnd type="triangle"/>
           </a:ln>
         </p:spPr>
@@ -5376,42 +6221,49 @@
           </a:fontRef>
         </p:style>
       </p:cxnSp>
-      <p:cxnSp>
-        <p:nvCxnSpPr>
-          <p:cNvPr id="190" name="Straight Arrow Connector 189"/>
-          <p:cNvCxnSpPr/>
-          <p:nvPr/>
-        </p:nvCxnSpPr>
-        <p:spPr>
-          <a:xfrm>
-            <a:off x="7363692" y="5675693"/>
-            <a:ext cx="488194" cy="1"/>
-          </a:xfrm>
-          <a:prstGeom prst="straightConnector1">
-            <a:avLst/>
-          </a:prstGeom>
-          <a:ln>
-            <a:solidFill>
-              <a:schemeClr val="tx1"/>
-            </a:solidFill>
-            <a:tailEnd type="triangle"/>
-          </a:ln>
-        </p:spPr>
-        <p:style>
-          <a:lnRef idx="1">
-            <a:schemeClr val="accent1"/>
-          </a:lnRef>
-          <a:fillRef idx="0">
-            <a:schemeClr val="accent1"/>
-          </a:fillRef>
-          <a:effectRef idx="0">
-            <a:schemeClr val="accent1"/>
-          </a:effectRef>
-          <a:fontRef idx="minor">
-            <a:schemeClr val="tx1"/>
-          </a:fontRef>
-        </p:style>
-      </p:cxnSp>
+      <p:sp>
+        <p:nvSpPr>
+          <p:cNvPr id="190" name="TextBox 189"/>
+          <p:cNvSpPr txBox="1"/>
+          <p:nvPr/>
+        </p:nvSpPr>
+        <p:spPr>
+          <a:xfrm flipH="1">
+            <a:off x="4706688" y="4937390"/>
+            <a:ext cx="689189" cy="307777"/>
+          </a:xfrm>
+          <a:prstGeom prst="rect">
+            <a:avLst/>
+          </a:prstGeom>
+          <a:noFill/>
+        </p:spPr>
+        <p:txBody>
+          <a:bodyPr wrap="square" rtlCol="0">
+            <a:spAutoFit/>
+          </a:bodyPr>
+          <a:lstStyle/>
+          <a:p>
+            <a:pPr algn="ctr"/>
+            <a:r>
+              <a:rPr lang="en-US" sz="1400" dirty="0" smtClean="0">
+                <a:solidFill>
+                  <a:schemeClr val="accent2">
+                    <a:lumMod val="75000"/>
+                  </a:schemeClr>
+                </a:solidFill>
+              </a:rPr>
+              <a:t>Serial</a:t>
+            </a:r>
+            <a:endParaRPr lang="en-US" sz="1400" dirty="0">
+              <a:solidFill>
+                <a:schemeClr val="accent2">
+                  <a:lumMod val="75000"/>
+                </a:schemeClr>
+              </a:solidFill>
+            </a:endParaRPr>
+          </a:p>
+        </p:txBody>
+      </p:sp>
       <p:cxnSp>
         <p:nvCxnSpPr>
           <p:cNvPr id="191" name="Straight Arrow Connector 190"/>
@@ -5419,16 +6271,16 @@
           <p:nvPr/>
         </p:nvCxnSpPr>
         <p:spPr>
-          <a:xfrm>
-            <a:off x="7355225" y="5895829"/>
-            <a:ext cx="488194" cy="1"/>
+          <a:xfrm flipH="1">
+            <a:off x="6542477" y="6008636"/>
+            <a:ext cx="610442" cy="0"/>
           </a:xfrm>
           <a:prstGeom prst="straightConnector1">
             <a:avLst/>
           </a:prstGeom>
           <a:ln>
             <a:solidFill>
-              <a:schemeClr val="tx1"/>
+              <a:srgbClr val="FF0000"/>
             </a:solidFill>
             <a:tailEnd type="triangle"/>
           </a:ln>
@@ -5448,42 +6300,45 @@
           </a:fontRef>
         </p:style>
       </p:cxnSp>
-      <p:cxnSp>
-        <p:nvCxnSpPr>
-          <p:cNvPr id="192" name="Straight Arrow Connector 191"/>
-          <p:cNvCxnSpPr/>
-          <p:nvPr/>
-        </p:nvCxnSpPr>
-        <p:spPr>
-          <a:xfrm>
-            <a:off x="7355222" y="6107494"/>
-            <a:ext cx="488194" cy="1"/>
-          </a:xfrm>
-          <a:prstGeom prst="straightConnector1">
-            <a:avLst/>
-          </a:prstGeom>
-          <a:ln>
-            <a:solidFill>
-              <a:schemeClr val="tx1"/>
-            </a:solidFill>
-            <a:tailEnd type="triangle"/>
-          </a:ln>
-        </p:spPr>
-        <p:style>
-          <a:lnRef idx="1">
-            <a:schemeClr val="accent1"/>
-          </a:lnRef>
-          <a:fillRef idx="0">
-            <a:schemeClr val="accent1"/>
-          </a:fillRef>
-          <a:effectRef idx="0">
-            <a:schemeClr val="accent1"/>
-          </a:effectRef>
-          <a:fontRef idx="minor">
-            <a:schemeClr val="tx1"/>
-          </a:fontRef>
-        </p:style>
-      </p:cxnSp>
+      <p:sp>
+        <p:nvSpPr>
+          <p:cNvPr id="192" name="TextBox 191"/>
+          <p:cNvSpPr txBox="1"/>
+          <p:nvPr/>
+        </p:nvSpPr>
+        <p:spPr>
+          <a:xfrm flipH="1">
+            <a:off x="6617127" y="5772997"/>
+            <a:ext cx="423303" cy="307777"/>
+          </a:xfrm>
+          <a:prstGeom prst="rect">
+            <a:avLst/>
+          </a:prstGeom>
+          <a:noFill/>
+        </p:spPr>
+        <p:txBody>
+          <a:bodyPr wrap="square" rtlCol="0">
+            <a:spAutoFit/>
+          </a:bodyPr>
+          <a:lstStyle/>
+          <a:p>
+            <a:pPr algn="ctr"/>
+            <a:r>
+              <a:rPr lang="en-US" sz="1400" dirty="0" smtClean="0">
+                <a:solidFill>
+                  <a:srgbClr val="FF0000"/>
+                </a:solidFill>
+              </a:rPr>
+              <a:t>Vin</a:t>
+            </a:r>
+            <a:endParaRPr lang="en-US" sz="1400" dirty="0">
+              <a:solidFill>
+                <a:srgbClr val="FF0000"/>
+              </a:solidFill>
+            </a:endParaRPr>
+          </a:p>
+        </p:txBody>
+      </p:sp>
       <p:cxnSp>
         <p:nvCxnSpPr>
           <p:cNvPr id="193" name="Straight Arrow Connector 192"/>
@@ -5491,9 +6346,9 @@
           <p:nvPr/>
         </p:nvCxnSpPr>
         <p:spPr>
-          <a:xfrm>
-            <a:off x="10335459" y="5686077"/>
-            <a:ext cx="488194" cy="1"/>
+          <a:xfrm flipH="1" flipV="1">
+            <a:off x="6542477" y="6311916"/>
+            <a:ext cx="610442" cy="84"/>
           </a:xfrm>
           <a:prstGeom prst="straightConnector1">
             <a:avLst/>
@@ -5520,42 +6375,36 @@
           </a:fontRef>
         </p:style>
       </p:cxnSp>
-      <p:cxnSp>
-        <p:nvCxnSpPr>
-          <p:cNvPr id="194" name="Straight Arrow Connector 193"/>
-          <p:cNvCxnSpPr/>
-          <p:nvPr/>
-        </p:nvCxnSpPr>
-        <p:spPr>
-          <a:xfrm>
-            <a:off x="10326992" y="5906213"/>
-            <a:ext cx="488194" cy="1"/>
-          </a:xfrm>
-          <a:prstGeom prst="straightConnector1">
-            <a:avLst/>
-          </a:prstGeom>
-          <a:ln>
-            <a:solidFill>
-              <a:schemeClr val="tx1"/>
-            </a:solidFill>
-            <a:tailEnd type="triangle"/>
-          </a:ln>
-        </p:spPr>
-        <p:style>
-          <a:lnRef idx="1">
-            <a:schemeClr val="accent1"/>
-          </a:lnRef>
-          <a:fillRef idx="0">
-            <a:schemeClr val="accent1"/>
-          </a:fillRef>
-          <a:effectRef idx="0">
-            <a:schemeClr val="accent1"/>
-          </a:effectRef>
-          <a:fontRef idx="minor">
-            <a:schemeClr val="tx1"/>
-          </a:fontRef>
-        </p:style>
-      </p:cxnSp>
+      <p:sp>
+        <p:nvSpPr>
+          <p:cNvPr id="194" name="TextBox 193"/>
+          <p:cNvSpPr txBox="1"/>
+          <p:nvPr/>
+        </p:nvSpPr>
+        <p:spPr>
+          <a:xfrm flipH="1">
+            <a:off x="6512155" y="6038923"/>
+            <a:ext cx="846605" cy="307777"/>
+          </a:xfrm>
+          <a:prstGeom prst="rect">
+            <a:avLst/>
+          </a:prstGeom>
+          <a:noFill/>
+        </p:spPr>
+        <p:txBody>
+          <a:bodyPr wrap="square" rtlCol="0">
+            <a:spAutoFit/>
+          </a:bodyPr>
+          <a:lstStyle/>
+          <a:p>
+            <a:r>
+              <a:rPr lang="en-US" sz="1400" dirty="0" smtClean="0"/>
+              <a:t>Ground</a:t>
+            </a:r>
+            <a:endParaRPr lang="en-US" sz="1400" dirty="0"/>
+          </a:p>
+        </p:txBody>
+      </p:sp>
       <p:cxnSp>
         <p:nvCxnSpPr>
           <p:cNvPr id="195" name="Straight Arrow Connector 194"/>
@@ -5563,17 +6412,20 @@
           <p:nvPr/>
         </p:nvCxnSpPr>
         <p:spPr>
-          <a:xfrm>
-            <a:off x="10326989" y="6117878"/>
-            <a:ext cx="488194" cy="1"/>
+          <a:xfrm flipH="1">
+            <a:off x="6521609" y="6608209"/>
+            <a:ext cx="652499" cy="0"/>
           </a:xfrm>
           <a:prstGeom prst="straightConnector1">
             <a:avLst/>
           </a:prstGeom>
           <a:ln>
             <a:solidFill>
-              <a:schemeClr val="tx1"/>
-            </a:solidFill>
+              <a:schemeClr val="accent2">
+                <a:lumMod val="75000"/>
+              </a:schemeClr>
+            </a:solidFill>
+            <a:headEnd type="triangle"/>
             <a:tailEnd type="triangle"/>
           </a:ln>
         </p:spPr>
@@ -5592,42 +6444,49 @@
           </a:fontRef>
         </p:style>
       </p:cxnSp>
-      <p:cxnSp>
-        <p:nvCxnSpPr>
-          <p:cNvPr id="196" name="Straight Arrow Connector 195"/>
-          <p:cNvCxnSpPr/>
-          <p:nvPr/>
-        </p:nvCxnSpPr>
-        <p:spPr>
-          <a:xfrm>
-            <a:off x="8846115" y="5679155"/>
-            <a:ext cx="488194" cy="1"/>
-          </a:xfrm>
-          <a:prstGeom prst="straightConnector1">
-            <a:avLst/>
-          </a:prstGeom>
-          <a:ln>
-            <a:solidFill>
-              <a:schemeClr val="tx1"/>
-            </a:solidFill>
-            <a:tailEnd type="triangle"/>
-          </a:ln>
-        </p:spPr>
-        <p:style>
-          <a:lnRef idx="1">
-            <a:schemeClr val="accent1"/>
-          </a:lnRef>
-          <a:fillRef idx="0">
-            <a:schemeClr val="accent1"/>
-          </a:fillRef>
-          <a:effectRef idx="0">
-            <a:schemeClr val="accent1"/>
-          </a:effectRef>
-          <a:fontRef idx="minor">
-            <a:schemeClr val="tx1"/>
-          </a:fontRef>
-        </p:style>
-      </p:cxnSp>
+      <p:sp>
+        <p:nvSpPr>
+          <p:cNvPr id="196" name="TextBox 195"/>
+          <p:cNvSpPr txBox="1"/>
+          <p:nvPr/>
+        </p:nvSpPr>
+        <p:spPr>
+          <a:xfrm flipH="1">
+            <a:off x="6497388" y="6369950"/>
+            <a:ext cx="689189" cy="307777"/>
+          </a:xfrm>
+          <a:prstGeom prst="rect">
+            <a:avLst/>
+          </a:prstGeom>
+          <a:noFill/>
+        </p:spPr>
+        <p:txBody>
+          <a:bodyPr wrap="square" rtlCol="0">
+            <a:spAutoFit/>
+          </a:bodyPr>
+          <a:lstStyle/>
+          <a:p>
+            <a:pPr algn="ctr"/>
+            <a:r>
+              <a:rPr lang="en-US" sz="1400" dirty="0" smtClean="0">
+                <a:solidFill>
+                  <a:schemeClr val="accent2">
+                    <a:lumMod val="75000"/>
+                  </a:schemeClr>
+                </a:solidFill>
+              </a:rPr>
+              <a:t>Serial</a:t>
+            </a:r>
+            <a:endParaRPr lang="en-US" sz="1400" dirty="0">
+              <a:solidFill>
+                <a:schemeClr val="accent2">
+                  <a:lumMod val="75000"/>
+                </a:schemeClr>
+              </a:solidFill>
+            </a:endParaRPr>
+          </a:p>
+        </p:txBody>
+      </p:sp>
       <p:cxnSp>
         <p:nvCxnSpPr>
           <p:cNvPr id="197" name="Straight Arrow Connector 196"/>
@@ -5636,15 +6495,15 @@
         </p:nvCxnSpPr>
         <p:spPr>
           <a:xfrm>
-            <a:off x="8837648" y="5899291"/>
-            <a:ext cx="488194" cy="1"/>
+            <a:off x="6649157" y="8881376"/>
+            <a:ext cx="610442" cy="0"/>
           </a:xfrm>
           <a:prstGeom prst="straightConnector1">
             <a:avLst/>
           </a:prstGeom>
           <a:ln>
             <a:solidFill>
-              <a:schemeClr val="tx1"/>
+              <a:srgbClr val="FF0000"/>
             </a:solidFill>
             <a:tailEnd type="triangle"/>
           </a:ln>
@@ -5664,16 +6523,55 @@
           </a:fontRef>
         </p:style>
       </p:cxnSp>
+      <p:sp>
+        <p:nvSpPr>
+          <p:cNvPr id="198" name="TextBox 197"/>
+          <p:cNvSpPr txBox="1"/>
+          <p:nvPr/>
+        </p:nvSpPr>
+        <p:spPr>
+          <a:xfrm flipH="1">
+            <a:off x="6723807" y="8645737"/>
+            <a:ext cx="423303" cy="307777"/>
+          </a:xfrm>
+          <a:prstGeom prst="rect">
+            <a:avLst/>
+          </a:prstGeom>
+          <a:noFill/>
+        </p:spPr>
+        <p:txBody>
+          <a:bodyPr wrap="square" rtlCol="0">
+            <a:spAutoFit/>
+          </a:bodyPr>
+          <a:lstStyle/>
+          <a:p>
+            <a:pPr algn="ctr"/>
+            <a:r>
+              <a:rPr lang="en-US" sz="1400" dirty="0" smtClean="0">
+                <a:solidFill>
+                  <a:srgbClr val="FF0000"/>
+                </a:solidFill>
+              </a:rPr>
+              <a:t>Vin</a:t>
+            </a:r>
+            <a:endParaRPr lang="en-US" sz="1400" dirty="0">
+              <a:solidFill>
+                <a:srgbClr val="FF0000"/>
+              </a:solidFill>
+            </a:endParaRPr>
+          </a:p>
+        </p:txBody>
+      </p:sp>
       <p:cxnSp>
         <p:nvCxnSpPr>
-          <p:cNvPr id="198" name="Straight Arrow Connector 197"/>
+          <p:cNvPr id="199" name="Straight Arrow Connector 198"/>
           <p:cNvCxnSpPr/>
           <p:nvPr/>
         </p:nvCxnSpPr>
         <p:spPr>
-          <a:xfrm>
-            <a:off x="8837645" y="6110956"/>
-            <a:ext cx="488194" cy="1"/>
+          <a:xfrm flipV="1">
+            <a:off x="6649157" y="9184656"/>
+            <a:ext cx="610442" cy="84"/>
           </a:xfrm>
           <a:prstGeom prst="straightConnector1">
             <a:avLst/>
@@ -5702,14 +6600,14 @@
       </p:cxnSp>
       <p:sp>
         <p:nvSpPr>
-          <p:cNvPr id="199" name="TextBox 198"/>
+          <p:cNvPr id="200" name="TextBox 199"/>
           <p:cNvSpPr txBox="1"/>
           <p:nvPr/>
         </p:nvSpPr>
         <p:spPr>
-          <a:xfrm>
-            <a:off x="2912640" y="5679157"/>
-            <a:ext cx="476412" cy="276999"/>
+          <a:xfrm flipH="1">
+            <a:off x="6563075" y="8917656"/>
+            <a:ext cx="846605" cy="307777"/>
           </a:xfrm>
           <a:prstGeom prst="rect">
             <a:avLst/>
@@ -5717,28 +6615,68 @@
           <a:noFill/>
         </p:spPr>
         <p:txBody>
-          <a:bodyPr wrap="none" rtlCol="0">
+          <a:bodyPr wrap="square" rtlCol="0">
             <a:spAutoFit/>
           </a:bodyPr>
           <a:lstStyle/>
           <a:p>
             <a:r>
-              <a:rPr lang="en-US" sz="1200" dirty="0"/>
-              <a:t>GND</a:t>
-            </a:r>
-          </a:p>
-        </p:txBody>
-      </p:sp>
-      <p:sp>
-        <p:nvSpPr>
-          <p:cNvPr id="200" name="TextBox 199"/>
+              <a:rPr lang="en-US" sz="1400" dirty="0" smtClean="0"/>
+              <a:t>Ground</a:t>
+            </a:r>
+            <a:endParaRPr lang="en-US" sz="1400" dirty="0"/>
+          </a:p>
+        </p:txBody>
+      </p:sp>
+      <p:cxnSp>
+        <p:nvCxnSpPr>
+          <p:cNvPr id="201" name="Straight Arrow Connector 200"/>
+          <p:cNvCxnSpPr/>
+          <p:nvPr/>
+        </p:nvCxnSpPr>
+        <p:spPr>
+          <a:xfrm flipH="1">
+            <a:off x="6628289" y="9480949"/>
+            <a:ext cx="652499" cy="0"/>
+          </a:xfrm>
+          <a:prstGeom prst="straightConnector1">
+            <a:avLst/>
+          </a:prstGeom>
+          <a:ln>
+            <a:solidFill>
+              <a:schemeClr val="accent2">
+                <a:lumMod val="75000"/>
+              </a:schemeClr>
+            </a:solidFill>
+            <a:headEnd type="triangle"/>
+            <a:tailEnd type="triangle"/>
+          </a:ln>
+        </p:spPr>
+        <p:style>
+          <a:lnRef idx="1">
+            <a:schemeClr val="accent1"/>
+          </a:lnRef>
+          <a:fillRef idx="0">
+            <a:schemeClr val="accent1"/>
+          </a:fillRef>
+          <a:effectRef idx="0">
+            <a:schemeClr val="accent1"/>
+          </a:effectRef>
+          <a:fontRef idx="minor">
+            <a:schemeClr val="tx1"/>
+          </a:fontRef>
+        </p:style>
+      </p:cxnSp>
+      <p:sp>
+        <p:nvSpPr>
+          <p:cNvPr id="202" name="TextBox 201"/>
           <p:cNvSpPr txBox="1"/>
           <p:nvPr/>
         </p:nvSpPr>
         <p:spPr>
-          <a:xfrm>
-            <a:off x="4408941" y="5895825"/>
-            <a:ext cx="433388" cy="276999"/>
+          <a:xfrm flipH="1">
+            <a:off x="6604068" y="9242690"/>
+            <a:ext cx="689189" cy="307777"/>
           </a:xfrm>
           <a:prstGeom prst="rect">
             <a:avLst/>
@@ -5746,28 +6684,78 @@
           <a:noFill/>
         </p:spPr>
         <p:txBody>
-          <a:bodyPr wrap="none" rtlCol="0">
+          <a:bodyPr wrap="square" rtlCol="0">
             <a:spAutoFit/>
           </a:bodyPr>
           <a:lstStyle/>
           <a:p>
-            <a:r>
-              <a:rPr lang="en-US" sz="1200" dirty="0"/>
-              <a:t>VCC</a:t>
-            </a:r>
-          </a:p>
-        </p:txBody>
-      </p:sp>
-      <p:sp>
-        <p:nvSpPr>
-          <p:cNvPr id="201" name="TextBox 200"/>
+            <a:pPr algn="ctr"/>
+            <a:r>
+              <a:rPr lang="en-US" sz="1400" dirty="0" smtClean="0">
+                <a:solidFill>
+                  <a:schemeClr val="accent2">
+                    <a:lumMod val="75000"/>
+                  </a:schemeClr>
+                </a:solidFill>
+              </a:rPr>
+              <a:t>Serial</a:t>
+            </a:r>
+            <a:endParaRPr lang="en-US" sz="1400" dirty="0">
+              <a:solidFill>
+                <a:schemeClr val="accent2">
+                  <a:lumMod val="75000"/>
+                </a:schemeClr>
+              </a:solidFill>
+            </a:endParaRPr>
+          </a:p>
+        </p:txBody>
+      </p:sp>
+      <p:cxnSp>
+        <p:nvCxnSpPr>
+          <p:cNvPr id="203" name="Straight Arrow Connector 202"/>
+          <p:cNvCxnSpPr/>
+          <p:nvPr/>
+        </p:nvCxnSpPr>
+        <p:spPr>
+          <a:xfrm flipH="1">
+            <a:off x="4751777" y="5993396"/>
+            <a:ext cx="610442" cy="0"/>
+          </a:xfrm>
+          <a:prstGeom prst="straightConnector1">
+            <a:avLst/>
+          </a:prstGeom>
+          <a:ln>
+            <a:solidFill>
+              <a:srgbClr val="FF0000"/>
+            </a:solidFill>
+            <a:tailEnd type="triangle"/>
+          </a:ln>
+        </p:spPr>
+        <p:style>
+          <a:lnRef idx="1">
+            <a:schemeClr val="accent1"/>
+          </a:lnRef>
+          <a:fillRef idx="0">
+            <a:schemeClr val="accent1"/>
+          </a:fillRef>
+          <a:effectRef idx="0">
+            <a:schemeClr val="accent1"/>
+          </a:effectRef>
+          <a:fontRef idx="minor">
+            <a:schemeClr val="tx1"/>
+          </a:fontRef>
+        </p:style>
+      </p:cxnSp>
+      <p:sp>
+        <p:nvSpPr>
+          <p:cNvPr id="204" name="TextBox 203"/>
           <p:cNvSpPr txBox="1"/>
           <p:nvPr/>
         </p:nvSpPr>
         <p:spPr>
-          <a:xfrm>
-            <a:off x="4416473" y="5437390"/>
-            <a:ext cx="391454" cy="276999"/>
+          <a:xfrm flipH="1">
+            <a:off x="4845076" y="5759236"/>
+            <a:ext cx="423303" cy="307777"/>
           </a:xfrm>
           <a:prstGeom prst="rect">
             <a:avLst/>
@@ -5775,28 +6763,74 @@
           <a:noFill/>
         </p:spPr>
         <p:txBody>
-          <a:bodyPr wrap="none" rtlCol="0">
+          <a:bodyPr wrap="square" rtlCol="0">
             <a:spAutoFit/>
           </a:bodyPr>
           <a:lstStyle/>
           <a:p>
-            <a:r>
-              <a:rPr lang="en-US" sz="1200" dirty="0"/>
-              <a:t>SIG</a:t>
-            </a:r>
-          </a:p>
-        </p:txBody>
-      </p:sp>
-      <p:sp>
-        <p:nvSpPr>
-          <p:cNvPr id="202" name="TextBox 201"/>
+            <a:pPr algn="ctr"/>
+            <a:r>
+              <a:rPr lang="en-US" sz="1400" dirty="0" smtClean="0">
+                <a:solidFill>
+                  <a:srgbClr val="FF0000"/>
+                </a:solidFill>
+              </a:rPr>
+              <a:t>Vin</a:t>
+            </a:r>
+            <a:endParaRPr lang="en-US" sz="1400" dirty="0">
+              <a:solidFill>
+                <a:srgbClr val="FF0000"/>
+              </a:solidFill>
+            </a:endParaRPr>
+          </a:p>
+        </p:txBody>
+      </p:sp>
+      <p:cxnSp>
+        <p:nvCxnSpPr>
+          <p:cNvPr id="205" name="Straight Arrow Connector 204"/>
+          <p:cNvCxnSpPr/>
+          <p:nvPr/>
+        </p:nvCxnSpPr>
+        <p:spPr>
+          <a:xfrm flipH="1" flipV="1">
+            <a:off x="4751777" y="6296676"/>
+            <a:ext cx="610442" cy="84"/>
+          </a:xfrm>
+          <a:prstGeom prst="straightConnector1">
+            <a:avLst/>
+          </a:prstGeom>
+          <a:ln>
+            <a:solidFill>
+              <a:schemeClr val="tx1"/>
+            </a:solidFill>
+            <a:tailEnd type="triangle"/>
+          </a:ln>
+        </p:spPr>
+        <p:style>
+          <a:lnRef idx="1">
+            <a:schemeClr val="accent1"/>
+          </a:lnRef>
+          <a:fillRef idx="0">
+            <a:schemeClr val="accent1"/>
+          </a:fillRef>
+          <a:effectRef idx="0">
+            <a:schemeClr val="accent1"/>
+          </a:effectRef>
+          <a:fontRef idx="minor">
+            <a:schemeClr val="tx1"/>
+          </a:fontRef>
+        </p:style>
+      </p:cxnSp>
+      <p:sp>
+        <p:nvSpPr>
+          <p:cNvPr id="206" name="TextBox 205"/>
           <p:cNvSpPr txBox="1"/>
           <p:nvPr/>
         </p:nvSpPr>
         <p:spPr>
-          <a:xfrm>
-            <a:off x="4367363" y="5679158"/>
-            <a:ext cx="476412" cy="276999"/>
+          <a:xfrm flipH="1">
+            <a:off x="4716047" y="6044665"/>
+            <a:ext cx="846605" cy="307777"/>
           </a:xfrm>
           <a:prstGeom prst="rect">
             <a:avLst/>
@@ -5804,28 +6838,68 @@
           <a:noFill/>
         </p:spPr>
         <p:txBody>
-          <a:bodyPr wrap="none" rtlCol="0">
+          <a:bodyPr wrap="square" rtlCol="0">
             <a:spAutoFit/>
           </a:bodyPr>
           <a:lstStyle/>
           <a:p>
             <a:r>
-              <a:rPr lang="en-US" sz="1200" dirty="0"/>
-              <a:t>GND</a:t>
-            </a:r>
-          </a:p>
-        </p:txBody>
-      </p:sp>
-      <p:sp>
-        <p:nvSpPr>
-          <p:cNvPr id="203" name="TextBox 202"/>
+              <a:rPr lang="en-US" sz="1400" dirty="0" smtClean="0"/>
+              <a:t>Ground</a:t>
+            </a:r>
+            <a:endParaRPr lang="en-US" sz="1400" dirty="0"/>
+          </a:p>
+        </p:txBody>
+      </p:sp>
+      <p:cxnSp>
+        <p:nvCxnSpPr>
+          <p:cNvPr id="207" name="Straight Arrow Connector 206"/>
+          <p:cNvCxnSpPr/>
+          <p:nvPr/>
+        </p:nvCxnSpPr>
+        <p:spPr>
+          <a:xfrm flipH="1">
+            <a:off x="4730909" y="6592969"/>
+            <a:ext cx="652499" cy="0"/>
+          </a:xfrm>
+          <a:prstGeom prst="straightConnector1">
+            <a:avLst/>
+          </a:prstGeom>
+          <a:ln>
+            <a:solidFill>
+              <a:schemeClr val="accent2">
+                <a:lumMod val="75000"/>
+              </a:schemeClr>
+            </a:solidFill>
+            <a:headEnd type="triangle"/>
+            <a:tailEnd type="triangle"/>
+          </a:ln>
+        </p:spPr>
+        <p:style>
+          <a:lnRef idx="1">
+            <a:schemeClr val="accent1"/>
+          </a:lnRef>
+          <a:fillRef idx="0">
+            <a:schemeClr val="accent1"/>
+          </a:fillRef>
+          <a:effectRef idx="0">
+            <a:schemeClr val="accent1"/>
+          </a:effectRef>
+          <a:fontRef idx="minor">
+            <a:schemeClr val="tx1"/>
+          </a:fontRef>
+        </p:style>
+      </p:cxnSp>
+      <p:sp>
+        <p:nvSpPr>
+          <p:cNvPr id="208" name="TextBox 207"/>
           <p:cNvSpPr txBox="1"/>
           <p:nvPr/>
         </p:nvSpPr>
         <p:spPr>
-          <a:xfrm>
-            <a:off x="5915613" y="5895827"/>
-            <a:ext cx="433388" cy="276999"/>
+          <a:xfrm flipH="1">
+            <a:off x="4706688" y="6354710"/>
+            <a:ext cx="689189" cy="307777"/>
           </a:xfrm>
           <a:prstGeom prst="rect">
             <a:avLst/>
@@ -5833,57 +6907,123 @@
           <a:noFill/>
         </p:spPr>
         <p:txBody>
-          <a:bodyPr wrap="none" rtlCol="0">
+          <a:bodyPr wrap="square" rtlCol="0">
             <a:spAutoFit/>
           </a:bodyPr>
           <a:lstStyle/>
           <a:p>
-            <a:r>
-              <a:rPr lang="en-US" sz="1200" dirty="0"/>
-              <a:t>VCC</a:t>
-            </a:r>
-          </a:p>
-        </p:txBody>
-      </p:sp>
-      <p:sp>
-        <p:nvSpPr>
-          <p:cNvPr id="204" name="TextBox 203"/>
+            <a:pPr algn="ctr"/>
+            <a:r>
+              <a:rPr lang="en-US" sz="1400" dirty="0" smtClean="0">
+                <a:solidFill>
+                  <a:schemeClr val="accent2">
+                    <a:lumMod val="75000"/>
+                  </a:schemeClr>
+                </a:solidFill>
+              </a:rPr>
+              <a:t>Serial</a:t>
+            </a:r>
+            <a:endParaRPr lang="en-US" sz="1400" dirty="0">
+              <a:solidFill>
+                <a:schemeClr val="accent2">
+                  <a:lumMod val="75000"/>
+                </a:schemeClr>
+              </a:solidFill>
+            </a:endParaRPr>
+          </a:p>
+        </p:txBody>
+      </p:sp>
+      <p:sp>
+        <p:nvSpPr>
+          <p:cNvPr id="117" name="TextBox 116"/>
           <p:cNvSpPr txBox="1"/>
           <p:nvPr/>
         </p:nvSpPr>
         <p:spPr>
           <a:xfrm>
-            <a:off x="5923145" y="5437392"/>
-            <a:ext cx="391454" cy="276999"/>
+            <a:off x="7235460" y="4583696"/>
+            <a:ext cx="931333" cy="640687"/>
           </a:xfrm>
           <a:prstGeom prst="rect">
             <a:avLst/>
           </a:prstGeom>
-          <a:noFill/>
-        </p:spPr>
-        <p:txBody>
-          <a:bodyPr wrap="none" rtlCol="0">
+          <a:solidFill>
+            <a:schemeClr val="accent6"/>
+          </a:solidFill>
+          <a:ln w="38100">
+            <a:solidFill>
+              <a:schemeClr val="tx1"/>
+            </a:solidFill>
+          </a:ln>
+        </p:spPr>
+        <p:txBody>
+          <a:bodyPr wrap="square" rtlCol="0">
             <a:spAutoFit/>
           </a:bodyPr>
           <a:lstStyle/>
           <a:p>
-            <a:r>
-              <a:rPr lang="en-US" sz="1200" dirty="0"/>
-              <a:t>SIG</a:t>
-            </a:r>
-          </a:p>
-        </p:txBody>
-      </p:sp>
-      <p:sp>
-        <p:nvSpPr>
-          <p:cNvPr id="205" name="TextBox 204"/>
+            <a:pPr algn="ctr"/>
+            <a:r>
+              <a:rPr lang="en-US" dirty="0" smtClean="0"/>
+              <a:t>XL-320</a:t>
+            </a:r>
+          </a:p>
+          <a:p>
+            <a:pPr algn="ctr"/>
+            <a:r>
+              <a:rPr lang="en-US" dirty="0" smtClean="0"/>
+              <a:t>Servo</a:t>
+            </a:r>
+            <a:endParaRPr lang="en-US" dirty="0"/>
+          </a:p>
+        </p:txBody>
+      </p:sp>
+      <p:cxnSp>
+        <p:nvCxnSpPr>
+          <p:cNvPr id="120" name="Straight Arrow Connector 119"/>
+          <p:cNvCxnSpPr/>
+          <p:nvPr/>
+        </p:nvCxnSpPr>
+        <p:spPr>
+          <a:xfrm>
+            <a:off x="8258234" y="4577816"/>
+            <a:ext cx="610442" cy="0"/>
+          </a:xfrm>
+          <a:prstGeom prst="straightConnector1">
+            <a:avLst/>
+          </a:prstGeom>
+          <a:ln>
+            <a:solidFill>
+              <a:srgbClr val="FF0000"/>
+            </a:solidFill>
+            <a:tailEnd type="triangle"/>
+          </a:ln>
+        </p:spPr>
+        <p:style>
+          <a:lnRef idx="1">
+            <a:schemeClr val="accent1"/>
+          </a:lnRef>
+          <a:fillRef idx="0">
+            <a:schemeClr val="accent1"/>
+          </a:fillRef>
+          <a:effectRef idx="0">
+            <a:schemeClr val="accent1"/>
+          </a:effectRef>
+          <a:fontRef idx="minor">
+            <a:schemeClr val="tx1"/>
+          </a:fontRef>
+        </p:style>
+      </p:cxnSp>
+      <p:sp>
+        <p:nvSpPr>
+          <p:cNvPr id="122" name="TextBox 121"/>
           <p:cNvSpPr txBox="1"/>
           <p:nvPr/>
         </p:nvSpPr>
         <p:spPr>
-          <a:xfrm>
-            <a:off x="5874035" y="5679160"/>
-            <a:ext cx="476412" cy="276999"/>
+          <a:xfrm flipH="1">
+            <a:off x="8332884" y="4342177"/>
+            <a:ext cx="423303" cy="307777"/>
           </a:xfrm>
           <a:prstGeom prst="rect">
             <a:avLst/>
@@ -5891,28 +7031,74 @@
           <a:noFill/>
         </p:spPr>
         <p:txBody>
-          <a:bodyPr wrap="none" rtlCol="0">
+          <a:bodyPr wrap="square" rtlCol="0">
             <a:spAutoFit/>
           </a:bodyPr>
           <a:lstStyle/>
           <a:p>
-            <a:r>
-              <a:rPr lang="en-US" sz="1200" dirty="0"/>
-              <a:t>GND</a:t>
-            </a:r>
-          </a:p>
-        </p:txBody>
-      </p:sp>
-      <p:sp>
-        <p:nvSpPr>
-          <p:cNvPr id="206" name="TextBox 205"/>
+            <a:pPr algn="ctr"/>
+            <a:r>
+              <a:rPr lang="en-US" sz="1400" dirty="0" smtClean="0">
+                <a:solidFill>
+                  <a:srgbClr val="FF0000"/>
+                </a:solidFill>
+              </a:rPr>
+              <a:t>Vin</a:t>
+            </a:r>
+            <a:endParaRPr lang="en-US" sz="1400" dirty="0">
+              <a:solidFill>
+                <a:srgbClr val="FF0000"/>
+              </a:solidFill>
+            </a:endParaRPr>
+          </a:p>
+        </p:txBody>
+      </p:sp>
+      <p:cxnSp>
+        <p:nvCxnSpPr>
+          <p:cNvPr id="124" name="Straight Arrow Connector 123"/>
+          <p:cNvCxnSpPr/>
+          <p:nvPr/>
+        </p:nvCxnSpPr>
+        <p:spPr>
+          <a:xfrm flipV="1">
+            <a:off x="8258234" y="4881096"/>
+            <a:ext cx="610442" cy="84"/>
+          </a:xfrm>
+          <a:prstGeom prst="straightConnector1">
+            <a:avLst/>
+          </a:prstGeom>
+          <a:ln>
+            <a:solidFill>
+              <a:schemeClr val="tx1"/>
+            </a:solidFill>
+            <a:tailEnd type="triangle"/>
+          </a:ln>
+        </p:spPr>
+        <p:style>
+          <a:lnRef idx="1">
+            <a:schemeClr val="accent1"/>
+          </a:lnRef>
+          <a:fillRef idx="0">
+            <a:schemeClr val="accent1"/>
+          </a:fillRef>
+          <a:effectRef idx="0">
+            <a:schemeClr val="accent1"/>
+          </a:effectRef>
+          <a:fontRef idx="minor">
+            <a:schemeClr val="tx1"/>
+          </a:fontRef>
+        </p:style>
+      </p:cxnSp>
+      <p:sp>
+        <p:nvSpPr>
+          <p:cNvPr id="127" name="TextBox 126"/>
           <p:cNvSpPr txBox="1"/>
           <p:nvPr/>
         </p:nvSpPr>
         <p:spPr>
-          <a:xfrm>
-            <a:off x="7363401" y="5899280"/>
-            <a:ext cx="433388" cy="276999"/>
+          <a:xfrm flipH="1">
+            <a:off x="8172152" y="4614096"/>
+            <a:ext cx="846605" cy="307777"/>
           </a:xfrm>
           <a:prstGeom prst="rect">
             <a:avLst/>
@@ -5920,28 +7106,68 @@
           <a:noFill/>
         </p:spPr>
         <p:txBody>
-          <a:bodyPr wrap="none" rtlCol="0">
+          <a:bodyPr wrap="square" rtlCol="0">
             <a:spAutoFit/>
           </a:bodyPr>
           <a:lstStyle/>
           <a:p>
             <a:r>
-              <a:rPr lang="en-US" sz="1200" dirty="0"/>
-              <a:t>VCC</a:t>
-            </a:r>
-          </a:p>
-        </p:txBody>
-      </p:sp>
-      <p:sp>
-        <p:nvSpPr>
-          <p:cNvPr id="207" name="TextBox 206"/>
+              <a:rPr lang="en-US" sz="1400" dirty="0" smtClean="0"/>
+              <a:t>Ground</a:t>
+            </a:r>
+            <a:endParaRPr lang="en-US" sz="1400" dirty="0"/>
+          </a:p>
+        </p:txBody>
+      </p:sp>
+      <p:cxnSp>
+        <p:nvCxnSpPr>
+          <p:cNvPr id="132" name="Straight Arrow Connector 131"/>
+          <p:cNvCxnSpPr/>
+          <p:nvPr/>
+        </p:nvCxnSpPr>
+        <p:spPr>
+          <a:xfrm flipH="1">
+            <a:off x="8237366" y="5177389"/>
+            <a:ext cx="652499" cy="0"/>
+          </a:xfrm>
+          <a:prstGeom prst="straightConnector1">
+            <a:avLst/>
+          </a:prstGeom>
+          <a:ln>
+            <a:solidFill>
+              <a:schemeClr val="accent2">
+                <a:lumMod val="75000"/>
+              </a:schemeClr>
+            </a:solidFill>
+            <a:headEnd type="triangle"/>
+            <a:tailEnd type="triangle"/>
+          </a:ln>
+        </p:spPr>
+        <p:style>
+          <a:lnRef idx="1">
+            <a:schemeClr val="accent1"/>
+          </a:lnRef>
+          <a:fillRef idx="0">
+            <a:schemeClr val="accent1"/>
+          </a:fillRef>
+          <a:effectRef idx="0">
+            <a:schemeClr val="accent1"/>
+          </a:effectRef>
+          <a:fontRef idx="minor">
+            <a:schemeClr val="tx1"/>
+          </a:fontRef>
+        </p:style>
+      </p:cxnSp>
+      <p:sp>
+        <p:nvSpPr>
+          <p:cNvPr id="134" name="TextBox 133"/>
           <p:cNvSpPr txBox="1"/>
           <p:nvPr/>
         </p:nvSpPr>
         <p:spPr>
-          <a:xfrm>
-            <a:off x="7370933" y="5440845"/>
-            <a:ext cx="391454" cy="276999"/>
+          <a:xfrm flipH="1">
+            <a:off x="8213145" y="4939130"/>
+            <a:ext cx="689189" cy="307777"/>
           </a:xfrm>
           <a:prstGeom prst="rect">
             <a:avLst/>
@@ -5949,57 +7175,123 @@
           <a:noFill/>
         </p:spPr>
         <p:txBody>
-          <a:bodyPr wrap="none" rtlCol="0">
+          <a:bodyPr wrap="square" rtlCol="0">
             <a:spAutoFit/>
           </a:bodyPr>
           <a:lstStyle/>
           <a:p>
-            <a:r>
-              <a:rPr lang="en-US" sz="1200" dirty="0"/>
-              <a:t>SIG</a:t>
-            </a:r>
-          </a:p>
-        </p:txBody>
-      </p:sp>
-      <p:sp>
-        <p:nvSpPr>
-          <p:cNvPr id="208" name="TextBox 207"/>
+            <a:pPr algn="ctr"/>
+            <a:r>
+              <a:rPr lang="en-US" sz="1400" dirty="0" smtClean="0">
+                <a:solidFill>
+                  <a:schemeClr val="accent2">
+                    <a:lumMod val="75000"/>
+                  </a:schemeClr>
+                </a:solidFill>
+              </a:rPr>
+              <a:t>Serial</a:t>
+            </a:r>
+            <a:endParaRPr lang="en-US" sz="1400" dirty="0">
+              <a:solidFill>
+                <a:schemeClr val="accent2">
+                  <a:lumMod val="75000"/>
+                </a:schemeClr>
+              </a:solidFill>
+            </a:endParaRPr>
+          </a:p>
+        </p:txBody>
+      </p:sp>
+      <p:sp>
+        <p:nvSpPr>
+          <p:cNvPr id="138" name="TextBox 137"/>
           <p:cNvSpPr txBox="1"/>
           <p:nvPr/>
         </p:nvSpPr>
         <p:spPr>
           <a:xfrm>
-            <a:off x="7321823" y="5682613"/>
-            <a:ext cx="476412" cy="276999"/>
+            <a:off x="7230947" y="5981916"/>
+            <a:ext cx="931333" cy="640687"/>
           </a:xfrm>
           <a:prstGeom prst="rect">
             <a:avLst/>
           </a:prstGeom>
-          <a:noFill/>
-        </p:spPr>
-        <p:txBody>
-          <a:bodyPr wrap="none" rtlCol="0">
+          <a:solidFill>
+            <a:schemeClr val="accent6"/>
+          </a:solidFill>
+          <a:ln w="38100">
+            <a:solidFill>
+              <a:schemeClr val="tx1"/>
+            </a:solidFill>
+          </a:ln>
+        </p:spPr>
+        <p:txBody>
+          <a:bodyPr wrap="square" rtlCol="0">
             <a:spAutoFit/>
           </a:bodyPr>
           <a:lstStyle/>
           <a:p>
-            <a:r>
-              <a:rPr lang="en-US" sz="1200" dirty="0"/>
-              <a:t>GND</a:t>
-            </a:r>
-          </a:p>
-        </p:txBody>
-      </p:sp>
-      <p:sp>
-        <p:nvSpPr>
-          <p:cNvPr id="209" name="TextBox 208"/>
+            <a:pPr algn="ctr"/>
+            <a:r>
+              <a:rPr lang="en-US" dirty="0" smtClean="0"/>
+              <a:t>XL-320</a:t>
+            </a:r>
+          </a:p>
+          <a:p>
+            <a:pPr algn="ctr"/>
+            <a:r>
+              <a:rPr lang="en-US" dirty="0" smtClean="0"/>
+              <a:t>Servo</a:t>
+            </a:r>
+            <a:endParaRPr lang="en-US" dirty="0"/>
+          </a:p>
+        </p:txBody>
+      </p:sp>
+      <p:cxnSp>
+        <p:nvCxnSpPr>
+          <p:cNvPr id="145" name="Straight Arrow Connector 144"/>
+          <p:cNvCxnSpPr/>
+          <p:nvPr/>
+        </p:nvCxnSpPr>
+        <p:spPr>
+          <a:xfrm flipH="1">
+            <a:off x="8288714" y="6002756"/>
+            <a:ext cx="610442" cy="0"/>
+          </a:xfrm>
+          <a:prstGeom prst="straightConnector1">
+            <a:avLst/>
+          </a:prstGeom>
+          <a:ln>
+            <a:solidFill>
+              <a:srgbClr val="FF0000"/>
+            </a:solidFill>
+            <a:tailEnd type="triangle"/>
+          </a:ln>
+        </p:spPr>
+        <p:style>
+          <a:lnRef idx="1">
+            <a:schemeClr val="accent1"/>
+          </a:lnRef>
+          <a:fillRef idx="0">
+            <a:schemeClr val="accent1"/>
+          </a:fillRef>
+          <a:effectRef idx="0">
+            <a:schemeClr val="accent1"/>
+          </a:effectRef>
+          <a:fontRef idx="minor">
+            <a:schemeClr val="tx1"/>
+          </a:fontRef>
+        </p:style>
+      </p:cxnSp>
+      <p:sp>
+        <p:nvSpPr>
+          <p:cNvPr id="146" name="TextBox 145"/>
           <p:cNvSpPr txBox="1"/>
           <p:nvPr/>
         </p:nvSpPr>
         <p:spPr>
-          <a:xfrm>
-            <a:off x="8866617" y="5906219"/>
-            <a:ext cx="433388" cy="276999"/>
+          <a:xfrm flipH="1">
+            <a:off x="8363364" y="5767117"/>
+            <a:ext cx="423303" cy="307777"/>
           </a:xfrm>
           <a:prstGeom prst="rect">
             <a:avLst/>
@@ -6007,28 +7299,74 @@
           <a:noFill/>
         </p:spPr>
         <p:txBody>
-          <a:bodyPr wrap="none" rtlCol="0">
+          <a:bodyPr wrap="square" rtlCol="0">
             <a:spAutoFit/>
           </a:bodyPr>
           <a:lstStyle/>
           <a:p>
-            <a:r>
-              <a:rPr lang="en-US" sz="1200" dirty="0"/>
-              <a:t>VCC</a:t>
-            </a:r>
-          </a:p>
-        </p:txBody>
-      </p:sp>
-      <p:sp>
-        <p:nvSpPr>
-          <p:cNvPr id="210" name="TextBox 209"/>
+            <a:pPr algn="ctr"/>
+            <a:r>
+              <a:rPr lang="en-US" sz="1400" dirty="0" smtClean="0">
+                <a:solidFill>
+                  <a:srgbClr val="FF0000"/>
+                </a:solidFill>
+              </a:rPr>
+              <a:t>Vin</a:t>
+            </a:r>
+            <a:endParaRPr lang="en-US" sz="1400" dirty="0">
+              <a:solidFill>
+                <a:srgbClr val="FF0000"/>
+              </a:solidFill>
+            </a:endParaRPr>
+          </a:p>
+        </p:txBody>
+      </p:sp>
+      <p:cxnSp>
+        <p:nvCxnSpPr>
+          <p:cNvPr id="147" name="Straight Arrow Connector 146"/>
+          <p:cNvCxnSpPr/>
+          <p:nvPr/>
+        </p:nvCxnSpPr>
+        <p:spPr>
+          <a:xfrm flipH="1" flipV="1">
+            <a:off x="8288714" y="6306036"/>
+            <a:ext cx="610442" cy="84"/>
+          </a:xfrm>
+          <a:prstGeom prst="straightConnector1">
+            <a:avLst/>
+          </a:prstGeom>
+          <a:ln>
+            <a:solidFill>
+              <a:schemeClr val="tx1"/>
+            </a:solidFill>
+            <a:tailEnd type="triangle"/>
+          </a:ln>
+        </p:spPr>
+        <p:style>
+          <a:lnRef idx="1">
+            <a:schemeClr val="accent1"/>
+          </a:lnRef>
+          <a:fillRef idx="0">
+            <a:schemeClr val="accent1"/>
+          </a:fillRef>
+          <a:effectRef idx="0">
+            <a:schemeClr val="accent1"/>
+          </a:effectRef>
+          <a:fontRef idx="minor">
+            <a:schemeClr val="tx1"/>
+          </a:fontRef>
+        </p:style>
+      </p:cxnSp>
+      <p:sp>
+        <p:nvSpPr>
+          <p:cNvPr id="148" name="TextBox 147"/>
           <p:cNvSpPr txBox="1"/>
           <p:nvPr/>
         </p:nvSpPr>
         <p:spPr>
-          <a:xfrm>
-            <a:off x="8874149" y="5447784"/>
-            <a:ext cx="391454" cy="276999"/>
+          <a:xfrm flipH="1">
+            <a:off x="8258392" y="6033043"/>
+            <a:ext cx="846605" cy="307777"/>
           </a:xfrm>
           <a:prstGeom prst="rect">
             <a:avLst/>
@@ -6036,28 +7374,68 @@
           <a:noFill/>
         </p:spPr>
         <p:txBody>
-          <a:bodyPr wrap="none" rtlCol="0">
+          <a:bodyPr wrap="square" rtlCol="0">
             <a:spAutoFit/>
           </a:bodyPr>
           <a:lstStyle/>
           <a:p>
             <a:r>
-              <a:rPr lang="en-US" sz="1200" dirty="0"/>
-              <a:t>SIG</a:t>
-            </a:r>
-          </a:p>
-        </p:txBody>
-      </p:sp>
-      <p:sp>
-        <p:nvSpPr>
-          <p:cNvPr id="211" name="TextBox 210"/>
+              <a:rPr lang="en-US" sz="1400" dirty="0" smtClean="0"/>
+              <a:t>Ground</a:t>
+            </a:r>
+            <a:endParaRPr lang="en-US" sz="1400" dirty="0"/>
+          </a:p>
+        </p:txBody>
+      </p:sp>
+      <p:cxnSp>
+        <p:nvCxnSpPr>
+          <p:cNvPr id="149" name="Straight Arrow Connector 148"/>
+          <p:cNvCxnSpPr/>
+          <p:nvPr/>
+        </p:nvCxnSpPr>
+        <p:spPr>
+          <a:xfrm flipH="1">
+            <a:off x="8267846" y="6602329"/>
+            <a:ext cx="652499" cy="0"/>
+          </a:xfrm>
+          <a:prstGeom prst="straightConnector1">
+            <a:avLst/>
+          </a:prstGeom>
+          <a:ln>
+            <a:solidFill>
+              <a:schemeClr val="accent2">
+                <a:lumMod val="75000"/>
+              </a:schemeClr>
+            </a:solidFill>
+            <a:headEnd type="triangle"/>
+            <a:tailEnd type="triangle"/>
+          </a:ln>
+        </p:spPr>
+        <p:style>
+          <a:lnRef idx="1">
+            <a:schemeClr val="accent1"/>
+          </a:lnRef>
+          <a:fillRef idx="0">
+            <a:schemeClr val="accent1"/>
+          </a:fillRef>
+          <a:effectRef idx="0">
+            <a:schemeClr val="accent1"/>
+          </a:effectRef>
+          <a:fontRef idx="minor">
+            <a:schemeClr val="tx1"/>
+          </a:fontRef>
+        </p:style>
+      </p:cxnSp>
+      <p:sp>
+        <p:nvSpPr>
+          <p:cNvPr id="150" name="TextBox 149"/>
           <p:cNvSpPr txBox="1"/>
           <p:nvPr/>
         </p:nvSpPr>
         <p:spPr>
-          <a:xfrm>
-            <a:off x="8825039" y="5689552"/>
-            <a:ext cx="476412" cy="276999"/>
+          <a:xfrm flipH="1">
+            <a:off x="8243625" y="6364070"/>
+            <a:ext cx="689189" cy="307777"/>
           </a:xfrm>
           <a:prstGeom prst="rect">
             <a:avLst/>
@@ -6065,109 +7443,36 @@
           <a:noFill/>
         </p:spPr>
         <p:txBody>
-          <a:bodyPr wrap="none" rtlCol="0">
+          <a:bodyPr wrap="square" rtlCol="0">
             <a:spAutoFit/>
           </a:bodyPr>
           <a:lstStyle/>
           <a:p>
-            <a:r>
-              <a:rPr lang="en-US" sz="1200" dirty="0"/>
-              <a:t>GND</a:t>
-            </a:r>
-          </a:p>
-        </p:txBody>
-      </p:sp>
-      <p:sp>
-        <p:nvSpPr>
-          <p:cNvPr id="212" name="TextBox 211"/>
-          <p:cNvSpPr txBox="1"/>
-          <p:nvPr/>
-        </p:nvSpPr>
-        <p:spPr>
-          <a:xfrm>
-            <a:off x="10355973" y="5913144"/>
-            <a:ext cx="433388" cy="276999"/>
-          </a:xfrm>
-          <a:prstGeom prst="rect">
-            <a:avLst/>
-          </a:prstGeom>
-          <a:noFill/>
-        </p:spPr>
-        <p:txBody>
-          <a:bodyPr wrap="none" rtlCol="0">
-            <a:spAutoFit/>
-          </a:bodyPr>
-          <a:lstStyle/>
-          <a:p>
-            <a:r>
-              <a:rPr lang="en-US" sz="1200" dirty="0"/>
-              <a:t>VCC</a:t>
-            </a:r>
-          </a:p>
-        </p:txBody>
-      </p:sp>
-      <p:sp>
-        <p:nvSpPr>
-          <p:cNvPr id="213" name="TextBox 212"/>
-          <p:cNvSpPr txBox="1"/>
-          <p:nvPr/>
-        </p:nvSpPr>
-        <p:spPr>
-          <a:xfrm>
-            <a:off x="10363505" y="5454709"/>
-            <a:ext cx="391454" cy="276999"/>
-          </a:xfrm>
-          <a:prstGeom prst="rect">
-            <a:avLst/>
-          </a:prstGeom>
-          <a:noFill/>
-        </p:spPr>
-        <p:txBody>
-          <a:bodyPr wrap="none" rtlCol="0">
-            <a:spAutoFit/>
-          </a:bodyPr>
-          <a:lstStyle/>
-          <a:p>
-            <a:r>
-              <a:rPr lang="en-US" sz="1200" dirty="0"/>
-              <a:t>SIG</a:t>
-            </a:r>
-          </a:p>
-        </p:txBody>
-      </p:sp>
-      <p:sp>
-        <p:nvSpPr>
-          <p:cNvPr id="214" name="TextBox 213"/>
-          <p:cNvSpPr txBox="1"/>
-          <p:nvPr/>
-        </p:nvSpPr>
-        <p:spPr>
-          <a:xfrm>
-            <a:off x="10314395" y="5696477"/>
-            <a:ext cx="476412" cy="276999"/>
-          </a:xfrm>
-          <a:prstGeom prst="rect">
-            <a:avLst/>
-          </a:prstGeom>
-          <a:noFill/>
-        </p:spPr>
-        <p:txBody>
-          <a:bodyPr wrap="none" rtlCol="0">
-            <a:spAutoFit/>
-          </a:bodyPr>
-          <a:lstStyle/>
-          <a:p>
-            <a:r>
-              <a:rPr lang="en-US" sz="1200" dirty="0"/>
-              <a:t>GND</a:t>
-            </a:r>
+            <a:pPr algn="ctr"/>
+            <a:r>
+              <a:rPr lang="en-US" sz="1400" dirty="0" smtClean="0">
+                <a:solidFill>
+                  <a:schemeClr val="accent2">
+                    <a:lumMod val="75000"/>
+                  </a:schemeClr>
+                </a:solidFill>
+              </a:rPr>
+              <a:t>Serial</a:t>
+            </a:r>
+            <a:endParaRPr lang="en-US" sz="1400" dirty="0">
+              <a:solidFill>
+                <a:schemeClr val="accent2">
+                  <a:lumMod val="75000"/>
+                </a:schemeClr>
+              </a:solidFill>
+            </a:endParaRPr>
           </a:p>
         </p:txBody>
       </p:sp>
     </p:spTree>
     <p:extLst>
       <p:ext uri="{BB962C8B-B14F-4D97-AF65-F5344CB8AC3E}">
-        <p14:creationId xmlns:p14="http://schemas.microsoft.com/office/powerpoint/2010/main" val="4278688380"/>
+        <p14:creationId xmlns:p14="http://schemas.microsoft.com/office/powerpoint/2010/main" val="1413733456"/>
       </p:ext>
     </p:extLst>
   </p:cSld>
@@ -6223,9 +7528,9 @@
         <a:latin typeface="Calibri Light" panose="020F0302020204030204"/>
         <a:ea typeface=""/>
         <a:cs typeface=""/>
-        <a:font script="Jpan" typeface="游ゴシック Light"/>
+        <a:font script="Jpan" typeface="ＭＳ Ｐゴシック"/>
         <a:font script="Hang" typeface="맑은 고딕"/>
-        <a:font script="Hans" typeface="等线 Light"/>
+        <a:font script="Hans" typeface="宋体"/>
         <a:font script="Hant" typeface="新細明體"/>
         <a:font script="Arab" typeface="Times New Roman"/>
         <a:font script="Hebr" typeface="Times New Roman"/>
@@ -6253,31 +7558,14 @@
         <a:font script="Viet" typeface="Times New Roman"/>
         <a:font script="Uigh" typeface="Microsoft Uighur"/>
         <a:font script="Geor" typeface="Sylfaen"/>
-        <a:font script="Armn" typeface="Arial"/>
-        <a:font script="Bugi" typeface="Leelawadee UI"/>
-        <a:font script="Bopo" typeface="Microsoft JhengHei"/>
-        <a:font script="Java" typeface="Javanese Text"/>
-        <a:font script="Lisu" typeface="Segoe UI"/>
-        <a:font script="Mymr" typeface="Myanmar Text"/>
-        <a:font script="Nkoo" typeface="Ebrima"/>
-        <a:font script="Olck" typeface="Nirmala UI"/>
-        <a:font script="Osma" typeface="Ebrima"/>
-        <a:font script="Phag" typeface="Phagspa"/>
-        <a:font script="Syrn" typeface="Estrangelo Edessa"/>
-        <a:font script="Syrj" typeface="Estrangelo Edessa"/>
-        <a:font script="Syre" typeface="Estrangelo Edessa"/>
-        <a:font script="Sora" typeface="Nirmala UI"/>
-        <a:font script="Tale" typeface="Microsoft Tai Le"/>
-        <a:font script="Talu" typeface="Microsoft New Tai Lue"/>
-        <a:font script="Tfng" typeface="Ebrima"/>
       </a:majorFont>
       <a:minorFont>
         <a:latin typeface="Calibri" panose="020F0502020204030204"/>
         <a:ea typeface=""/>
         <a:cs typeface=""/>
-        <a:font script="Jpan" typeface="游ゴシック"/>
+        <a:font script="Jpan" typeface="ＭＳ Ｐゴシック"/>
         <a:font script="Hang" typeface="맑은 고딕"/>
-        <a:font script="Hans" typeface="等线"/>
+        <a:font script="Hans" typeface="宋体"/>
         <a:font script="Hant" typeface="新細明體"/>
         <a:font script="Arab" typeface="Arial"/>
         <a:font script="Hebr" typeface="Arial"/>
@@ -6305,23 +7593,6 @@
         <a:font script="Viet" typeface="Arial"/>
         <a:font script="Uigh" typeface="Microsoft Uighur"/>
         <a:font script="Geor" typeface="Sylfaen"/>
-        <a:font script="Armn" typeface="Arial"/>
-        <a:font script="Bugi" typeface="Leelawadee UI"/>
-        <a:font script="Bopo" typeface="Microsoft JhengHei"/>
-        <a:font script="Java" typeface="Javanese Text"/>
-        <a:font script="Lisu" typeface="Segoe UI"/>
-        <a:font script="Mymr" typeface="Myanmar Text"/>
-        <a:font script="Nkoo" typeface="Ebrima"/>
-        <a:font script="Olck" typeface="Nirmala UI"/>
-        <a:font script="Osma" typeface="Ebrima"/>
-        <a:font script="Phag" typeface="Phagspa"/>
-        <a:font script="Syrn" typeface="Estrangelo Edessa"/>
-        <a:font script="Syrj" typeface="Estrangelo Edessa"/>
-        <a:font script="Syre" typeface="Estrangelo Edessa"/>
-        <a:font script="Sora" typeface="Nirmala UI"/>
-        <a:font script="Tale" typeface="Microsoft Tai Le"/>
-        <a:font script="Talu" typeface="Microsoft New Tai Lue"/>
-        <a:font script="Tfng" typeface="Ebrima"/>
       </a:minorFont>
     </a:fontScheme>
     <a:fmtScheme name="Office">
